--- a/Project2.pptx
+++ b/Project2.pptx
@@ -6,16 +6,18 @@
   </p:sldMasterIdLst>
   <p:sldIdLst>
     <p:sldId id="256" r:id="rId2"/>
-    <p:sldId id="257" r:id="rId3"/>
-    <p:sldId id="258" r:id="rId4"/>
-    <p:sldId id="259" r:id="rId5"/>
-    <p:sldId id="260" r:id="rId6"/>
-    <p:sldId id="261" r:id="rId7"/>
-    <p:sldId id="262" r:id="rId8"/>
-    <p:sldId id="263" r:id="rId9"/>
-    <p:sldId id="264" r:id="rId10"/>
-    <p:sldId id="265" r:id="rId11"/>
-    <p:sldId id="266" r:id="rId12"/>
+    <p:sldId id="269" r:id="rId3"/>
+    <p:sldId id="257" r:id="rId4"/>
+    <p:sldId id="258" r:id="rId5"/>
+    <p:sldId id="259" r:id="rId6"/>
+    <p:sldId id="268" r:id="rId7"/>
+    <p:sldId id="271" r:id="rId8"/>
+    <p:sldId id="260" r:id="rId9"/>
+    <p:sldId id="270" r:id="rId10"/>
+    <p:sldId id="262" r:id="rId11"/>
+    <p:sldId id="264" r:id="rId12"/>
+    <p:sldId id="265" r:id="rId13"/>
+    <p:sldId id="266" r:id="rId14"/>
   </p:sldIdLst>
   <p:sldSz cx="9144000" cy="6858000" type="screen4x3"/>
   <p:notesSz cx="6858000" cy="9144000"/>
@@ -133,6 +135,296 @@
 </p:presentation>
 </file>
 
+<file path=ppt/revisionInfo.xml><?xml version="1.0" encoding="utf-8"?>
+<p1510:revInfo xmlns:a="http://schemas.openxmlformats.org/drawingml/2006/main" xmlns:r="http://schemas.openxmlformats.org/officeDocument/2006/relationships" xmlns:p1510="http://schemas.microsoft.com/office/powerpoint/2015/10/main">
+  <p1510:revLst>
+    <p1510:client id="{50606C37-8295-4DAA-8DC0-7AC76523FB0F}" v="17" dt="2024-09-09T20:17:22.515"/>
+  </p1510:revLst>
+</p1510:revInfo>
+</file>
+
+<file path=ppt/changesInfos/changesInfo1.xml><?xml version="1.0" encoding="utf-8"?>
+<pc:chgInfo xmlns:a="http://schemas.openxmlformats.org/drawingml/2006/main" xmlns:r="http://schemas.openxmlformats.org/officeDocument/2006/relationships" xmlns:ac="http://schemas.microsoft.com/office/drawing/2013/main/command" xmlns:pc="http://schemas.microsoft.com/office/powerpoint/2013/main/command">
+  <pc:docChgLst>
+    <pc:chgData name="Giselle Gómez" userId="85a3dd02c80e2a86" providerId="LiveId" clId="{50606C37-8295-4DAA-8DC0-7AC76523FB0F}"/>
+    <pc:docChg chg="undo custSel addSld delSld modSld sldOrd">
+      <pc:chgData name="Giselle Gómez" userId="85a3dd02c80e2a86" providerId="LiveId" clId="{50606C37-8295-4DAA-8DC0-7AC76523FB0F}" dt="2024-09-09T20:17:22.550" v="255" actId="27636"/>
+      <pc:docMkLst>
+        <pc:docMk/>
+      </pc:docMkLst>
+      <pc:sldChg chg="modSp mod modAnim">
+        <pc:chgData name="Giselle Gómez" userId="85a3dd02c80e2a86" providerId="LiveId" clId="{50606C37-8295-4DAA-8DC0-7AC76523FB0F}" dt="2024-09-09T20:17:22.550" v="255" actId="27636"/>
+        <pc:sldMkLst>
+          <pc:docMk/>
+          <pc:sldMk cId="0" sldId="256"/>
+        </pc:sldMkLst>
+        <pc:spChg chg="mod">
+          <ac:chgData name="Giselle Gómez" userId="85a3dd02c80e2a86" providerId="LiveId" clId="{50606C37-8295-4DAA-8DC0-7AC76523FB0F}" dt="2024-09-09T20:17:22.550" v="255" actId="27636"/>
+          <ac:spMkLst>
+            <pc:docMk/>
+            <pc:sldMk cId="0" sldId="256"/>
+            <ac:spMk id="3" creationId="{00000000-0000-0000-0000-000000000000}"/>
+          </ac:spMkLst>
+        </pc:spChg>
+      </pc:sldChg>
+      <pc:sldChg chg="ord">
+        <pc:chgData name="Giselle Gómez" userId="85a3dd02c80e2a86" providerId="LiveId" clId="{50606C37-8295-4DAA-8DC0-7AC76523FB0F}" dt="2024-09-09T20:08:34.235" v="109"/>
+        <pc:sldMkLst>
+          <pc:docMk/>
+          <pc:sldMk cId="0" sldId="260"/>
+        </pc:sldMkLst>
+      </pc:sldChg>
+      <pc:sldChg chg="del">
+        <pc:chgData name="Giselle Gómez" userId="85a3dd02c80e2a86" providerId="LiveId" clId="{50606C37-8295-4DAA-8DC0-7AC76523FB0F}" dt="2024-09-09T20:10:48.751" v="148" actId="47"/>
+        <pc:sldMkLst>
+          <pc:docMk/>
+          <pc:sldMk cId="0" sldId="261"/>
+        </pc:sldMkLst>
+      </pc:sldChg>
+      <pc:sldChg chg="modSp del mod ord">
+        <pc:chgData name="Giselle Gómez" userId="85a3dd02c80e2a86" providerId="LiveId" clId="{50606C37-8295-4DAA-8DC0-7AC76523FB0F}" dt="2024-09-09T20:16:32.541" v="253" actId="47"/>
+        <pc:sldMkLst>
+          <pc:docMk/>
+          <pc:sldMk cId="0" sldId="263"/>
+        </pc:sldMkLst>
+        <pc:spChg chg="mod">
+          <ac:chgData name="Giselle Gómez" userId="85a3dd02c80e2a86" providerId="LiveId" clId="{50606C37-8295-4DAA-8DC0-7AC76523FB0F}" dt="2024-09-09T20:11:33.274" v="164" actId="20577"/>
+          <ac:spMkLst>
+            <pc:docMk/>
+            <pc:sldMk cId="0" sldId="263"/>
+            <ac:spMk id="2" creationId="{00000000-0000-0000-0000-000000000000}"/>
+          </ac:spMkLst>
+        </pc:spChg>
+        <pc:spChg chg="mod">
+          <ac:chgData name="Giselle Gómez" userId="85a3dd02c80e2a86" providerId="LiveId" clId="{50606C37-8295-4DAA-8DC0-7AC76523FB0F}" dt="2024-09-09T19:42:52.563" v="26" actId="20577"/>
+          <ac:spMkLst>
+            <pc:docMk/>
+            <pc:sldMk cId="0" sldId="263"/>
+            <ac:spMk id="3" creationId="{00000000-0000-0000-0000-000000000000}"/>
+          </ac:spMkLst>
+        </pc:spChg>
+      </pc:sldChg>
+      <pc:sldChg chg="modSp mod">
+        <pc:chgData name="Giselle Gómez" userId="85a3dd02c80e2a86" providerId="LiveId" clId="{50606C37-8295-4DAA-8DC0-7AC76523FB0F}" dt="2024-09-09T20:04:18.422" v="69" actId="20577"/>
+        <pc:sldMkLst>
+          <pc:docMk/>
+          <pc:sldMk cId="0" sldId="265"/>
+        </pc:sldMkLst>
+        <pc:spChg chg="mod">
+          <ac:chgData name="Giselle Gómez" userId="85a3dd02c80e2a86" providerId="LiveId" clId="{50606C37-8295-4DAA-8DC0-7AC76523FB0F}" dt="2024-09-09T20:04:18.422" v="69" actId="20577"/>
+          <ac:spMkLst>
+            <pc:docMk/>
+            <pc:sldMk cId="0" sldId="265"/>
+            <ac:spMk id="2" creationId="{00000000-0000-0000-0000-000000000000}"/>
+          </ac:spMkLst>
+        </pc:spChg>
+      </pc:sldChg>
+      <pc:sldChg chg="modSp mod">
+        <pc:chgData name="Giselle Gómez" userId="85a3dd02c80e2a86" providerId="LiveId" clId="{50606C37-8295-4DAA-8DC0-7AC76523FB0F}" dt="2024-09-09T20:16:16.302" v="252" actId="255"/>
+        <pc:sldMkLst>
+          <pc:docMk/>
+          <pc:sldMk cId="0" sldId="266"/>
+        </pc:sldMkLst>
+        <pc:spChg chg="mod">
+          <ac:chgData name="Giselle Gómez" userId="85a3dd02c80e2a86" providerId="LiveId" clId="{50606C37-8295-4DAA-8DC0-7AC76523FB0F}" dt="2024-09-09T20:16:16.302" v="252" actId="255"/>
+          <ac:spMkLst>
+            <pc:docMk/>
+            <pc:sldMk cId="0" sldId="266"/>
+            <ac:spMk id="2" creationId="{00000000-0000-0000-0000-000000000000}"/>
+          </ac:spMkLst>
+        </pc:spChg>
+        <pc:spChg chg="mod">
+          <ac:chgData name="Giselle Gómez" userId="85a3dd02c80e2a86" providerId="LiveId" clId="{50606C37-8295-4DAA-8DC0-7AC76523FB0F}" dt="2024-09-09T20:15:43.971" v="248" actId="14100"/>
+          <ac:spMkLst>
+            <pc:docMk/>
+            <pc:sldMk cId="0" sldId="266"/>
+            <ac:spMk id="3" creationId="{00000000-0000-0000-0000-000000000000}"/>
+          </ac:spMkLst>
+        </pc:spChg>
+      </pc:sldChg>
+      <pc:sldChg chg="addSp delSp modSp del mod delDesignElem">
+        <pc:chgData name="Giselle Gómez" userId="85a3dd02c80e2a86" providerId="LiveId" clId="{50606C37-8295-4DAA-8DC0-7AC76523FB0F}" dt="2024-09-09T20:08:18.626" v="105" actId="47"/>
+        <pc:sldMkLst>
+          <pc:docMk/>
+          <pc:sldMk cId="1092590255" sldId="267"/>
+        </pc:sldMkLst>
+        <pc:spChg chg="mod">
+          <ac:chgData name="Giselle Gómez" userId="85a3dd02c80e2a86" providerId="LiveId" clId="{50606C37-8295-4DAA-8DC0-7AC76523FB0F}" dt="2024-09-09T19:32:50.544" v="18" actId="20577"/>
+          <ac:spMkLst>
+            <pc:docMk/>
+            <pc:sldMk cId="1092590255" sldId="267"/>
+            <ac:spMk id="2" creationId="{00000000-0000-0000-0000-000000000000}"/>
+          </ac:spMkLst>
+        </pc:spChg>
+        <pc:spChg chg="add del mod">
+          <ac:chgData name="Giselle Gómez" userId="85a3dd02c80e2a86" providerId="LiveId" clId="{50606C37-8295-4DAA-8DC0-7AC76523FB0F}" dt="2024-09-09T20:06:16.374" v="96" actId="478"/>
+          <ac:spMkLst>
+            <pc:docMk/>
+            <pc:sldMk cId="1092590255" sldId="267"/>
+            <ac:spMk id="3" creationId="{00000000-0000-0000-0000-000000000000}"/>
+          </ac:spMkLst>
+        </pc:spChg>
+        <pc:spChg chg="add del mod">
+          <ac:chgData name="Giselle Gómez" userId="85a3dd02c80e2a86" providerId="LiveId" clId="{50606C37-8295-4DAA-8DC0-7AC76523FB0F}" dt="2024-09-09T20:04:08.482" v="54" actId="478"/>
+          <ac:spMkLst>
+            <pc:docMk/>
+            <pc:sldMk cId="1092590255" sldId="267"/>
+            <ac:spMk id="5" creationId="{A9E2EACE-85FF-F911-C2DC-7A06AB25399E}"/>
+          </ac:spMkLst>
+        </pc:spChg>
+        <pc:spChg chg="add del">
+          <ac:chgData name="Giselle Gómez" userId="85a3dd02c80e2a86" providerId="LiveId" clId="{50606C37-8295-4DAA-8DC0-7AC76523FB0F}" dt="2024-09-09T20:04:34.715" v="71" actId="478"/>
+          <ac:spMkLst>
+            <pc:docMk/>
+            <pc:sldMk cId="1092590255" sldId="267"/>
+            <ac:spMk id="7" creationId="{75F9FB78-0E0F-20CD-AE06-6D75509F3E47}"/>
+          </ac:spMkLst>
+        </pc:spChg>
+        <pc:spChg chg="add del mod">
+          <ac:chgData name="Giselle Gómez" userId="85a3dd02c80e2a86" providerId="LiveId" clId="{50606C37-8295-4DAA-8DC0-7AC76523FB0F}" dt="2024-09-09T20:05:09.033" v="84" actId="478"/>
+          <ac:spMkLst>
+            <pc:docMk/>
+            <pc:sldMk cId="1092590255" sldId="267"/>
+            <ac:spMk id="11" creationId="{755C9955-5400-F53F-40BA-9B38EE006002}"/>
+          </ac:spMkLst>
+        </pc:spChg>
+        <pc:spChg chg="add mod">
+          <ac:chgData name="Giselle Gómez" userId="85a3dd02c80e2a86" providerId="LiveId" clId="{50606C37-8295-4DAA-8DC0-7AC76523FB0F}" dt="2024-09-09T20:05:07.320" v="82"/>
+          <ac:spMkLst>
+            <pc:docMk/>
+            <pc:sldMk cId="1092590255" sldId="267"/>
+            <ac:spMk id="12" creationId="{284B24EC-C7ED-944A-DAD0-42602FAFF8AF}"/>
+          </ac:spMkLst>
+        </pc:spChg>
+        <pc:spChg chg="add mod ord">
+          <ac:chgData name="Giselle Gómez" userId="85a3dd02c80e2a86" providerId="LiveId" clId="{50606C37-8295-4DAA-8DC0-7AC76523FB0F}" dt="2024-09-09T20:06:29.756" v="99" actId="1076"/>
+          <ac:spMkLst>
+            <pc:docMk/>
+            <pc:sldMk cId="1092590255" sldId="267"/>
+            <ac:spMk id="13" creationId="{348AFB9C-3580-95CE-AB19-40DAA1AEB496}"/>
+          </ac:spMkLst>
+        </pc:spChg>
+        <pc:spChg chg="add del mod">
+          <ac:chgData name="Giselle Gómez" userId="85a3dd02c80e2a86" providerId="LiveId" clId="{50606C37-8295-4DAA-8DC0-7AC76523FB0F}" dt="2024-09-09T20:06:25.395" v="98" actId="478"/>
+          <ac:spMkLst>
+            <pc:docMk/>
+            <pc:sldMk cId="1092590255" sldId="267"/>
+            <ac:spMk id="15" creationId="{902F72FE-8C59-50F4-4F66-6F3B981C01C8}"/>
+          </ac:spMkLst>
+        </pc:spChg>
+      </pc:sldChg>
+      <pc:sldChg chg="modSp add del mod ord">
+        <pc:chgData name="Giselle Gómez" userId="85a3dd02c80e2a86" providerId="LiveId" clId="{50606C37-8295-4DAA-8DC0-7AC76523FB0F}" dt="2024-09-09T20:09:15.045" v="128"/>
+        <pc:sldMkLst>
+          <pc:docMk/>
+          <pc:sldMk cId="1446889831" sldId="268"/>
+        </pc:sldMkLst>
+        <pc:spChg chg="mod">
+          <ac:chgData name="Giselle Gómez" userId="85a3dd02c80e2a86" providerId="LiveId" clId="{50606C37-8295-4DAA-8DC0-7AC76523FB0F}" dt="2024-09-09T20:08:40.962" v="123" actId="20577"/>
+          <ac:spMkLst>
+            <pc:docMk/>
+            <pc:sldMk cId="1446889831" sldId="268"/>
+            <ac:spMk id="2" creationId="{00000000-0000-0000-0000-000000000000}"/>
+          </ac:spMkLst>
+        </pc:spChg>
+      </pc:sldChg>
+      <pc:sldChg chg="modSp mod">
+        <pc:chgData name="Giselle Gómez" userId="85a3dd02c80e2a86" providerId="LiveId" clId="{50606C37-8295-4DAA-8DC0-7AC76523FB0F}" dt="2024-09-09T20:08:07.892" v="104" actId="113"/>
+        <pc:sldMkLst>
+          <pc:docMk/>
+          <pc:sldMk cId="4189537200" sldId="269"/>
+        </pc:sldMkLst>
+        <pc:spChg chg="mod">
+          <ac:chgData name="Giselle Gómez" userId="85a3dd02c80e2a86" providerId="LiveId" clId="{50606C37-8295-4DAA-8DC0-7AC76523FB0F}" dt="2024-09-09T20:07:38.283" v="100"/>
+          <ac:spMkLst>
+            <pc:docMk/>
+            <pc:sldMk cId="4189537200" sldId="269"/>
+            <ac:spMk id="2" creationId="{00000000-0000-0000-0000-000000000000}"/>
+          </ac:spMkLst>
+        </pc:spChg>
+        <pc:spChg chg="mod">
+          <ac:chgData name="Giselle Gómez" userId="85a3dd02c80e2a86" providerId="LiveId" clId="{50606C37-8295-4DAA-8DC0-7AC76523FB0F}" dt="2024-09-09T20:08:07.892" v="104" actId="113"/>
+          <ac:spMkLst>
+            <pc:docMk/>
+            <pc:sldMk cId="4189537200" sldId="269"/>
+            <ac:spMk id="3" creationId="{00000000-0000-0000-0000-000000000000}"/>
+          </ac:spMkLst>
+        </pc:spChg>
+      </pc:sldChg>
+      <pc:sldChg chg="delSp add del setBg delDesignElem">
+        <pc:chgData name="Giselle Gómez" userId="85a3dd02c80e2a86" providerId="LiveId" clId="{50606C37-8295-4DAA-8DC0-7AC76523FB0F}" dt="2024-09-09T20:08:51.039" v="126" actId="47"/>
+        <pc:sldMkLst>
+          <pc:docMk/>
+          <pc:sldMk cId="544020864" sldId="270"/>
+        </pc:sldMkLst>
+        <pc:spChg chg="del">
+          <ac:chgData name="Giselle Gómez" userId="85a3dd02c80e2a86" providerId="LiveId" clId="{50606C37-8295-4DAA-8DC0-7AC76523FB0F}" dt="2024-09-09T20:08:49.102" v="125"/>
+          <ac:spMkLst>
+            <pc:docMk/>
+            <pc:sldMk cId="544020864" sldId="270"/>
+            <ac:spMk id="8" creationId="{100EDD19-6802-4EC3-95CE-CFFAB042CFD6}"/>
+          </ac:spMkLst>
+        </pc:spChg>
+        <pc:spChg chg="del">
+          <ac:chgData name="Giselle Gómez" userId="85a3dd02c80e2a86" providerId="LiveId" clId="{50606C37-8295-4DAA-8DC0-7AC76523FB0F}" dt="2024-09-09T20:08:49.102" v="125"/>
+          <ac:spMkLst>
+            <pc:docMk/>
+            <pc:sldMk cId="544020864" sldId="270"/>
+            <ac:spMk id="10" creationId="{DB17E863-922E-4C26-BD64-E8FD41D28661}"/>
+          </ac:spMkLst>
+        </pc:spChg>
+      </pc:sldChg>
+      <pc:sldChg chg="modSp mod">
+        <pc:chgData name="Giselle Gómez" userId="85a3dd02c80e2a86" providerId="LiveId" clId="{50606C37-8295-4DAA-8DC0-7AC76523FB0F}" dt="2024-09-09T20:10:08.763" v="147" actId="20577"/>
+        <pc:sldMkLst>
+          <pc:docMk/>
+          <pc:sldMk cId="2438735633" sldId="271"/>
+        </pc:sldMkLst>
+        <pc:spChg chg="mod">
+          <ac:chgData name="Giselle Gómez" userId="85a3dd02c80e2a86" providerId="LiveId" clId="{50606C37-8295-4DAA-8DC0-7AC76523FB0F}" dt="2024-09-09T20:09:47.160" v="143" actId="20577"/>
+          <ac:spMkLst>
+            <pc:docMk/>
+            <pc:sldMk cId="2438735633" sldId="271"/>
+            <ac:spMk id="2" creationId="{00000000-0000-0000-0000-000000000000}"/>
+          </ac:spMkLst>
+        </pc:spChg>
+        <pc:spChg chg="mod">
+          <ac:chgData name="Giselle Gómez" userId="85a3dd02c80e2a86" providerId="LiveId" clId="{50606C37-8295-4DAA-8DC0-7AC76523FB0F}" dt="2024-09-09T20:10:08.763" v="147" actId="20577"/>
+          <ac:spMkLst>
+            <pc:docMk/>
+            <pc:sldMk cId="2438735633" sldId="271"/>
+            <ac:spMk id="3" creationId="{00000000-0000-0000-0000-000000000000}"/>
+          </ac:spMkLst>
+        </pc:spChg>
+      </pc:sldChg>
+      <pc:sldChg chg="delSp add del setBg delDesignElem">
+        <pc:chgData name="Giselle Gómez" userId="85a3dd02c80e2a86" providerId="LiveId" clId="{50606C37-8295-4DAA-8DC0-7AC76523FB0F}" dt="2024-09-09T20:09:33.089" v="131" actId="47"/>
+        <pc:sldMkLst>
+          <pc:docMk/>
+          <pc:sldMk cId="3126718560" sldId="271"/>
+        </pc:sldMkLst>
+        <pc:spChg chg="del">
+          <ac:chgData name="Giselle Gómez" userId="85a3dd02c80e2a86" providerId="LiveId" clId="{50606C37-8295-4DAA-8DC0-7AC76523FB0F}" dt="2024-09-09T20:09:17.351" v="130"/>
+          <ac:spMkLst>
+            <pc:docMk/>
+            <pc:sldMk cId="3126718560" sldId="271"/>
+            <ac:spMk id="8" creationId="{777A147A-9ED8-46B4-8660-1B3C2AA880B5}"/>
+          </ac:spMkLst>
+        </pc:spChg>
+        <pc:spChg chg="del">
+          <ac:chgData name="Giselle Gómez" userId="85a3dd02c80e2a86" providerId="LiveId" clId="{50606C37-8295-4DAA-8DC0-7AC76523FB0F}" dt="2024-09-09T20:09:17.351" v="130"/>
+          <ac:spMkLst>
+            <pc:docMk/>
+            <pc:sldMk cId="3126718560" sldId="271"/>
+            <ac:spMk id="10" creationId="{5D6C15A0-C087-4593-8414-2B4EC1CDC3DE}"/>
+          </ac:spMkLst>
+        </pc:spChg>
+      </pc:sldChg>
+    </pc:docChg>
+  </pc:docChgLst>
+</pc:chgInfo>
+</file>
+
 <file path=ppt/slideLayouts/slideLayout1.xml><?xml version="1.0" encoding="utf-8"?>
 <p:sldLayout xmlns:a="http://schemas.openxmlformats.org/drawingml/2006/main" xmlns:r="http://schemas.openxmlformats.org/officeDocument/2006/relationships" xmlns:p="http://schemas.openxmlformats.org/presentationml/2006/main" type="title" preserve="1">
   <p:cSld name="Title Slide">
@@ -312,7 +604,7 @@
           <a:p>
             <a:fld id="{5BCAD085-E8A6-8845-BD4E-CB4CCA059FC4}" type="datetimeFigureOut">
               <a:rPr lang="en-US" smtClean="0"/>
-              <a:t>9/4/2024</a:t>
+              <a:t>9/9/2024</a:t>
             </a:fld>
             <a:endParaRPr lang="en-US"/>
           </a:p>
@@ -480,7 +772,7 @@
           <a:p>
             <a:fld id="{5BCAD085-E8A6-8845-BD4E-CB4CCA059FC4}" type="datetimeFigureOut">
               <a:rPr lang="en-US" smtClean="0"/>
-              <a:t>9/4/2024</a:t>
+              <a:t>9/9/2024</a:t>
             </a:fld>
             <a:endParaRPr lang="en-US"/>
           </a:p>
@@ -658,7 +950,7 @@
           <a:p>
             <a:fld id="{5BCAD085-E8A6-8845-BD4E-CB4CCA059FC4}" type="datetimeFigureOut">
               <a:rPr lang="en-US" smtClean="0"/>
-              <a:t>9/4/2024</a:t>
+              <a:t>9/9/2024</a:t>
             </a:fld>
             <a:endParaRPr lang="en-US"/>
           </a:p>
@@ -826,7 +1118,7 @@
           <a:p>
             <a:fld id="{5BCAD085-E8A6-8845-BD4E-CB4CCA059FC4}" type="datetimeFigureOut">
               <a:rPr lang="en-US" smtClean="0"/>
-              <a:t>9/4/2024</a:t>
+              <a:t>9/9/2024</a:t>
             </a:fld>
             <a:endParaRPr lang="en-US"/>
           </a:p>
@@ -1071,7 +1363,7 @@
           <a:p>
             <a:fld id="{5BCAD085-E8A6-8845-BD4E-CB4CCA059FC4}" type="datetimeFigureOut">
               <a:rPr lang="en-US" smtClean="0"/>
-              <a:t>9/4/2024</a:t>
+              <a:t>9/9/2024</a:t>
             </a:fld>
             <a:endParaRPr lang="en-US"/>
           </a:p>
@@ -1356,7 +1648,7 @@
           <a:p>
             <a:fld id="{5BCAD085-E8A6-8845-BD4E-CB4CCA059FC4}" type="datetimeFigureOut">
               <a:rPr lang="en-US" smtClean="0"/>
-              <a:t>9/4/2024</a:t>
+              <a:t>9/9/2024</a:t>
             </a:fld>
             <a:endParaRPr lang="en-US"/>
           </a:p>
@@ -1775,7 +2067,7 @@
           <a:p>
             <a:fld id="{5BCAD085-E8A6-8845-BD4E-CB4CCA059FC4}" type="datetimeFigureOut">
               <a:rPr lang="en-US" smtClean="0"/>
-              <a:t>9/4/2024</a:t>
+              <a:t>9/9/2024</a:t>
             </a:fld>
             <a:endParaRPr lang="en-US"/>
           </a:p>
@@ -1892,7 +2184,7 @@
           <a:p>
             <a:fld id="{5BCAD085-E8A6-8845-BD4E-CB4CCA059FC4}" type="datetimeFigureOut">
               <a:rPr lang="en-US" smtClean="0"/>
-              <a:t>9/4/2024</a:t>
+              <a:t>9/9/2024</a:t>
             </a:fld>
             <a:endParaRPr lang="en-US"/>
           </a:p>
@@ -1987,7 +2279,7 @@
           <a:p>
             <a:fld id="{5BCAD085-E8A6-8845-BD4E-CB4CCA059FC4}" type="datetimeFigureOut">
               <a:rPr lang="en-US" smtClean="0"/>
-              <a:t>9/4/2024</a:t>
+              <a:t>9/9/2024</a:t>
             </a:fld>
             <a:endParaRPr lang="en-US"/>
           </a:p>
@@ -2262,7 +2554,7 @@
           <a:p>
             <a:fld id="{5BCAD085-E8A6-8845-BD4E-CB4CCA059FC4}" type="datetimeFigureOut">
               <a:rPr lang="en-US" smtClean="0"/>
-              <a:t>9/4/2024</a:t>
+              <a:t>9/9/2024</a:t>
             </a:fld>
             <a:endParaRPr lang="en-US"/>
           </a:p>
@@ -2514,7 +2806,7 @@
           <a:p>
             <a:fld id="{5BCAD085-E8A6-8845-BD4E-CB4CCA059FC4}" type="datetimeFigureOut">
               <a:rPr lang="en-US" smtClean="0"/>
-              <a:t>9/4/2024</a:t>
+              <a:t>9/9/2024</a:t>
             </a:fld>
             <a:endParaRPr lang="en-US"/>
           </a:p>
@@ -2725,7 +3017,7 @@
           <a:p>
             <a:fld id="{5BCAD085-E8A6-8845-BD4E-CB4CCA059FC4}" type="datetimeFigureOut">
               <a:rPr lang="en-US" smtClean="0"/>
-              <a:t>9/4/2024</a:t>
+              <a:t>9/9/2024</a:t>
             </a:fld>
             <a:endParaRPr lang="en-US"/>
           </a:p>
@@ -3411,7 +3703,7 @@
         </p:spPr>
         <p:txBody>
           <a:bodyPr anchor="ctr">
-            <a:normAutofit fontScale="92500" lnSpcReduction="10000"/>
+            <a:normAutofit fontScale="62500" lnSpcReduction="20000"/>
           </a:bodyPr>
           <a:lstStyle/>
           <a:p>
@@ -3428,6 +3720,13 @@
               </a:rPr>
               <a:t>Project 2, Group 3: </a:t>
             </a:r>
+          </a:p>
+          <a:p>
+            <a:pPr algn="l">
+              <a:lnSpc>
+                <a:spcPct val="90000"/>
+              </a:lnSpc>
+            </a:pPr>
             <a:br>
               <a:rPr lang="en-US" sz="2200" dirty="0">
                 <a:solidFill>
@@ -3574,6 +3873,52 @@
                                   </p:childTnLst>
                                 </p:cTn>
                               </p:par>
+                              <p:par>
+                                <p:cTn id="11" presetID="10" presetClass="entr" presetSubtype="0" fill="hold" grpId="0" nodeType="withEffect">
+                                  <p:stCondLst>
+                                    <p:cond delay="2000"/>
+                                  </p:stCondLst>
+                                  <p:iterate type="lt">
+                                    <p:tmPct val="10000"/>
+                                  </p:iterate>
+                                  <p:childTnLst>
+                                    <p:set>
+                                      <p:cBhvr>
+                                        <p:cTn id="12" dur="1" fill="hold">
+                                          <p:stCondLst>
+                                            <p:cond delay="0"/>
+                                          </p:stCondLst>
+                                        </p:cTn>
+                                        <p:tgtEl>
+                                          <p:spTgt spid="3">
+                                            <p:txEl>
+                                              <p:pRg st="1" end="1"/>
+                                            </p:txEl>
+                                          </p:spTgt>
+                                        </p:tgtEl>
+                                        <p:attrNameLst>
+                                          <p:attrName>style.visibility</p:attrName>
+                                        </p:attrNameLst>
+                                      </p:cBhvr>
+                                      <p:to>
+                                        <p:strVal val="visible"/>
+                                      </p:to>
+                                    </p:set>
+                                    <p:animEffect transition="in" filter="fade">
+                                      <p:cBhvr>
+                                        <p:cTn id="13" dur="400"/>
+                                        <p:tgtEl>
+                                          <p:spTgt spid="3">
+                                            <p:txEl>
+                                              <p:pRg st="1" end="1"/>
+                                            </p:txEl>
+                                          </p:spTgt>
+                                        </p:tgtEl>
+                                      </p:cBhvr>
+                                    </p:animEffect>
+                                  </p:childTnLst>
+                                </p:cTn>
+                              </p:par>
                             </p:childTnLst>
                           </p:cTn>
                         </p:par>
@@ -3612,6 +3957,1308 @@
 <file path=ppt/slides/slide10.xml><?xml version="1.0" encoding="utf-8"?>
 <p:sld xmlns:a="http://schemas.openxmlformats.org/drawingml/2006/main" xmlns:r="http://schemas.openxmlformats.org/officeDocument/2006/relationships" xmlns:p="http://schemas.openxmlformats.org/presentationml/2006/main">
   <p:cSld>
+    <p:bg>
+      <p:bgPr>
+        <a:solidFill>
+          <a:schemeClr val="bg1"/>
+        </a:solidFill>
+        <a:effectLst/>
+      </p:bgPr>
+    </p:bg>
+    <p:spTree>
+      <p:nvGrpSpPr>
+        <p:cNvPr id="1" name=""/>
+        <p:cNvGrpSpPr/>
+        <p:nvPr/>
+      </p:nvGrpSpPr>
+      <p:grpSpPr>
+        <a:xfrm>
+          <a:off x="0" y="0"/>
+          <a:ext cx="0" cy="0"/>
+          <a:chOff x="0" y="0"/>
+          <a:chExt cx="0" cy="0"/>
+        </a:xfrm>
+      </p:grpSpPr>
+      <p:sp useBgFill="1">
+        <p:nvSpPr>
+          <p:cNvPr id="8" name="Rectangle 7">
+            <a:extLst>
+              <a:ext uri="{FF2B5EF4-FFF2-40B4-BE49-F238E27FC236}">
+                <a16:creationId xmlns:a16="http://schemas.microsoft.com/office/drawing/2014/main" id="{100EDD19-6802-4EC3-95CE-CFFAB042CFD6}"/>
+              </a:ext>
+              <a:ext uri="{C183D7F6-B498-43B3-948B-1728B52AA6E4}">
+                <adec:decorative xmlns:adec="http://schemas.microsoft.com/office/drawing/2017/decorative" val="1"/>
+              </a:ext>
+            </a:extLst>
+          </p:cNvPr>
+          <p:cNvSpPr>
+            <a:spLocks noGrp="1" noRot="1" noChangeAspect="1" noMove="1" noResize="1" noEditPoints="1" noAdjustHandles="1" noChangeArrowheads="1" noChangeShapeType="1" noTextEdit="1"/>
+          </p:cNvSpPr>
+          <p:nvPr>
+            <p:extLst>
+              <p:ext uri="{386F3935-93C4-4BCD-93E2-E3B085C9AB24}">
+                <p16:designElem xmlns:p16="http://schemas.microsoft.com/office/powerpoint/2015/main" val="1"/>
+              </p:ext>
+            </p:extLst>
+          </p:nvPr>
+        </p:nvSpPr>
+        <p:spPr>
+          <a:xfrm>
+            <a:off x="0" y="0"/>
+            <a:ext cx="9141714" cy="6858000"/>
+          </a:xfrm>
+          <a:prstGeom prst="rect">
+            <a:avLst/>
+          </a:prstGeom>
+          <a:ln>
+            <a:noFill/>
+          </a:ln>
+        </p:spPr>
+        <p:style>
+          <a:lnRef idx="2">
+            <a:schemeClr val="accent1">
+              <a:shade val="50000"/>
+            </a:schemeClr>
+          </a:lnRef>
+          <a:fillRef idx="1">
+            <a:schemeClr val="accent1"/>
+          </a:fillRef>
+          <a:effectRef idx="0">
+            <a:schemeClr val="accent1"/>
+          </a:effectRef>
+          <a:fontRef idx="minor">
+            <a:schemeClr val="lt1"/>
+          </a:fontRef>
+        </p:style>
+        <p:txBody>
+          <a:bodyPr rtlCol="0" anchor="ctr"/>
+          <a:lstStyle/>
+          <a:p>
+            <a:pPr algn="ctr"/>
+            <a:endParaRPr lang="en-US"/>
+          </a:p>
+        </p:txBody>
+      </p:sp>
+      <p:sp>
+        <p:nvSpPr>
+          <p:cNvPr id="2" name="Title 1"/>
+          <p:cNvSpPr>
+            <a:spLocks noGrp="1"/>
+          </p:cNvSpPr>
+          <p:nvPr>
+            <p:ph type="title"/>
+          </p:nvPr>
+        </p:nvSpPr>
+        <p:spPr>
+          <a:xfrm>
+            <a:off x="628650" y="365125"/>
+            <a:ext cx="7886700" cy="1325563"/>
+          </a:xfrm>
+        </p:spPr>
+        <p:txBody>
+          <a:bodyPr>
+            <a:normAutofit/>
+          </a:bodyPr>
+          <a:lstStyle/>
+          <a:p>
+            <a:r>
+              <a:rPr lang="en-US" sz="4700" dirty="0"/>
+              <a:t>Final Model Performance</a:t>
+            </a:r>
+          </a:p>
+        </p:txBody>
+      </p:sp>
+      <p:sp>
+        <p:nvSpPr>
+          <p:cNvPr id="10" name="sketch line">
+            <a:extLst>
+              <a:ext uri="{FF2B5EF4-FFF2-40B4-BE49-F238E27FC236}">
+                <a16:creationId xmlns:a16="http://schemas.microsoft.com/office/drawing/2014/main" id="{DB17E863-922E-4C26-BD64-E8FD41D28661}"/>
+              </a:ext>
+              <a:ext uri="{C183D7F6-B498-43B3-948B-1728B52AA6E4}">
+                <adec:decorative xmlns:adec="http://schemas.microsoft.com/office/drawing/2017/decorative" val="1"/>
+              </a:ext>
+            </a:extLst>
+          </p:cNvPr>
+          <p:cNvSpPr>
+            <a:spLocks noGrp="1" noRot="1" noChangeAspect="1" noMove="1" noResize="1" noEditPoints="1" noAdjustHandles="1" noChangeArrowheads="1" noChangeShapeType="1" noTextEdit="1"/>
+          </p:cNvSpPr>
+          <p:nvPr>
+            <p:extLst>
+              <p:ext uri="{386F3935-93C4-4BCD-93E2-E3B085C9AB24}">
+                <p16:designElem xmlns:p16="http://schemas.microsoft.com/office/powerpoint/2015/main" val="1"/>
+              </p:ext>
+            </p:extLst>
+          </p:nvPr>
+        </p:nvSpPr>
+        <p:spPr>
+          <a:xfrm>
+            <a:off x="501777" y="1677373"/>
+            <a:ext cx="8140446" cy="18288"/>
+          </a:xfrm>
+          <a:custGeom>
+            <a:avLst/>
+            <a:gdLst>
+              <a:gd name="connsiteX0" fmla="*/ 0 w 8140446"/>
+              <a:gd name="connsiteY0" fmla="*/ 0 h 18288"/>
+              <a:gd name="connsiteX1" fmla="*/ 434157 w 8140446"/>
+              <a:gd name="connsiteY1" fmla="*/ 0 h 18288"/>
+              <a:gd name="connsiteX2" fmla="*/ 1193932 w 8140446"/>
+              <a:gd name="connsiteY2" fmla="*/ 0 h 18288"/>
+              <a:gd name="connsiteX3" fmla="*/ 1628089 w 8140446"/>
+              <a:gd name="connsiteY3" fmla="*/ 0 h 18288"/>
+              <a:gd name="connsiteX4" fmla="*/ 2225055 w 8140446"/>
+              <a:gd name="connsiteY4" fmla="*/ 0 h 18288"/>
+              <a:gd name="connsiteX5" fmla="*/ 3066235 w 8140446"/>
+              <a:gd name="connsiteY5" fmla="*/ 0 h 18288"/>
+              <a:gd name="connsiteX6" fmla="*/ 3744605 w 8140446"/>
+              <a:gd name="connsiteY6" fmla="*/ 0 h 18288"/>
+              <a:gd name="connsiteX7" fmla="*/ 4504380 w 8140446"/>
+              <a:gd name="connsiteY7" fmla="*/ 0 h 18288"/>
+              <a:gd name="connsiteX8" fmla="*/ 5101346 w 8140446"/>
+              <a:gd name="connsiteY8" fmla="*/ 0 h 18288"/>
+              <a:gd name="connsiteX9" fmla="*/ 5779717 w 8140446"/>
+              <a:gd name="connsiteY9" fmla="*/ 0 h 18288"/>
+              <a:gd name="connsiteX10" fmla="*/ 6620896 w 8140446"/>
+              <a:gd name="connsiteY10" fmla="*/ 0 h 18288"/>
+              <a:gd name="connsiteX11" fmla="*/ 7136458 w 8140446"/>
+              <a:gd name="connsiteY11" fmla="*/ 0 h 18288"/>
+              <a:gd name="connsiteX12" fmla="*/ 8140446 w 8140446"/>
+              <a:gd name="connsiteY12" fmla="*/ 0 h 18288"/>
+              <a:gd name="connsiteX13" fmla="*/ 8140446 w 8140446"/>
+              <a:gd name="connsiteY13" fmla="*/ 18288 h 18288"/>
+              <a:gd name="connsiteX14" fmla="*/ 7543480 w 8140446"/>
+              <a:gd name="connsiteY14" fmla="*/ 18288 h 18288"/>
+              <a:gd name="connsiteX15" fmla="*/ 7109323 w 8140446"/>
+              <a:gd name="connsiteY15" fmla="*/ 18288 h 18288"/>
+              <a:gd name="connsiteX16" fmla="*/ 6430952 w 8140446"/>
+              <a:gd name="connsiteY16" fmla="*/ 18288 h 18288"/>
+              <a:gd name="connsiteX17" fmla="*/ 5915391 w 8140446"/>
+              <a:gd name="connsiteY17" fmla="*/ 18288 h 18288"/>
+              <a:gd name="connsiteX18" fmla="*/ 5237020 w 8140446"/>
+              <a:gd name="connsiteY18" fmla="*/ 18288 h 18288"/>
+              <a:gd name="connsiteX19" fmla="*/ 4558650 w 8140446"/>
+              <a:gd name="connsiteY19" fmla="*/ 18288 h 18288"/>
+              <a:gd name="connsiteX20" fmla="*/ 3880279 w 8140446"/>
+              <a:gd name="connsiteY20" fmla="*/ 18288 h 18288"/>
+              <a:gd name="connsiteX21" fmla="*/ 3201909 w 8140446"/>
+              <a:gd name="connsiteY21" fmla="*/ 18288 h 18288"/>
+              <a:gd name="connsiteX22" fmla="*/ 2604943 w 8140446"/>
+              <a:gd name="connsiteY22" fmla="*/ 18288 h 18288"/>
+              <a:gd name="connsiteX23" fmla="*/ 1845168 w 8140446"/>
+              <a:gd name="connsiteY23" fmla="*/ 18288 h 18288"/>
+              <a:gd name="connsiteX24" fmla="*/ 1166797 w 8140446"/>
+              <a:gd name="connsiteY24" fmla="*/ 18288 h 18288"/>
+              <a:gd name="connsiteX25" fmla="*/ 0 w 8140446"/>
+              <a:gd name="connsiteY25" fmla="*/ 18288 h 18288"/>
+              <a:gd name="connsiteX26" fmla="*/ 0 w 8140446"/>
+              <a:gd name="connsiteY26" fmla="*/ 0 h 18288"/>
+            </a:gdLst>
+            <a:ahLst/>
+            <a:cxnLst>
+              <a:cxn ang="0">
+                <a:pos x="connsiteX0" y="connsiteY0"/>
+              </a:cxn>
+              <a:cxn ang="0">
+                <a:pos x="connsiteX1" y="connsiteY1"/>
+              </a:cxn>
+              <a:cxn ang="0">
+                <a:pos x="connsiteX2" y="connsiteY2"/>
+              </a:cxn>
+              <a:cxn ang="0">
+                <a:pos x="connsiteX3" y="connsiteY3"/>
+              </a:cxn>
+              <a:cxn ang="0">
+                <a:pos x="connsiteX4" y="connsiteY4"/>
+              </a:cxn>
+              <a:cxn ang="0">
+                <a:pos x="connsiteX5" y="connsiteY5"/>
+              </a:cxn>
+              <a:cxn ang="0">
+                <a:pos x="connsiteX6" y="connsiteY6"/>
+              </a:cxn>
+              <a:cxn ang="0">
+                <a:pos x="connsiteX7" y="connsiteY7"/>
+              </a:cxn>
+              <a:cxn ang="0">
+                <a:pos x="connsiteX8" y="connsiteY8"/>
+              </a:cxn>
+              <a:cxn ang="0">
+                <a:pos x="connsiteX9" y="connsiteY9"/>
+              </a:cxn>
+              <a:cxn ang="0">
+                <a:pos x="connsiteX10" y="connsiteY10"/>
+              </a:cxn>
+              <a:cxn ang="0">
+                <a:pos x="connsiteX11" y="connsiteY11"/>
+              </a:cxn>
+              <a:cxn ang="0">
+                <a:pos x="connsiteX12" y="connsiteY12"/>
+              </a:cxn>
+              <a:cxn ang="0">
+                <a:pos x="connsiteX13" y="connsiteY13"/>
+              </a:cxn>
+              <a:cxn ang="0">
+                <a:pos x="connsiteX14" y="connsiteY14"/>
+              </a:cxn>
+              <a:cxn ang="0">
+                <a:pos x="connsiteX15" y="connsiteY15"/>
+              </a:cxn>
+              <a:cxn ang="0">
+                <a:pos x="connsiteX16" y="connsiteY16"/>
+              </a:cxn>
+              <a:cxn ang="0">
+                <a:pos x="connsiteX17" y="connsiteY17"/>
+              </a:cxn>
+              <a:cxn ang="0">
+                <a:pos x="connsiteX18" y="connsiteY18"/>
+              </a:cxn>
+              <a:cxn ang="0">
+                <a:pos x="connsiteX19" y="connsiteY19"/>
+              </a:cxn>
+              <a:cxn ang="0">
+                <a:pos x="connsiteX20" y="connsiteY20"/>
+              </a:cxn>
+              <a:cxn ang="0">
+                <a:pos x="connsiteX21" y="connsiteY21"/>
+              </a:cxn>
+              <a:cxn ang="0">
+                <a:pos x="connsiteX22" y="connsiteY22"/>
+              </a:cxn>
+              <a:cxn ang="0">
+                <a:pos x="connsiteX23" y="connsiteY23"/>
+              </a:cxn>
+              <a:cxn ang="0">
+                <a:pos x="connsiteX24" y="connsiteY24"/>
+              </a:cxn>
+              <a:cxn ang="0">
+                <a:pos x="connsiteX25" y="connsiteY25"/>
+              </a:cxn>
+              <a:cxn ang="0">
+                <a:pos x="connsiteX26" y="connsiteY26"/>
+              </a:cxn>
+            </a:cxnLst>
+            <a:rect l="l" t="t" r="r" b="b"/>
+            <a:pathLst>
+              <a:path w="8140446" h="18288" fill="none" extrusionOk="0">
+                <a:moveTo>
+                  <a:pt x="0" y="0"/>
+                </a:moveTo>
+                <a:cubicBezTo>
+                  <a:pt x="94920" y="9103"/>
+                  <a:pt x="287892" y="-4966"/>
+                  <a:pt x="434157" y="0"/>
+                </a:cubicBezTo>
+                <a:cubicBezTo>
+                  <a:pt x="580422" y="4966"/>
+                  <a:pt x="943595" y="-14182"/>
+                  <a:pt x="1193932" y="0"/>
+                </a:cubicBezTo>
+                <a:cubicBezTo>
+                  <a:pt x="1444270" y="14182"/>
+                  <a:pt x="1472129" y="5523"/>
+                  <a:pt x="1628089" y="0"/>
+                </a:cubicBezTo>
+                <a:cubicBezTo>
+                  <a:pt x="1784049" y="-5523"/>
+                  <a:pt x="1962419" y="-17322"/>
+                  <a:pt x="2225055" y="0"/>
+                </a:cubicBezTo>
+                <a:cubicBezTo>
+                  <a:pt x="2487691" y="17322"/>
+                  <a:pt x="2700681" y="1311"/>
+                  <a:pt x="3066235" y="0"/>
+                </a:cubicBezTo>
+                <a:cubicBezTo>
+                  <a:pt x="3431789" y="-1311"/>
+                  <a:pt x="3405662" y="25081"/>
+                  <a:pt x="3744605" y="0"/>
+                </a:cubicBezTo>
+                <a:cubicBezTo>
+                  <a:pt x="4083548" y="-25081"/>
+                  <a:pt x="4265111" y="-11945"/>
+                  <a:pt x="4504380" y="0"/>
+                </a:cubicBezTo>
+                <a:cubicBezTo>
+                  <a:pt x="4743649" y="11945"/>
+                  <a:pt x="4860394" y="-2832"/>
+                  <a:pt x="5101346" y="0"/>
+                </a:cubicBezTo>
+                <a:cubicBezTo>
+                  <a:pt x="5342298" y="2832"/>
+                  <a:pt x="5456387" y="23676"/>
+                  <a:pt x="5779717" y="0"/>
+                </a:cubicBezTo>
+                <a:cubicBezTo>
+                  <a:pt x="6103047" y="-23676"/>
+                  <a:pt x="6270379" y="-37291"/>
+                  <a:pt x="6620896" y="0"/>
+                </a:cubicBezTo>
+                <a:cubicBezTo>
+                  <a:pt x="6971413" y="37291"/>
+                  <a:pt x="6989068" y="24674"/>
+                  <a:pt x="7136458" y="0"/>
+                </a:cubicBezTo>
+                <a:cubicBezTo>
+                  <a:pt x="7283848" y="-24674"/>
+                  <a:pt x="7752532" y="-22436"/>
+                  <a:pt x="8140446" y="0"/>
+                </a:cubicBezTo>
+                <a:cubicBezTo>
+                  <a:pt x="8140314" y="7702"/>
+                  <a:pt x="8140234" y="13511"/>
+                  <a:pt x="8140446" y="18288"/>
+                </a:cubicBezTo>
+                <a:cubicBezTo>
+                  <a:pt x="7906329" y="-3043"/>
+                  <a:pt x="7681180" y="27465"/>
+                  <a:pt x="7543480" y="18288"/>
+                </a:cubicBezTo>
+                <a:cubicBezTo>
+                  <a:pt x="7405780" y="9111"/>
+                  <a:pt x="7216607" y="3660"/>
+                  <a:pt x="7109323" y="18288"/>
+                </a:cubicBezTo>
+                <a:cubicBezTo>
+                  <a:pt x="7002039" y="32916"/>
+                  <a:pt x="6576231" y="42692"/>
+                  <a:pt x="6430952" y="18288"/>
+                </a:cubicBezTo>
+                <a:cubicBezTo>
+                  <a:pt x="6285673" y="-6116"/>
+                  <a:pt x="6138840" y="34521"/>
+                  <a:pt x="5915391" y="18288"/>
+                </a:cubicBezTo>
+                <a:cubicBezTo>
+                  <a:pt x="5691942" y="2055"/>
+                  <a:pt x="5459460" y="51666"/>
+                  <a:pt x="5237020" y="18288"/>
+                </a:cubicBezTo>
+                <a:cubicBezTo>
+                  <a:pt x="5014580" y="-15090"/>
+                  <a:pt x="4747677" y="40449"/>
+                  <a:pt x="4558650" y="18288"/>
+                </a:cubicBezTo>
+                <a:cubicBezTo>
+                  <a:pt x="4369623" y="-3873"/>
+                  <a:pt x="4146061" y="12568"/>
+                  <a:pt x="3880279" y="18288"/>
+                </a:cubicBezTo>
+                <a:cubicBezTo>
+                  <a:pt x="3614497" y="24008"/>
+                  <a:pt x="3473808" y="-12908"/>
+                  <a:pt x="3201909" y="18288"/>
+                </a:cubicBezTo>
+                <a:cubicBezTo>
+                  <a:pt x="2930010" y="49484"/>
+                  <a:pt x="2728175" y="-3430"/>
+                  <a:pt x="2604943" y="18288"/>
+                </a:cubicBezTo>
+                <a:cubicBezTo>
+                  <a:pt x="2481711" y="40006"/>
+                  <a:pt x="2004334" y="26952"/>
+                  <a:pt x="1845168" y="18288"/>
+                </a:cubicBezTo>
+                <a:cubicBezTo>
+                  <a:pt x="1686003" y="9624"/>
+                  <a:pt x="1375070" y="37580"/>
+                  <a:pt x="1166797" y="18288"/>
+                </a:cubicBezTo>
+                <a:cubicBezTo>
+                  <a:pt x="958524" y="-1004"/>
+                  <a:pt x="342846" y="8880"/>
+                  <a:pt x="0" y="18288"/>
+                </a:cubicBezTo>
+                <a:cubicBezTo>
+                  <a:pt x="129" y="13298"/>
+                  <a:pt x="-675" y="6857"/>
+                  <a:pt x="0" y="0"/>
+                </a:cubicBezTo>
+                <a:close/>
+              </a:path>
+              <a:path w="8140446" h="18288" stroke="0" extrusionOk="0">
+                <a:moveTo>
+                  <a:pt x="0" y="0"/>
+                </a:moveTo>
+                <a:cubicBezTo>
+                  <a:pt x="142435" y="-24533"/>
+                  <a:pt x="380026" y="17447"/>
+                  <a:pt x="596966" y="0"/>
+                </a:cubicBezTo>
+                <a:cubicBezTo>
+                  <a:pt x="813906" y="-17447"/>
+                  <a:pt x="830530" y="13462"/>
+                  <a:pt x="1031123" y="0"/>
+                </a:cubicBezTo>
+                <a:cubicBezTo>
+                  <a:pt x="1231716" y="-13462"/>
+                  <a:pt x="1634038" y="0"/>
+                  <a:pt x="1872303" y="0"/>
+                </a:cubicBezTo>
+                <a:cubicBezTo>
+                  <a:pt x="2110568" y="0"/>
+                  <a:pt x="2261934" y="-25727"/>
+                  <a:pt x="2469269" y="0"/>
+                </a:cubicBezTo>
+                <a:cubicBezTo>
+                  <a:pt x="2676604" y="25727"/>
+                  <a:pt x="2790440" y="16284"/>
+                  <a:pt x="3066235" y="0"/>
+                </a:cubicBezTo>
+                <a:cubicBezTo>
+                  <a:pt x="3342030" y="-16284"/>
+                  <a:pt x="3685603" y="41976"/>
+                  <a:pt x="3907414" y="0"/>
+                </a:cubicBezTo>
+                <a:cubicBezTo>
+                  <a:pt x="4129225" y="-41976"/>
+                  <a:pt x="4177416" y="-7598"/>
+                  <a:pt x="4422976" y="0"/>
+                </a:cubicBezTo>
+                <a:cubicBezTo>
+                  <a:pt x="4668536" y="7598"/>
+                  <a:pt x="5023499" y="-28058"/>
+                  <a:pt x="5264155" y="0"/>
+                </a:cubicBezTo>
+                <a:cubicBezTo>
+                  <a:pt x="5504811" y="28058"/>
+                  <a:pt x="5703675" y="13288"/>
+                  <a:pt x="6105335" y="0"/>
+                </a:cubicBezTo>
+                <a:cubicBezTo>
+                  <a:pt x="6506995" y="-13288"/>
+                  <a:pt x="6455516" y="-5124"/>
+                  <a:pt x="6783705" y="0"/>
+                </a:cubicBezTo>
+                <a:cubicBezTo>
+                  <a:pt x="7111894" y="5124"/>
+                  <a:pt x="7512856" y="10604"/>
+                  <a:pt x="8140446" y="0"/>
+                </a:cubicBezTo>
+                <a:cubicBezTo>
+                  <a:pt x="8140458" y="8833"/>
+                  <a:pt x="8140986" y="9830"/>
+                  <a:pt x="8140446" y="18288"/>
+                </a:cubicBezTo>
+                <a:cubicBezTo>
+                  <a:pt x="7959314" y="3345"/>
+                  <a:pt x="7870113" y="10437"/>
+                  <a:pt x="7706289" y="18288"/>
+                </a:cubicBezTo>
+                <a:cubicBezTo>
+                  <a:pt x="7542465" y="26139"/>
+                  <a:pt x="7157940" y="17482"/>
+                  <a:pt x="6865109" y="18288"/>
+                </a:cubicBezTo>
+                <a:cubicBezTo>
+                  <a:pt x="6572278" y="19094"/>
+                  <a:pt x="6524256" y="38051"/>
+                  <a:pt x="6349548" y="18288"/>
+                </a:cubicBezTo>
+                <a:cubicBezTo>
+                  <a:pt x="6174840" y="-1475"/>
+                  <a:pt x="5951624" y="174"/>
+                  <a:pt x="5671177" y="18288"/>
+                </a:cubicBezTo>
+                <a:cubicBezTo>
+                  <a:pt x="5390730" y="36402"/>
+                  <a:pt x="5222992" y="60058"/>
+                  <a:pt x="4829998" y="18288"/>
+                </a:cubicBezTo>
+                <a:cubicBezTo>
+                  <a:pt x="4437004" y="-23482"/>
+                  <a:pt x="4344181" y="39087"/>
+                  <a:pt x="4151627" y="18288"/>
+                </a:cubicBezTo>
+                <a:cubicBezTo>
+                  <a:pt x="3959073" y="-2511"/>
+                  <a:pt x="3886970" y="32875"/>
+                  <a:pt x="3717470" y="18288"/>
+                </a:cubicBezTo>
+                <a:cubicBezTo>
+                  <a:pt x="3547970" y="3701"/>
+                  <a:pt x="3451521" y="31872"/>
+                  <a:pt x="3201909" y="18288"/>
+                </a:cubicBezTo>
+                <a:cubicBezTo>
+                  <a:pt x="2952297" y="4704"/>
+                  <a:pt x="2543413" y="6029"/>
+                  <a:pt x="2360729" y="18288"/>
+                </a:cubicBezTo>
+                <a:cubicBezTo>
+                  <a:pt x="2178045" y="30547"/>
+                  <a:pt x="1906056" y="25847"/>
+                  <a:pt x="1682359" y="18288"/>
+                </a:cubicBezTo>
+                <a:cubicBezTo>
+                  <a:pt x="1458662" y="10730"/>
+                  <a:pt x="1330405" y="8046"/>
+                  <a:pt x="1166797" y="18288"/>
+                </a:cubicBezTo>
+                <a:cubicBezTo>
+                  <a:pt x="1003189" y="28530"/>
+                  <a:pt x="278098" y="19533"/>
+                  <a:pt x="0" y="18288"/>
+                </a:cubicBezTo>
+                <a:cubicBezTo>
+                  <a:pt x="74" y="14054"/>
+                  <a:pt x="-46" y="6997"/>
+                  <a:pt x="0" y="0"/>
+                </a:cubicBezTo>
+                <a:close/>
+              </a:path>
+            </a:pathLst>
+          </a:custGeom>
+          <a:solidFill>
+            <a:schemeClr val="accent2"/>
+          </a:solidFill>
+          <a:ln w="41275" cap="rnd">
+            <a:solidFill>
+              <a:schemeClr val="accent2"/>
+            </a:solidFill>
+            <a:round/>
+            <a:extLst>
+              <a:ext uri="{C807C97D-BFC1-408E-A445-0C87EB9F89A2}">
+                <ask:lineSketchStyleProps xmlns:ask="http://schemas.microsoft.com/office/drawing/2018/sketchyshapes" sd="1219033472">
+                  <a:prstGeom prst="rect">
+                    <a:avLst/>
+                  </a:prstGeom>
+                  <ask:type>
+                    <ask:lineSketchFreehand/>
+                  </ask:type>
+                </ask:lineSketchStyleProps>
+              </a:ext>
+            </a:extLst>
+          </a:ln>
+        </p:spPr>
+        <p:style>
+          <a:lnRef idx="2">
+            <a:schemeClr val="accent1">
+              <a:shade val="50000"/>
+            </a:schemeClr>
+          </a:lnRef>
+          <a:fillRef idx="1">
+            <a:schemeClr val="accent1"/>
+          </a:fillRef>
+          <a:effectRef idx="0">
+            <a:schemeClr val="accent1"/>
+          </a:effectRef>
+          <a:fontRef idx="minor">
+            <a:schemeClr val="lt1"/>
+          </a:fontRef>
+        </p:style>
+        <p:txBody>
+          <a:bodyPr rtlCol="0" anchor="ctr"/>
+          <a:lstStyle/>
+          <a:p>
+            <a:pPr algn="ctr"/>
+            <a:endParaRPr lang="en-US"/>
+          </a:p>
+        </p:txBody>
+      </p:sp>
+      <p:sp>
+        <p:nvSpPr>
+          <p:cNvPr id="3" name="Content Placeholder 2"/>
+          <p:cNvSpPr>
+            <a:spLocks noGrp="1"/>
+          </p:cNvSpPr>
+          <p:nvPr>
+            <p:ph idx="1"/>
+          </p:nvPr>
+        </p:nvSpPr>
+        <p:spPr>
+          <a:xfrm>
+            <a:off x="628650" y="1929384"/>
+            <a:ext cx="7886700" cy="4251960"/>
+          </a:xfrm>
+        </p:spPr>
+        <p:txBody>
+          <a:bodyPr>
+            <a:normAutofit/>
+          </a:bodyPr>
+          <a:lstStyle/>
+          <a:p>
+            <a:r>
+              <a:rPr lang="en-US" sz="1900"/>
+              <a:t>Accuracy: Achieved accuracy of [insert value].</a:t>
+            </a:r>
+          </a:p>
+          <a:p>
+            <a:r>
+              <a:rPr lang="en-US" sz="1900"/>
+              <a:t>Metrics: Confusion matrix, classification report (precision, recall, F1-score).</a:t>
+            </a:r>
+          </a:p>
+          <a:p>
+            <a:r>
+              <a:rPr lang="en-US" sz="1900"/>
+              <a:t>Conclusion: Model performance met the target criteria of 75%+ accuracy.</a:t>
+            </a:r>
+          </a:p>
+        </p:txBody>
+      </p:sp>
+    </p:spTree>
+  </p:cSld>
+  <p:clrMapOvr>
+    <a:masterClrMapping/>
+  </p:clrMapOvr>
+</p:sld>
+</file>
+
+<file path=ppt/slides/slide11.xml><?xml version="1.0" encoding="utf-8"?>
+<p:sld xmlns:a="http://schemas.openxmlformats.org/drawingml/2006/main" xmlns:r="http://schemas.openxmlformats.org/officeDocument/2006/relationships" xmlns:p="http://schemas.openxmlformats.org/presentationml/2006/main">
+  <p:cSld>
+    <p:bg>
+      <p:bgPr>
+        <a:solidFill>
+          <a:schemeClr val="bg1"/>
+        </a:solidFill>
+        <a:effectLst/>
+      </p:bgPr>
+    </p:bg>
+    <p:spTree>
+      <p:nvGrpSpPr>
+        <p:cNvPr id="1" name=""/>
+        <p:cNvGrpSpPr/>
+        <p:nvPr/>
+      </p:nvGrpSpPr>
+      <p:grpSpPr>
+        <a:xfrm>
+          <a:off x="0" y="0"/>
+          <a:ext cx="0" cy="0"/>
+          <a:chOff x="0" y="0"/>
+          <a:chExt cx="0" cy="0"/>
+        </a:xfrm>
+      </p:grpSpPr>
+      <p:sp useBgFill="1">
+        <p:nvSpPr>
+          <p:cNvPr id="8" name="Rectangle 7">
+            <a:extLst>
+              <a:ext uri="{FF2B5EF4-FFF2-40B4-BE49-F238E27FC236}">
+                <a16:creationId xmlns:a16="http://schemas.microsoft.com/office/drawing/2014/main" id="{100EDD19-6802-4EC3-95CE-CFFAB042CFD6}"/>
+              </a:ext>
+              <a:ext uri="{C183D7F6-B498-43B3-948B-1728B52AA6E4}">
+                <adec:decorative xmlns:adec="http://schemas.microsoft.com/office/drawing/2017/decorative" val="1"/>
+              </a:ext>
+            </a:extLst>
+          </p:cNvPr>
+          <p:cNvSpPr>
+            <a:spLocks noGrp="1" noRot="1" noChangeAspect="1" noMove="1" noResize="1" noEditPoints="1" noAdjustHandles="1" noChangeArrowheads="1" noChangeShapeType="1" noTextEdit="1"/>
+          </p:cNvSpPr>
+          <p:nvPr>
+            <p:extLst>
+              <p:ext uri="{386F3935-93C4-4BCD-93E2-E3B085C9AB24}">
+                <p16:designElem xmlns:p16="http://schemas.microsoft.com/office/powerpoint/2015/main" val="1"/>
+              </p:ext>
+            </p:extLst>
+          </p:nvPr>
+        </p:nvSpPr>
+        <p:spPr>
+          <a:xfrm>
+            <a:off x="0" y="0"/>
+            <a:ext cx="9141714" cy="6858000"/>
+          </a:xfrm>
+          <a:prstGeom prst="rect">
+            <a:avLst/>
+          </a:prstGeom>
+          <a:ln>
+            <a:noFill/>
+          </a:ln>
+        </p:spPr>
+        <p:style>
+          <a:lnRef idx="2">
+            <a:schemeClr val="accent1">
+              <a:shade val="50000"/>
+            </a:schemeClr>
+          </a:lnRef>
+          <a:fillRef idx="1">
+            <a:schemeClr val="accent1"/>
+          </a:fillRef>
+          <a:effectRef idx="0">
+            <a:schemeClr val="accent1"/>
+          </a:effectRef>
+          <a:fontRef idx="minor">
+            <a:schemeClr val="lt1"/>
+          </a:fontRef>
+        </p:style>
+        <p:txBody>
+          <a:bodyPr rtlCol="0" anchor="ctr"/>
+          <a:lstStyle/>
+          <a:p>
+            <a:pPr algn="ctr"/>
+            <a:endParaRPr lang="en-US"/>
+          </a:p>
+        </p:txBody>
+      </p:sp>
+      <p:sp>
+        <p:nvSpPr>
+          <p:cNvPr id="2" name="Title 1"/>
+          <p:cNvSpPr>
+            <a:spLocks noGrp="1"/>
+          </p:cNvSpPr>
+          <p:nvPr>
+            <p:ph type="title"/>
+          </p:nvPr>
+        </p:nvSpPr>
+        <p:spPr>
+          <a:xfrm>
+            <a:off x="628650" y="365125"/>
+            <a:ext cx="7886700" cy="1325563"/>
+          </a:xfrm>
+        </p:spPr>
+        <p:txBody>
+          <a:bodyPr>
+            <a:normAutofit/>
+          </a:bodyPr>
+          <a:lstStyle/>
+          <a:p>
+            <a:r>
+              <a:rPr lang="en-US" sz="4700"/>
+              <a:t>Conclusions</a:t>
+            </a:r>
+          </a:p>
+        </p:txBody>
+      </p:sp>
+      <p:sp>
+        <p:nvSpPr>
+          <p:cNvPr id="10" name="sketch line">
+            <a:extLst>
+              <a:ext uri="{FF2B5EF4-FFF2-40B4-BE49-F238E27FC236}">
+                <a16:creationId xmlns:a16="http://schemas.microsoft.com/office/drawing/2014/main" id="{DB17E863-922E-4C26-BD64-E8FD41D28661}"/>
+              </a:ext>
+              <a:ext uri="{C183D7F6-B498-43B3-948B-1728B52AA6E4}">
+                <adec:decorative xmlns:adec="http://schemas.microsoft.com/office/drawing/2017/decorative" val="1"/>
+              </a:ext>
+            </a:extLst>
+          </p:cNvPr>
+          <p:cNvSpPr>
+            <a:spLocks noGrp="1" noRot="1" noChangeAspect="1" noMove="1" noResize="1" noEditPoints="1" noAdjustHandles="1" noChangeArrowheads="1" noChangeShapeType="1" noTextEdit="1"/>
+          </p:cNvSpPr>
+          <p:nvPr>
+            <p:extLst>
+              <p:ext uri="{386F3935-93C4-4BCD-93E2-E3B085C9AB24}">
+                <p16:designElem xmlns:p16="http://schemas.microsoft.com/office/powerpoint/2015/main" val="1"/>
+              </p:ext>
+            </p:extLst>
+          </p:nvPr>
+        </p:nvSpPr>
+        <p:spPr>
+          <a:xfrm>
+            <a:off x="501777" y="1677373"/>
+            <a:ext cx="8140446" cy="18288"/>
+          </a:xfrm>
+          <a:custGeom>
+            <a:avLst/>
+            <a:gdLst>
+              <a:gd name="connsiteX0" fmla="*/ 0 w 8140446"/>
+              <a:gd name="connsiteY0" fmla="*/ 0 h 18288"/>
+              <a:gd name="connsiteX1" fmla="*/ 434157 w 8140446"/>
+              <a:gd name="connsiteY1" fmla="*/ 0 h 18288"/>
+              <a:gd name="connsiteX2" fmla="*/ 1193932 w 8140446"/>
+              <a:gd name="connsiteY2" fmla="*/ 0 h 18288"/>
+              <a:gd name="connsiteX3" fmla="*/ 1628089 w 8140446"/>
+              <a:gd name="connsiteY3" fmla="*/ 0 h 18288"/>
+              <a:gd name="connsiteX4" fmla="*/ 2225055 w 8140446"/>
+              <a:gd name="connsiteY4" fmla="*/ 0 h 18288"/>
+              <a:gd name="connsiteX5" fmla="*/ 3066235 w 8140446"/>
+              <a:gd name="connsiteY5" fmla="*/ 0 h 18288"/>
+              <a:gd name="connsiteX6" fmla="*/ 3744605 w 8140446"/>
+              <a:gd name="connsiteY6" fmla="*/ 0 h 18288"/>
+              <a:gd name="connsiteX7" fmla="*/ 4504380 w 8140446"/>
+              <a:gd name="connsiteY7" fmla="*/ 0 h 18288"/>
+              <a:gd name="connsiteX8" fmla="*/ 5101346 w 8140446"/>
+              <a:gd name="connsiteY8" fmla="*/ 0 h 18288"/>
+              <a:gd name="connsiteX9" fmla="*/ 5779717 w 8140446"/>
+              <a:gd name="connsiteY9" fmla="*/ 0 h 18288"/>
+              <a:gd name="connsiteX10" fmla="*/ 6620896 w 8140446"/>
+              <a:gd name="connsiteY10" fmla="*/ 0 h 18288"/>
+              <a:gd name="connsiteX11" fmla="*/ 7136458 w 8140446"/>
+              <a:gd name="connsiteY11" fmla="*/ 0 h 18288"/>
+              <a:gd name="connsiteX12" fmla="*/ 8140446 w 8140446"/>
+              <a:gd name="connsiteY12" fmla="*/ 0 h 18288"/>
+              <a:gd name="connsiteX13" fmla="*/ 8140446 w 8140446"/>
+              <a:gd name="connsiteY13" fmla="*/ 18288 h 18288"/>
+              <a:gd name="connsiteX14" fmla="*/ 7543480 w 8140446"/>
+              <a:gd name="connsiteY14" fmla="*/ 18288 h 18288"/>
+              <a:gd name="connsiteX15" fmla="*/ 7109323 w 8140446"/>
+              <a:gd name="connsiteY15" fmla="*/ 18288 h 18288"/>
+              <a:gd name="connsiteX16" fmla="*/ 6430952 w 8140446"/>
+              <a:gd name="connsiteY16" fmla="*/ 18288 h 18288"/>
+              <a:gd name="connsiteX17" fmla="*/ 5915391 w 8140446"/>
+              <a:gd name="connsiteY17" fmla="*/ 18288 h 18288"/>
+              <a:gd name="connsiteX18" fmla="*/ 5237020 w 8140446"/>
+              <a:gd name="connsiteY18" fmla="*/ 18288 h 18288"/>
+              <a:gd name="connsiteX19" fmla="*/ 4558650 w 8140446"/>
+              <a:gd name="connsiteY19" fmla="*/ 18288 h 18288"/>
+              <a:gd name="connsiteX20" fmla="*/ 3880279 w 8140446"/>
+              <a:gd name="connsiteY20" fmla="*/ 18288 h 18288"/>
+              <a:gd name="connsiteX21" fmla="*/ 3201909 w 8140446"/>
+              <a:gd name="connsiteY21" fmla="*/ 18288 h 18288"/>
+              <a:gd name="connsiteX22" fmla="*/ 2604943 w 8140446"/>
+              <a:gd name="connsiteY22" fmla="*/ 18288 h 18288"/>
+              <a:gd name="connsiteX23" fmla="*/ 1845168 w 8140446"/>
+              <a:gd name="connsiteY23" fmla="*/ 18288 h 18288"/>
+              <a:gd name="connsiteX24" fmla="*/ 1166797 w 8140446"/>
+              <a:gd name="connsiteY24" fmla="*/ 18288 h 18288"/>
+              <a:gd name="connsiteX25" fmla="*/ 0 w 8140446"/>
+              <a:gd name="connsiteY25" fmla="*/ 18288 h 18288"/>
+              <a:gd name="connsiteX26" fmla="*/ 0 w 8140446"/>
+              <a:gd name="connsiteY26" fmla="*/ 0 h 18288"/>
+            </a:gdLst>
+            <a:ahLst/>
+            <a:cxnLst>
+              <a:cxn ang="0">
+                <a:pos x="connsiteX0" y="connsiteY0"/>
+              </a:cxn>
+              <a:cxn ang="0">
+                <a:pos x="connsiteX1" y="connsiteY1"/>
+              </a:cxn>
+              <a:cxn ang="0">
+                <a:pos x="connsiteX2" y="connsiteY2"/>
+              </a:cxn>
+              <a:cxn ang="0">
+                <a:pos x="connsiteX3" y="connsiteY3"/>
+              </a:cxn>
+              <a:cxn ang="0">
+                <a:pos x="connsiteX4" y="connsiteY4"/>
+              </a:cxn>
+              <a:cxn ang="0">
+                <a:pos x="connsiteX5" y="connsiteY5"/>
+              </a:cxn>
+              <a:cxn ang="0">
+                <a:pos x="connsiteX6" y="connsiteY6"/>
+              </a:cxn>
+              <a:cxn ang="0">
+                <a:pos x="connsiteX7" y="connsiteY7"/>
+              </a:cxn>
+              <a:cxn ang="0">
+                <a:pos x="connsiteX8" y="connsiteY8"/>
+              </a:cxn>
+              <a:cxn ang="0">
+                <a:pos x="connsiteX9" y="connsiteY9"/>
+              </a:cxn>
+              <a:cxn ang="0">
+                <a:pos x="connsiteX10" y="connsiteY10"/>
+              </a:cxn>
+              <a:cxn ang="0">
+                <a:pos x="connsiteX11" y="connsiteY11"/>
+              </a:cxn>
+              <a:cxn ang="0">
+                <a:pos x="connsiteX12" y="connsiteY12"/>
+              </a:cxn>
+              <a:cxn ang="0">
+                <a:pos x="connsiteX13" y="connsiteY13"/>
+              </a:cxn>
+              <a:cxn ang="0">
+                <a:pos x="connsiteX14" y="connsiteY14"/>
+              </a:cxn>
+              <a:cxn ang="0">
+                <a:pos x="connsiteX15" y="connsiteY15"/>
+              </a:cxn>
+              <a:cxn ang="0">
+                <a:pos x="connsiteX16" y="connsiteY16"/>
+              </a:cxn>
+              <a:cxn ang="0">
+                <a:pos x="connsiteX17" y="connsiteY17"/>
+              </a:cxn>
+              <a:cxn ang="0">
+                <a:pos x="connsiteX18" y="connsiteY18"/>
+              </a:cxn>
+              <a:cxn ang="0">
+                <a:pos x="connsiteX19" y="connsiteY19"/>
+              </a:cxn>
+              <a:cxn ang="0">
+                <a:pos x="connsiteX20" y="connsiteY20"/>
+              </a:cxn>
+              <a:cxn ang="0">
+                <a:pos x="connsiteX21" y="connsiteY21"/>
+              </a:cxn>
+              <a:cxn ang="0">
+                <a:pos x="connsiteX22" y="connsiteY22"/>
+              </a:cxn>
+              <a:cxn ang="0">
+                <a:pos x="connsiteX23" y="connsiteY23"/>
+              </a:cxn>
+              <a:cxn ang="0">
+                <a:pos x="connsiteX24" y="connsiteY24"/>
+              </a:cxn>
+              <a:cxn ang="0">
+                <a:pos x="connsiteX25" y="connsiteY25"/>
+              </a:cxn>
+              <a:cxn ang="0">
+                <a:pos x="connsiteX26" y="connsiteY26"/>
+              </a:cxn>
+            </a:cxnLst>
+            <a:rect l="l" t="t" r="r" b="b"/>
+            <a:pathLst>
+              <a:path w="8140446" h="18288" fill="none" extrusionOk="0">
+                <a:moveTo>
+                  <a:pt x="0" y="0"/>
+                </a:moveTo>
+                <a:cubicBezTo>
+                  <a:pt x="94920" y="9103"/>
+                  <a:pt x="287892" y="-4966"/>
+                  <a:pt x="434157" y="0"/>
+                </a:cubicBezTo>
+                <a:cubicBezTo>
+                  <a:pt x="580422" y="4966"/>
+                  <a:pt x="943595" y="-14182"/>
+                  <a:pt x="1193932" y="0"/>
+                </a:cubicBezTo>
+                <a:cubicBezTo>
+                  <a:pt x="1444270" y="14182"/>
+                  <a:pt x="1472129" y="5523"/>
+                  <a:pt x="1628089" y="0"/>
+                </a:cubicBezTo>
+                <a:cubicBezTo>
+                  <a:pt x="1784049" y="-5523"/>
+                  <a:pt x="1962419" y="-17322"/>
+                  <a:pt x="2225055" y="0"/>
+                </a:cubicBezTo>
+                <a:cubicBezTo>
+                  <a:pt x="2487691" y="17322"/>
+                  <a:pt x="2700681" y="1311"/>
+                  <a:pt x="3066235" y="0"/>
+                </a:cubicBezTo>
+                <a:cubicBezTo>
+                  <a:pt x="3431789" y="-1311"/>
+                  <a:pt x="3405662" y="25081"/>
+                  <a:pt x="3744605" y="0"/>
+                </a:cubicBezTo>
+                <a:cubicBezTo>
+                  <a:pt x="4083548" y="-25081"/>
+                  <a:pt x="4265111" y="-11945"/>
+                  <a:pt x="4504380" y="0"/>
+                </a:cubicBezTo>
+                <a:cubicBezTo>
+                  <a:pt x="4743649" y="11945"/>
+                  <a:pt x="4860394" y="-2832"/>
+                  <a:pt x="5101346" y="0"/>
+                </a:cubicBezTo>
+                <a:cubicBezTo>
+                  <a:pt x="5342298" y="2832"/>
+                  <a:pt x="5456387" y="23676"/>
+                  <a:pt x="5779717" y="0"/>
+                </a:cubicBezTo>
+                <a:cubicBezTo>
+                  <a:pt x="6103047" y="-23676"/>
+                  <a:pt x="6270379" y="-37291"/>
+                  <a:pt x="6620896" y="0"/>
+                </a:cubicBezTo>
+                <a:cubicBezTo>
+                  <a:pt x="6971413" y="37291"/>
+                  <a:pt x="6989068" y="24674"/>
+                  <a:pt x="7136458" y="0"/>
+                </a:cubicBezTo>
+                <a:cubicBezTo>
+                  <a:pt x="7283848" y="-24674"/>
+                  <a:pt x="7752532" y="-22436"/>
+                  <a:pt x="8140446" y="0"/>
+                </a:cubicBezTo>
+                <a:cubicBezTo>
+                  <a:pt x="8140314" y="7702"/>
+                  <a:pt x="8140234" y="13511"/>
+                  <a:pt x="8140446" y="18288"/>
+                </a:cubicBezTo>
+                <a:cubicBezTo>
+                  <a:pt x="7906329" y="-3043"/>
+                  <a:pt x="7681180" y="27465"/>
+                  <a:pt x="7543480" y="18288"/>
+                </a:cubicBezTo>
+                <a:cubicBezTo>
+                  <a:pt x="7405780" y="9111"/>
+                  <a:pt x="7216607" y="3660"/>
+                  <a:pt x="7109323" y="18288"/>
+                </a:cubicBezTo>
+                <a:cubicBezTo>
+                  <a:pt x="7002039" y="32916"/>
+                  <a:pt x="6576231" y="42692"/>
+                  <a:pt x="6430952" y="18288"/>
+                </a:cubicBezTo>
+                <a:cubicBezTo>
+                  <a:pt x="6285673" y="-6116"/>
+                  <a:pt x="6138840" y="34521"/>
+                  <a:pt x="5915391" y="18288"/>
+                </a:cubicBezTo>
+                <a:cubicBezTo>
+                  <a:pt x="5691942" y="2055"/>
+                  <a:pt x="5459460" y="51666"/>
+                  <a:pt x="5237020" y="18288"/>
+                </a:cubicBezTo>
+                <a:cubicBezTo>
+                  <a:pt x="5014580" y="-15090"/>
+                  <a:pt x="4747677" y="40449"/>
+                  <a:pt x="4558650" y="18288"/>
+                </a:cubicBezTo>
+                <a:cubicBezTo>
+                  <a:pt x="4369623" y="-3873"/>
+                  <a:pt x="4146061" y="12568"/>
+                  <a:pt x="3880279" y="18288"/>
+                </a:cubicBezTo>
+                <a:cubicBezTo>
+                  <a:pt x="3614497" y="24008"/>
+                  <a:pt x="3473808" y="-12908"/>
+                  <a:pt x="3201909" y="18288"/>
+                </a:cubicBezTo>
+                <a:cubicBezTo>
+                  <a:pt x="2930010" y="49484"/>
+                  <a:pt x="2728175" y="-3430"/>
+                  <a:pt x="2604943" y="18288"/>
+                </a:cubicBezTo>
+                <a:cubicBezTo>
+                  <a:pt x="2481711" y="40006"/>
+                  <a:pt x="2004334" y="26952"/>
+                  <a:pt x="1845168" y="18288"/>
+                </a:cubicBezTo>
+                <a:cubicBezTo>
+                  <a:pt x="1686003" y="9624"/>
+                  <a:pt x="1375070" y="37580"/>
+                  <a:pt x="1166797" y="18288"/>
+                </a:cubicBezTo>
+                <a:cubicBezTo>
+                  <a:pt x="958524" y="-1004"/>
+                  <a:pt x="342846" y="8880"/>
+                  <a:pt x="0" y="18288"/>
+                </a:cubicBezTo>
+                <a:cubicBezTo>
+                  <a:pt x="129" y="13298"/>
+                  <a:pt x="-675" y="6857"/>
+                  <a:pt x="0" y="0"/>
+                </a:cubicBezTo>
+                <a:close/>
+              </a:path>
+              <a:path w="8140446" h="18288" stroke="0" extrusionOk="0">
+                <a:moveTo>
+                  <a:pt x="0" y="0"/>
+                </a:moveTo>
+                <a:cubicBezTo>
+                  <a:pt x="142435" y="-24533"/>
+                  <a:pt x="380026" y="17447"/>
+                  <a:pt x="596966" y="0"/>
+                </a:cubicBezTo>
+                <a:cubicBezTo>
+                  <a:pt x="813906" y="-17447"/>
+                  <a:pt x="830530" y="13462"/>
+                  <a:pt x="1031123" y="0"/>
+                </a:cubicBezTo>
+                <a:cubicBezTo>
+                  <a:pt x="1231716" y="-13462"/>
+                  <a:pt x="1634038" y="0"/>
+                  <a:pt x="1872303" y="0"/>
+                </a:cubicBezTo>
+                <a:cubicBezTo>
+                  <a:pt x="2110568" y="0"/>
+                  <a:pt x="2261934" y="-25727"/>
+                  <a:pt x="2469269" y="0"/>
+                </a:cubicBezTo>
+                <a:cubicBezTo>
+                  <a:pt x="2676604" y="25727"/>
+                  <a:pt x="2790440" y="16284"/>
+                  <a:pt x="3066235" y="0"/>
+                </a:cubicBezTo>
+                <a:cubicBezTo>
+                  <a:pt x="3342030" y="-16284"/>
+                  <a:pt x="3685603" y="41976"/>
+                  <a:pt x="3907414" y="0"/>
+                </a:cubicBezTo>
+                <a:cubicBezTo>
+                  <a:pt x="4129225" y="-41976"/>
+                  <a:pt x="4177416" y="-7598"/>
+                  <a:pt x="4422976" y="0"/>
+                </a:cubicBezTo>
+                <a:cubicBezTo>
+                  <a:pt x="4668536" y="7598"/>
+                  <a:pt x="5023499" y="-28058"/>
+                  <a:pt x="5264155" y="0"/>
+                </a:cubicBezTo>
+                <a:cubicBezTo>
+                  <a:pt x="5504811" y="28058"/>
+                  <a:pt x="5703675" y="13288"/>
+                  <a:pt x="6105335" y="0"/>
+                </a:cubicBezTo>
+                <a:cubicBezTo>
+                  <a:pt x="6506995" y="-13288"/>
+                  <a:pt x="6455516" y="-5124"/>
+                  <a:pt x="6783705" y="0"/>
+                </a:cubicBezTo>
+                <a:cubicBezTo>
+                  <a:pt x="7111894" y="5124"/>
+                  <a:pt x="7512856" y="10604"/>
+                  <a:pt x="8140446" y="0"/>
+                </a:cubicBezTo>
+                <a:cubicBezTo>
+                  <a:pt x="8140458" y="8833"/>
+                  <a:pt x="8140986" y="9830"/>
+                  <a:pt x="8140446" y="18288"/>
+                </a:cubicBezTo>
+                <a:cubicBezTo>
+                  <a:pt x="7959314" y="3345"/>
+                  <a:pt x="7870113" y="10437"/>
+                  <a:pt x="7706289" y="18288"/>
+                </a:cubicBezTo>
+                <a:cubicBezTo>
+                  <a:pt x="7542465" y="26139"/>
+                  <a:pt x="7157940" y="17482"/>
+                  <a:pt x="6865109" y="18288"/>
+                </a:cubicBezTo>
+                <a:cubicBezTo>
+                  <a:pt x="6572278" y="19094"/>
+                  <a:pt x="6524256" y="38051"/>
+                  <a:pt x="6349548" y="18288"/>
+                </a:cubicBezTo>
+                <a:cubicBezTo>
+                  <a:pt x="6174840" y="-1475"/>
+                  <a:pt x="5951624" y="174"/>
+                  <a:pt x="5671177" y="18288"/>
+                </a:cubicBezTo>
+                <a:cubicBezTo>
+                  <a:pt x="5390730" y="36402"/>
+                  <a:pt x="5222992" y="60058"/>
+                  <a:pt x="4829998" y="18288"/>
+                </a:cubicBezTo>
+                <a:cubicBezTo>
+                  <a:pt x="4437004" y="-23482"/>
+                  <a:pt x="4344181" y="39087"/>
+                  <a:pt x="4151627" y="18288"/>
+                </a:cubicBezTo>
+                <a:cubicBezTo>
+                  <a:pt x="3959073" y="-2511"/>
+                  <a:pt x="3886970" y="32875"/>
+                  <a:pt x="3717470" y="18288"/>
+                </a:cubicBezTo>
+                <a:cubicBezTo>
+                  <a:pt x="3547970" y="3701"/>
+                  <a:pt x="3451521" y="31872"/>
+                  <a:pt x="3201909" y="18288"/>
+                </a:cubicBezTo>
+                <a:cubicBezTo>
+                  <a:pt x="2952297" y="4704"/>
+                  <a:pt x="2543413" y="6029"/>
+                  <a:pt x="2360729" y="18288"/>
+                </a:cubicBezTo>
+                <a:cubicBezTo>
+                  <a:pt x="2178045" y="30547"/>
+                  <a:pt x="1906056" y="25847"/>
+                  <a:pt x="1682359" y="18288"/>
+                </a:cubicBezTo>
+                <a:cubicBezTo>
+                  <a:pt x="1458662" y="10730"/>
+                  <a:pt x="1330405" y="8046"/>
+                  <a:pt x="1166797" y="18288"/>
+                </a:cubicBezTo>
+                <a:cubicBezTo>
+                  <a:pt x="1003189" y="28530"/>
+                  <a:pt x="278098" y="19533"/>
+                  <a:pt x="0" y="18288"/>
+                </a:cubicBezTo>
+                <a:cubicBezTo>
+                  <a:pt x="74" y="14054"/>
+                  <a:pt x="-46" y="6997"/>
+                  <a:pt x="0" y="0"/>
+                </a:cubicBezTo>
+                <a:close/>
+              </a:path>
+            </a:pathLst>
+          </a:custGeom>
+          <a:solidFill>
+            <a:schemeClr val="accent2"/>
+          </a:solidFill>
+          <a:ln w="41275" cap="rnd">
+            <a:solidFill>
+              <a:schemeClr val="accent2"/>
+            </a:solidFill>
+            <a:round/>
+            <a:extLst>
+              <a:ext uri="{C807C97D-BFC1-408E-A445-0C87EB9F89A2}">
+                <ask:lineSketchStyleProps xmlns:ask="http://schemas.microsoft.com/office/drawing/2018/sketchyshapes" sd="1219033472">
+                  <a:prstGeom prst="rect">
+                    <a:avLst/>
+                  </a:prstGeom>
+                  <ask:type>
+                    <ask:lineSketchFreehand/>
+                  </ask:type>
+                </ask:lineSketchStyleProps>
+              </a:ext>
+            </a:extLst>
+          </a:ln>
+        </p:spPr>
+        <p:style>
+          <a:lnRef idx="2">
+            <a:schemeClr val="accent1">
+              <a:shade val="50000"/>
+            </a:schemeClr>
+          </a:lnRef>
+          <a:fillRef idx="1">
+            <a:schemeClr val="accent1"/>
+          </a:fillRef>
+          <a:effectRef idx="0">
+            <a:schemeClr val="accent1"/>
+          </a:effectRef>
+          <a:fontRef idx="minor">
+            <a:schemeClr val="lt1"/>
+          </a:fontRef>
+        </p:style>
+        <p:txBody>
+          <a:bodyPr rtlCol="0" anchor="ctr"/>
+          <a:lstStyle/>
+          <a:p>
+            <a:pPr algn="ctr"/>
+            <a:endParaRPr lang="en-US"/>
+          </a:p>
+        </p:txBody>
+      </p:sp>
+      <p:sp>
+        <p:nvSpPr>
+          <p:cNvPr id="3" name="Content Placeholder 2"/>
+          <p:cNvSpPr>
+            <a:spLocks noGrp="1"/>
+          </p:cNvSpPr>
+          <p:nvPr>
+            <p:ph idx="1"/>
+          </p:nvPr>
+        </p:nvSpPr>
+        <p:spPr>
+          <a:xfrm>
+            <a:off x="628650" y="1929384"/>
+            <a:ext cx="7886700" cy="4251960"/>
+          </a:xfrm>
+        </p:spPr>
+        <p:txBody>
+          <a:bodyPr>
+            <a:normAutofit/>
+          </a:bodyPr>
+          <a:lstStyle/>
+          <a:p>
+            <a:r>
+              <a:rPr lang="en-US" sz="1900"/>
+              <a:t>Summary: Successfully built a RandomForest model to predict diabetes with over 75% accuracy.</a:t>
+            </a:r>
+          </a:p>
+          <a:p>
+            <a:r>
+              <a:rPr lang="en-US" sz="1900"/>
+              <a:t>Model Insight: Important features identified: age, BMI, and HbA1c levels.</a:t>
+            </a:r>
+          </a:p>
+          <a:p>
+            <a:r>
+              <a:rPr lang="en-US" sz="1900"/>
+              <a:t>Takeaway: Results show that machine learning can provide accurate predictions for diabetes risk.</a:t>
+            </a:r>
+          </a:p>
+        </p:txBody>
+      </p:sp>
+    </p:spTree>
+  </p:cSld>
+  <p:clrMapOvr>
+    <a:masterClrMapping/>
+  </p:clrMapOvr>
+</p:sld>
+</file>
+
+<file path=ppt/slides/slide12.xml><?xml version="1.0" encoding="utf-8"?>
+<p:sld xmlns:a="http://schemas.openxmlformats.org/drawingml/2006/main" xmlns:r="http://schemas.openxmlformats.org/officeDocument/2006/relationships" xmlns:p="http://schemas.openxmlformats.org/presentationml/2006/main">
+  <p:cSld>
     <p:spTree>
       <p:nvGrpSpPr>
         <p:cNvPr id="1" name=""/>
@@ -3642,7 +5289,8 @@
           <a:lstStyle/>
           <a:p>
             <a:r>
-              <a:t>Future Work</a:t>
+              <a:rPr lang="en-US" dirty="0"/>
+              <a:t>Future Considerations</a:t>
             </a:r>
           </a:p>
         </p:txBody>
@@ -3686,7 +5334,7 @@
 </p:sld>
 </file>
 
-<file path=ppt/slides/slide11.xml><?xml version="1.0" encoding="utf-8"?>
+<file path=ppt/slides/slide13.xml><?xml version="1.0" encoding="utf-8"?>
 <p:sld xmlns:a="http://schemas.openxmlformats.org/drawingml/2006/main" xmlns:r="http://schemas.openxmlformats.org/officeDocument/2006/relationships" xmlns:p="http://schemas.openxmlformats.org/presentationml/2006/main">
   <p:cSld>
     <p:bg>
@@ -3846,7 +5494,7 @@
         </p:nvSpPr>
         <p:spPr>
           <a:xfrm>
-            <a:off x="603504" y="802955"/>
+            <a:off x="524256" y="802955"/>
             <a:ext cx="3733482" cy="1454051"/>
           </a:xfrm>
         </p:spPr>
@@ -3857,12 +5505,24 @@
           <a:lstStyle/>
           <a:p>
             <a:r>
-              <a:rPr lang="en-US" sz="3100">
+              <a:rPr lang="en-US" sz="6000" b="1" dirty="0">
                 <a:solidFill>
-                  <a:schemeClr val="tx2"/>
+                  <a:schemeClr val="accent1">
+                    <a:lumMod val="75000"/>
+                  </a:schemeClr>
                 </a:solidFill>
               </a:rPr>
-              <a:t>Thank You!</a:t>
+              <a:t>Thank You</a:t>
+            </a:r>
+            <a:r>
+              <a:rPr lang="en-US" sz="6000" dirty="0">
+                <a:solidFill>
+                  <a:schemeClr val="accent1">
+                    <a:lumMod val="75000"/>
+                  </a:schemeClr>
+                </a:solidFill>
+              </a:rPr>
+              <a:t>!</a:t>
             </a:r>
           </a:p>
         </p:txBody>
@@ -3880,7 +5540,7 @@
         <p:spPr>
           <a:xfrm>
             <a:off x="603504" y="2421682"/>
-            <a:ext cx="3733183" cy="3639289"/>
+            <a:ext cx="5721096" cy="3639289"/>
           </a:xfrm>
         </p:spPr>
         <p:txBody>
@@ -3889,13 +5549,111 @@
           </a:bodyPr>
           <a:lstStyle/>
           <a:p>
+            <a:pPr marL="0" indent="0">
+              <a:buNone/>
+            </a:pPr>
             <a:r>
-              <a:rPr lang="en-US" sz="1600">
+              <a:rPr lang="en-US" sz="1600" dirty="0"/>
+              <a:t>Resources and more info in:</a:t>
+            </a:r>
+          </a:p>
+          <a:p>
+            <a:pPr marL="0" indent="0">
+              <a:buNone/>
+            </a:pPr>
+            <a:r>
+              <a:rPr lang="en-US" sz="1600" dirty="0">
                 <a:solidFill>
                   <a:schemeClr val="tx2"/>
                 </a:solidFill>
+                <a:hlinkClick r:id="rId2"/>
               </a:rPr>
-              <a:t>Questions?</a:t>
+              <a:t>https://github.com/piiop/group-project-2</a:t>
+            </a:r>
+            <a:endParaRPr lang="en-US" sz="1600" dirty="0">
+              <a:solidFill>
+                <a:schemeClr val="tx2"/>
+              </a:solidFill>
+            </a:endParaRPr>
+          </a:p>
+          <a:p>
+            <a:pPr marL="0" indent="0">
+              <a:buNone/>
+            </a:pPr>
+            <a:endParaRPr lang="en-US" sz="1600" dirty="0">
+              <a:solidFill>
+                <a:schemeClr val="tx2"/>
+              </a:solidFill>
+            </a:endParaRPr>
+          </a:p>
+          <a:p>
+            <a:pPr marL="0" indent="0">
+              <a:buNone/>
+            </a:pPr>
+            <a:endParaRPr lang="en-US" sz="1600" dirty="0">
+              <a:solidFill>
+                <a:schemeClr val="tx2"/>
+              </a:solidFill>
+            </a:endParaRPr>
+          </a:p>
+          <a:p>
+            <a:pPr marL="0" indent="0">
+              <a:buNone/>
+            </a:pPr>
+            <a:endParaRPr lang="en-US" sz="1600" dirty="0">
+              <a:solidFill>
+                <a:schemeClr val="tx2"/>
+              </a:solidFill>
+            </a:endParaRPr>
+          </a:p>
+          <a:p>
+            <a:pPr marL="0" indent="0">
+              <a:buNone/>
+            </a:pPr>
+            <a:endParaRPr lang="en-US" sz="1600" dirty="0">
+              <a:solidFill>
+                <a:schemeClr val="tx2"/>
+              </a:solidFill>
+            </a:endParaRPr>
+          </a:p>
+          <a:p>
+            <a:pPr marL="0" indent="0">
+              <a:buNone/>
+            </a:pPr>
+            <a:endParaRPr lang="en-US" sz="1600" dirty="0">
+              <a:solidFill>
+                <a:schemeClr val="tx2"/>
+              </a:solidFill>
+            </a:endParaRPr>
+          </a:p>
+          <a:p>
+            <a:pPr marL="0" indent="0">
+              <a:buNone/>
+            </a:pPr>
+            <a:endParaRPr lang="en-US" sz="1600" dirty="0">
+              <a:solidFill>
+                <a:schemeClr val="tx2"/>
+              </a:solidFill>
+            </a:endParaRPr>
+          </a:p>
+          <a:p>
+            <a:pPr marL="0" indent="0" algn="ctr">
+              <a:buNone/>
+            </a:pPr>
+            <a:r>
+              <a:rPr lang="en-US" sz="1800" b="1" dirty="0">
+                <a:solidFill>
+                  <a:schemeClr val="tx2"/>
+                </a:solidFill>
+                <a:effectLst>
+                  <a:outerShdw blurRad="38100" dist="38100" dir="2700000" algn="tl">
+                    <a:srgbClr val="000000">
+                      <a:alpha val="43137"/>
+                    </a:srgbClr>
+                  </a:outerShdw>
+                </a:effectLst>
+              </a:rPr>
+              <a:t>                                               Questions?</a:t>
             </a:r>
           </a:p>
         </p:txBody>
@@ -6697,13 +8455,13 @@
           <p:nvPr/>
         </p:nvPicPr>
         <p:blipFill>
-          <a:blip r:embed="rId2">
+          <a:blip r:embed="rId3">
             <a:extLst>
               <a:ext uri="{28A0092B-C50C-407E-A947-70E740481C1C}">
                 <a14:useLocalDpi xmlns:a14="http://schemas.microsoft.com/office/drawing/2010/main" val="0"/>
               </a:ext>
               <a:ext uri="{96DAC541-7B7A-43D3-8B79-37D633B846F1}">
-                <asvg:svgBlip xmlns:asvg="http://schemas.microsoft.com/office/drawing/2016/SVG/main" r:embed="rId3"/>
+                <asvg:svgBlip xmlns:asvg="http://schemas.microsoft.com/office/drawing/2016/SVG/main" r:embed="rId4"/>
               </a:ext>
             </a:extLst>
           </a:blip>
@@ -6939,8 +8697,37 @@
           <a:bodyPr rtlCol="0" anchor="ctr"/>
           <a:lstStyle/>
           <a:p>
-            <a:pPr algn="ctr"/>
-            <a:endParaRPr lang="en-US"/>
+            <a:pPr marL="0" marR="0" lvl="0" indent="0" algn="ctr" defTabSz="457200" rtl="0" eaLnBrk="1" fontAlgn="auto" latinLnBrk="0" hangingPunct="1">
+              <a:lnSpc>
+                <a:spcPct val="100000"/>
+              </a:lnSpc>
+              <a:spcBef>
+                <a:spcPts val="0"/>
+              </a:spcBef>
+              <a:spcAft>
+                <a:spcPts val="0"/>
+              </a:spcAft>
+              <a:buClrTx/>
+              <a:buSzTx/>
+              <a:buFontTx/>
+              <a:buNone/>
+              <a:tabLst/>
+              <a:defRPr/>
+            </a:pPr>
+            <a:endParaRPr kumimoji="0" lang="en-US" sz="1800" b="0" i="0" u="none" strike="noStrike" kern="1200" cap="none" spc="0" normalizeH="0" baseline="0" noProof="0">
+              <a:ln>
+                <a:noFill/>
+              </a:ln>
+              <a:solidFill>
+                <a:prstClr val="white"/>
+              </a:solidFill>
+              <a:effectLst/>
+              <a:uLnTx/>
+              <a:uFillTx/>
+              <a:latin typeface="Calibri"/>
+              <a:ea typeface="+mn-ea"/>
+              <a:cs typeface="+mn-cs"/>
+            </a:endParaRPr>
           </a:p>
         </p:txBody>
       </p:sp>
@@ -6967,8 +8754,8 @@
           <a:lstStyle/>
           <a:p>
             <a:r>
-              <a:rPr lang="en-US" sz="4700"/>
-              <a:t>Executive Summary</a:t>
+              <a:rPr lang="en-US" sz="4700" dirty="0"/>
+              <a:t>Agenda</a:t>
             </a:r>
           </a:p>
         </p:txBody>
@@ -7311,6 +9098,681 @@
           <a:bodyPr rtlCol="0" anchor="ctr"/>
           <a:lstStyle/>
           <a:p>
+            <a:pPr marL="0" marR="0" lvl="0" indent="0" algn="ctr" defTabSz="457200" rtl="0" eaLnBrk="1" fontAlgn="auto" latinLnBrk="0" hangingPunct="1">
+              <a:lnSpc>
+                <a:spcPct val="100000"/>
+              </a:lnSpc>
+              <a:spcBef>
+                <a:spcPts val="0"/>
+              </a:spcBef>
+              <a:spcAft>
+                <a:spcPts val="0"/>
+              </a:spcAft>
+              <a:buClrTx/>
+              <a:buSzTx/>
+              <a:buFontTx/>
+              <a:buNone/>
+              <a:tabLst/>
+              <a:defRPr/>
+            </a:pPr>
+            <a:endParaRPr kumimoji="0" lang="en-US" sz="1800" b="0" i="0" u="none" strike="noStrike" kern="1200" cap="none" spc="0" normalizeH="0" baseline="0" noProof="0">
+              <a:ln>
+                <a:noFill/>
+              </a:ln>
+              <a:solidFill>
+                <a:prstClr val="white"/>
+              </a:solidFill>
+              <a:effectLst/>
+              <a:uLnTx/>
+              <a:uFillTx/>
+              <a:latin typeface="Calibri"/>
+              <a:ea typeface="+mn-ea"/>
+              <a:cs typeface="+mn-cs"/>
+            </a:endParaRPr>
+          </a:p>
+        </p:txBody>
+      </p:sp>
+      <p:sp>
+        <p:nvSpPr>
+          <p:cNvPr id="3" name="Content Placeholder 2"/>
+          <p:cNvSpPr>
+            <a:spLocks noGrp="1"/>
+          </p:cNvSpPr>
+          <p:nvPr>
+            <p:ph idx="1"/>
+          </p:nvPr>
+        </p:nvSpPr>
+        <p:spPr>
+          <a:xfrm>
+            <a:off x="3844813" y="552091"/>
+            <a:ext cx="5030963" cy="5431536"/>
+          </a:xfrm>
+        </p:spPr>
+        <p:txBody>
+          <a:bodyPr anchor="ctr">
+            <a:normAutofit/>
+          </a:bodyPr>
+          <a:lstStyle/>
+          <a:p>
+            <a:pPr marL="342900" indent="-342900">
+              <a:buFont typeface="+mj-lt"/>
+              <a:buAutoNum type="arabicPeriod"/>
+            </a:pPr>
+            <a:r>
+              <a:rPr lang="en-US" sz="2000" b="1" dirty="0">
+                <a:solidFill>
+                  <a:schemeClr val="tx1">
+                    <a:lumMod val="85000"/>
+                    <a:lumOff val="15000"/>
+                  </a:schemeClr>
+                </a:solidFill>
+              </a:rPr>
+              <a:t>Executive Summary </a:t>
+            </a:r>
+          </a:p>
+          <a:p>
+            <a:pPr marL="342900" indent="-342900">
+              <a:buFont typeface="+mj-lt"/>
+              <a:buAutoNum type="arabicPeriod"/>
+            </a:pPr>
+            <a:r>
+              <a:rPr lang="en-US" sz="2000" b="1" dirty="0">
+                <a:solidFill>
+                  <a:schemeClr val="tx1">
+                    <a:lumMod val="85000"/>
+                    <a:lumOff val="15000"/>
+                  </a:schemeClr>
+                </a:solidFill>
+              </a:rPr>
+              <a:t>Data Collection, Cleaning and transformation</a:t>
+            </a:r>
+          </a:p>
+          <a:p>
+            <a:pPr marL="342900" indent="-342900">
+              <a:buFont typeface="+mj-lt"/>
+              <a:buAutoNum type="arabicPeriod"/>
+            </a:pPr>
+            <a:r>
+              <a:rPr lang="en-US" sz="2000" b="1" dirty="0">
+                <a:solidFill>
+                  <a:schemeClr val="tx1">
+                    <a:lumMod val="85000"/>
+                    <a:lumOff val="15000"/>
+                  </a:schemeClr>
+                </a:solidFill>
+              </a:rPr>
+              <a:t>Exploratory Data Analysis &amp; Visualizations</a:t>
+            </a:r>
+          </a:p>
+          <a:p>
+            <a:pPr marL="342900" indent="-342900">
+              <a:buFont typeface="+mj-lt"/>
+              <a:buAutoNum type="arabicPeriod"/>
+            </a:pPr>
+            <a:r>
+              <a:rPr lang="en-US" sz="2000" b="1" dirty="0">
+                <a:solidFill>
+                  <a:schemeClr val="tx1">
+                    <a:lumMod val="85000"/>
+                    <a:lumOff val="15000"/>
+                  </a:schemeClr>
+                </a:solidFill>
+              </a:rPr>
+              <a:t>Approach</a:t>
+            </a:r>
+          </a:p>
+          <a:p>
+            <a:pPr marL="342900" indent="-342900">
+              <a:buFont typeface="+mj-lt"/>
+              <a:buAutoNum type="arabicPeriod"/>
+            </a:pPr>
+            <a:r>
+              <a:rPr lang="en-US" sz="2000" b="1" dirty="0">
+                <a:solidFill>
+                  <a:schemeClr val="tx1">
+                    <a:lumMod val="85000"/>
+                    <a:lumOff val="15000"/>
+                  </a:schemeClr>
+                </a:solidFill>
+              </a:rPr>
+              <a:t>Model Implementation</a:t>
+            </a:r>
+          </a:p>
+          <a:p>
+            <a:pPr marL="342900" indent="-342900">
+              <a:buFont typeface="+mj-lt"/>
+              <a:buAutoNum type="arabicPeriod"/>
+            </a:pPr>
+            <a:r>
+              <a:rPr lang="en-US" sz="2000" b="1" dirty="0">
+                <a:solidFill>
+                  <a:schemeClr val="tx1">
+                    <a:lumMod val="85000"/>
+                    <a:lumOff val="15000"/>
+                  </a:schemeClr>
+                </a:solidFill>
+              </a:rPr>
+              <a:t>Model Optimization and Final Performance</a:t>
+            </a:r>
+          </a:p>
+          <a:p>
+            <a:pPr marL="342900" indent="-342900">
+              <a:buFont typeface="+mj-lt"/>
+              <a:buAutoNum type="arabicPeriod"/>
+            </a:pPr>
+            <a:r>
+              <a:rPr lang="en-US" sz="2000" b="1" dirty="0">
+                <a:solidFill>
+                  <a:schemeClr val="tx1">
+                    <a:lumMod val="85000"/>
+                    <a:lumOff val="15000"/>
+                  </a:schemeClr>
+                </a:solidFill>
+              </a:rPr>
+              <a:t>Results and Conclusions</a:t>
+            </a:r>
+          </a:p>
+          <a:p>
+            <a:pPr marL="342900" indent="-342900">
+              <a:buFont typeface="+mj-lt"/>
+              <a:buAutoNum type="arabicPeriod"/>
+            </a:pPr>
+            <a:r>
+              <a:rPr lang="en-US" sz="2000" b="1" dirty="0">
+                <a:solidFill>
+                  <a:schemeClr val="tx1">
+                    <a:lumMod val="85000"/>
+                    <a:lumOff val="15000"/>
+                  </a:schemeClr>
+                </a:solidFill>
+              </a:rPr>
+              <a:t>Future Considerations</a:t>
+            </a:r>
+          </a:p>
+          <a:p>
+            <a:pPr marL="342900" indent="-342900">
+              <a:buFont typeface="+mj-lt"/>
+              <a:buAutoNum type="arabicPeriod"/>
+            </a:pPr>
+            <a:r>
+              <a:rPr lang="en-US" sz="2000" b="1" dirty="0">
+                <a:solidFill>
+                  <a:schemeClr val="tx1">
+                    <a:lumMod val="85000"/>
+                    <a:lumOff val="15000"/>
+                  </a:schemeClr>
+                </a:solidFill>
+              </a:rPr>
+              <a:t>Resources</a:t>
+            </a:r>
+          </a:p>
+        </p:txBody>
+      </p:sp>
+    </p:spTree>
+    <p:extLst>
+      <p:ext uri="{BB962C8B-B14F-4D97-AF65-F5344CB8AC3E}">
+        <p14:creationId xmlns:p14="http://schemas.microsoft.com/office/powerpoint/2010/main" val="4189537200"/>
+      </p:ext>
+    </p:extLst>
+  </p:cSld>
+  <p:clrMapOvr>
+    <a:masterClrMapping/>
+  </p:clrMapOvr>
+</p:sld>
+</file>
+
+<file path=ppt/slides/slide3.xml><?xml version="1.0" encoding="utf-8"?>
+<p:sld xmlns:a="http://schemas.openxmlformats.org/drawingml/2006/main" xmlns:r="http://schemas.openxmlformats.org/officeDocument/2006/relationships" xmlns:p="http://schemas.openxmlformats.org/presentationml/2006/main">
+  <p:cSld>
+    <p:bg>
+      <p:bgPr>
+        <a:solidFill>
+          <a:schemeClr val="bg1"/>
+        </a:solidFill>
+        <a:effectLst/>
+      </p:bgPr>
+    </p:bg>
+    <p:spTree>
+      <p:nvGrpSpPr>
+        <p:cNvPr id="1" name=""/>
+        <p:cNvGrpSpPr/>
+        <p:nvPr/>
+      </p:nvGrpSpPr>
+      <p:grpSpPr>
+        <a:xfrm>
+          <a:off x="0" y="0"/>
+          <a:ext cx="0" cy="0"/>
+          <a:chOff x="0" y="0"/>
+          <a:chExt cx="0" cy="0"/>
+        </a:xfrm>
+      </p:grpSpPr>
+      <p:sp useBgFill="1">
+        <p:nvSpPr>
+          <p:cNvPr id="8" name="Rectangle 7">
+            <a:extLst>
+              <a:ext uri="{FF2B5EF4-FFF2-40B4-BE49-F238E27FC236}">
+                <a16:creationId xmlns:a16="http://schemas.microsoft.com/office/drawing/2014/main" id="{777A147A-9ED8-46B4-8660-1B3C2AA880B5}"/>
+              </a:ext>
+              <a:ext uri="{C183D7F6-B498-43B3-948B-1728B52AA6E4}">
+                <adec:decorative xmlns:adec="http://schemas.microsoft.com/office/drawing/2017/decorative" val="1"/>
+              </a:ext>
+            </a:extLst>
+          </p:cNvPr>
+          <p:cNvSpPr>
+            <a:spLocks noGrp="1" noRot="1" noChangeAspect="1" noMove="1" noResize="1" noEditPoints="1" noAdjustHandles="1" noChangeArrowheads="1" noChangeShapeType="1" noTextEdit="1"/>
+          </p:cNvSpPr>
+          <p:nvPr>
+            <p:extLst>
+              <p:ext uri="{386F3935-93C4-4BCD-93E2-E3B085C9AB24}">
+                <p16:designElem xmlns:p16="http://schemas.microsoft.com/office/powerpoint/2015/main" val="1"/>
+              </p:ext>
+            </p:extLst>
+          </p:nvPr>
+        </p:nvSpPr>
+        <p:spPr>
+          <a:xfrm>
+            <a:off x="0" y="0"/>
+            <a:ext cx="9141714" cy="6858000"/>
+          </a:xfrm>
+          <a:prstGeom prst="rect">
+            <a:avLst/>
+          </a:prstGeom>
+          <a:ln>
+            <a:noFill/>
+          </a:ln>
+        </p:spPr>
+        <p:style>
+          <a:lnRef idx="2">
+            <a:schemeClr val="accent1">
+              <a:shade val="50000"/>
+            </a:schemeClr>
+          </a:lnRef>
+          <a:fillRef idx="1">
+            <a:schemeClr val="accent1"/>
+          </a:fillRef>
+          <a:effectRef idx="0">
+            <a:schemeClr val="accent1"/>
+          </a:effectRef>
+          <a:fontRef idx="minor">
+            <a:schemeClr val="lt1"/>
+          </a:fontRef>
+        </p:style>
+        <p:txBody>
+          <a:bodyPr rtlCol="0" anchor="ctr"/>
+          <a:lstStyle/>
+          <a:p>
+            <a:pPr algn="ctr"/>
+            <a:endParaRPr lang="en-US"/>
+          </a:p>
+        </p:txBody>
+      </p:sp>
+      <p:sp>
+        <p:nvSpPr>
+          <p:cNvPr id="2" name="Title 1"/>
+          <p:cNvSpPr>
+            <a:spLocks noGrp="1"/>
+          </p:cNvSpPr>
+          <p:nvPr>
+            <p:ph type="title"/>
+          </p:nvPr>
+        </p:nvSpPr>
+        <p:spPr>
+          <a:xfrm>
+            <a:off x="630936" y="548640"/>
+            <a:ext cx="2700645" cy="5431536"/>
+          </a:xfrm>
+        </p:spPr>
+        <p:txBody>
+          <a:bodyPr>
+            <a:normAutofit/>
+          </a:bodyPr>
+          <a:lstStyle/>
+          <a:p>
+            <a:r>
+              <a:rPr lang="en-US" sz="4700"/>
+              <a:t>Executive Summary</a:t>
+            </a:r>
+          </a:p>
+        </p:txBody>
+      </p:sp>
+      <p:sp>
+        <p:nvSpPr>
+          <p:cNvPr id="10" name="sketch line">
+            <a:extLst>
+              <a:ext uri="{FF2B5EF4-FFF2-40B4-BE49-F238E27FC236}">
+                <a16:creationId xmlns:a16="http://schemas.microsoft.com/office/drawing/2014/main" id="{5D6C15A0-C087-4593-8414-2B4EC1CDC3DE}"/>
+              </a:ext>
+              <a:ext uri="{C183D7F6-B498-43B3-948B-1728B52AA6E4}">
+                <adec:decorative xmlns:adec="http://schemas.microsoft.com/office/drawing/2017/decorative" val="1"/>
+              </a:ext>
+            </a:extLst>
+          </p:cNvPr>
+          <p:cNvSpPr>
+            <a:spLocks noGrp="1" noRot="1" noChangeAspect="1" noMove="1" noResize="1" noEditPoints="1" noAdjustHandles="1" noChangeArrowheads="1" noChangeShapeType="1" noTextEdit="1"/>
+          </p:cNvSpPr>
+          <p:nvPr>
+            <p:extLst>
+              <p:ext uri="{386F3935-93C4-4BCD-93E2-E3B085C9AB24}">
+                <p16:designElem xmlns:p16="http://schemas.microsoft.com/office/powerpoint/2015/main" val="1"/>
+              </p:ext>
+            </p:extLst>
+          </p:nvPr>
+        </p:nvSpPr>
+        <p:spPr>
+          <a:xfrm rot="5400000">
+            <a:off x="1347917" y="3261001"/>
+            <a:ext cx="4480560" cy="13716"/>
+          </a:xfrm>
+          <a:custGeom>
+            <a:avLst/>
+            <a:gdLst>
+              <a:gd name="connsiteX0" fmla="*/ 0 w 4480560"/>
+              <a:gd name="connsiteY0" fmla="*/ 0 h 13716"/>
+              <a:gd name="connsiteX1" fmla="*/ 595274 w 4480560"/>
+              <a:gd name="connsiteY1" fmla="*/ 0 h 13716"/>
+              <a:gd name="connsiteX2" fmla="*/ 1100938 w 4480560"/>
+              <a:gd name="connsiteY2" fmla="*/ 0 h 13716"/>
+              <a:gd name="connsiteX3" fmla="*/ 1651406 w 4480560"/>
+              <a:gd name="connsiteY3" fmla="*/ 0 h 13716"/>
+              <a:gd name="connsiteX4" fmla="*/ 2336292 w 4480560"/>
+              <a:gd name="connsiteY4" fmla="*/ 0 h 13716"/>
+              <a:gd name="connsiteX5" fmla="*/ 2931566 w 4480560"/>
+              <a:gd name="connsiteY5" fmla="*/ 0 h 13716"/>
+              <a:gd name="connsiteX6" fmla="*/ 3482035 w 4480560"/>
+              <a:gd name="connsiteY6" fmla="*/ 0 h 13716"/>
+              <a:gd name="connsiteX7" fmla="*/ 4480560 w 4480560"/>
+              <a:gd name="connsiteY7" fmla="*/ 0 h 13716"/>
+              <a:gd name="connsiteX8" fmla="*/ 4480560 w 4480560"/>
+              <a:gd name="connsiteY8" fmla="*/ 13716 h 13716"/>
+              <a:gd name="connsiteX9" fmla="*/ 3840480 w 4480560"/>
+              <a:gd name="connsiteY9" fmla="*/ 13716 h 13716"/>
+              <a:gd name="connsiteX10" fmla="*/ 3290011 w 4480560"/>
+              <a:gd name="connsiteY10" fmla="*/ 13716 h 13716"/>
+              <a:gd name="connsiteX11" fmla="*/ 2560320 w 4480560"/>
+              <a:gd name="connsiteY11" fmla="*/ 13716 h 13716"/>
+              <a:gd name="connsiteX12" fmla="*/ 1965046 w 4480560"/>
+              <a:gd name="connsiteY12" fmla="*/ 13716 h 13716"/>
+              <a:gd name="connsiteX13" fmla="*/ 1459382 w 4480560"/>
+              <a:gd name="connsiteY13" fmla="*/ 13716 h 13716"/>
+              <a:gd name="connsiteX14" fmla="*/ 774497 w 4480560"/>
+              <a:gd name="connsiteY14" fmla="*/ 13716 h 13716"/>
+              <a:gd name="connsiteX15" fmla="*/ 0 w 4480560"/>
+              <a:gd name="connsiteY15" fmla="*/ 13716 h 13716"/>
+              <a:gd name="connsiteX16" fmla="*/ 0 w 4480560"/>
+              <a:gd name="connsiteY16" fmla="*/ 0 h 13716"/>
+            </a:gdLst>
+            <a:ahLst/>
+            <a:cxnLst>
+              <a:cxn ang="0">
+                <a:pos x="connsiteX0" y="connsiteY0"/>
+              </a:cxn>
+              <a:cxn ang="0">
+                <a:pos x="connsiteX1" y="connsiteY1"/>
+              </a:cxn>
+              <a:cxn ang="0">
+                <a:pos x="connsiteX2" y="connsiteY2"/>
+              </a:cxn>
+              <a:cxn ang="0">
+                <a:pos x="connsiteX3" y="connsiteY3"/>
+              </a:cxn>
+              <a:cxn ang="0">
+                <a:pos x="connsiteX4" y="connsiteY4"/>
+              </a:cxn>
+              <a:cxn ang="0">
+                <a:pos x="connsiteX5" y="connsiteY5"/>
+              </a:cxn>
+              <a:cxn ang="0">
+                <a:pos x="connsiteX6" y="connsiteY6"/>
+              </a:cxn>
+              <a:cxn ang="0">
+                <a:pos x="connsiteX7" y="connsiteY7"/>
+              </a:cxn>
+              <a:cxn ang="0">
+                <a:pos x="connsiteX8" y="connsiteY8"/>
+              </a:cxn>
+              <a:cxn ang="0">
+                <a:pos x="connsiteX9" y="connsiteY9"/>
+              </a:cxn>
+              <a:cxn ang="0">
+                <a:pos x="connsiteX10" y="connsiteY10"/>
+              </a:cxn>
+              <a:cxn ang="0">
+                <a:pos x="connsiteX11" y="connsiteY11"/>
+              </a:cxn>
+              <a:cxn ang="0">
+                <a:pos x="connsiteX12" y="connsiteY12"/>
+              </a:cxn>
+              <a:cxn ang="0">
+                <a:pos x="connsiteX13" y="connsiteY13"/>
+              </a:cxn>
+              <a:cxn ang="0">
+                <a:pos x="connsiteX14" y="connsiteY14"/>
+              </a:cxn>
+              <a:cxn ang="0">
+                <a:pos x="connsiteX15" y="connsiteY15"/>
+              </a:cxn>
+              <a:cxn ang="0">
+                <a:pos x="connsiteX16" y="connsiteY16"/>
+              </a:cxn>
+            </a:cxnLst>
+            <a:rect l="l" t="t" r="r" b="b"/>
+            <a:pathLst>
+              <a:path w="4480560" h="13716" fill="none" extrusionOk="0">
+                <a:moveTo>
+                  <a:pt x="0" y="0"/>
+                </a:moveTo>
+                <a:cubicBezTo>
+                  <a:pt x="267821" y="8731"/>
+                  <a:pt x="334105" y="2629"/>
+                  <a:pt x="595274" y="0"/>
+                </a:cubicBezTo>
+                <a:cubicBezTo>
+                  <a:pt x="856443" y="-2629"/>
+                  <a:pt x="863808" y="-13353"/>
+                  <a:pt x="1100938" y="0"/>
+                </a:cubicBezTo>
+                <a:cubicBezTo>
+                  <a:pt x="1338068" y="13353"/>
+                  <a:pt x="1431663" y="-25862"/>
+                  <a:pt x="1651406" y="0"/>
+                </a:cubicBezTo>
+                <a:cubicBezTo>
+                  <a:pt x="1871149" y="25862"/>
+                  <a:pt x="2173163" y="23827"/>
+                  <a:pt x="2336292" y="0"/>
+                </a:cubicBezTo>
+                <a:cubicBezTo>
+                  <a:pt x="2499421" y="-23827"/>
+                  <a:pt x="2720589" y="28148"/>
+                  <a:pt x="2931566" y="0"/>
+                </a:cubicBezTo>
+                <a:cubicBezTo>
+                  <a:pt x="3142543" y="-28148"/>
+                  <a:pt x="3323630" y="27022"/>
+                  <a:pt x="3482035" y="0"/>
+                </a:cubicBezTo>
+                <a:cubicBezTo>
+                  <a:pt x="3640440" y="-27022"/>
+                  <a:pt x="4012110" y="-20118"/>
+                  <a:pt x="4480560" y="0"/>
+                </a:cubicBezTo>
+                <a:cubicBezTo>
+                  <a:pt x="4480273" y="3379"/>
+                  <a:pt x="4480768" y="9289"/>
+                  <a:pt x="4480560" y="13716"/>
+                </a:cubicBezTo>
+                <a:cubicBezTo>
+                  <a:pt x="4314132" y="10352"/>
+                  <a:pt x="4028383" y="32060"/>
+                  <a:pt x="3840480" y="13716"/>
+                </a:cubicBezTo>
+                <a:cubicBezTo>
+                  <a:pt x="3652577" y="-4628"/>
+                  <a:pt x="3547615" y="-1724"/>
+                  <a:pt x="3290011" y="13716"/>
+                </a:cubicBezTo>
+                <a:cubicBezTo>
+                  <a:pt x="3032407" y="29156"/>
+                  <a:pt x="2830268" y="4147"/>
+                  <a:pt x="2560320" y="13716"/>
+                </a:cubicBezTo>
+                <a:cubicBezTo>
+                  <a:pt x="2290372" y="23285"/>
+                  <a:pt x="2147422" y="2156"/>
+                  <a:pt x="1965046" y="13716"/>
+                </a:cubicBezTo>
+                <a:cubicBezTo>
+                  <a:pt x="1782670" y="25276"/>
+                  <a:pt x="1689791" y="36108"/>
+                  <a:pt x="1459382" y="13716"/>
+                </a:cubicBezTo>
+                <a:cubicBezTo>
+                  <a:pt x="1228973" y="-8676"/>
+                  <a:pt x="915486" y="31929"/>
+                  <a:pt x="774497" y="13716"/>
+                </a:cubicBezTo>
+                <a:cubicBezTo>
+                  <a:pt x="633508" y="-4497"/>
+                  <a:pt x="361442" y="-15679"/>
+                  <a:pt x="0" y="13716"/>
+                </a:cubicBezTo>
+                <a:cubicBezTo>
+                  <a:pt x="-362" y="8190"/>
+                  <a:pt x="-434" y="6098"/>
+                  <a:pt x="0" y="0"/>
+                </a:cubicBezTo>
+                <a:close/>
+              </a:path>
+              <a:path w="4480560" h="13716" stroke="0" extrusionOk="0">
+                <a:moveTo>
+                  <a:pt x="0" y="0"/>
+                </a:moveTo>
+                <a:cubicBezTo>
+                  <a:pt x="285465" y="225"/>
+                  <a:pt x="322691" y="16223"/>
+                  <a:pt x="595274" y="0"/>
+                </a:cubicBezTo>
+                <a:cubicBezTo>
+                  <a:pt x="867857" y="-16223"/>
+                  <a:pt x="989129" y="-11242"/>
+                  <a:pt x="1100938" y="0"/>
+                </a:cubicBezTo>
+                <a:cubicBezTo>
+                  <a:pt x="1212747" y="11242"/>
+                  <a:pt x="1574350" y="-36410"/>
+                  <a:pt x="1830629" y="0"/>
+                </a:cubicBezTo>
+                <a:cubicBezTo>
+                  <a:pt x="2086908" y="36410"/>
+                  <a:pt x="2180922" y="4645"/>
+                  <a:pt x="2425903" y="0"/>
+                </a:cubicBezTo>
+                <a:cubicBezTo>
+                  <a:pt x="2670884" y="-4645"/>
+                  <a:pt x="2782024" y="22929"/>
+                  <a:pt x="3021178" y="0"/>
+                </a:cubicBezTo>
+                <a:cubicBezTo>
+                  <a:pt x="3260332" y="-22929"/>
+                  <a:pt x="3456982" y="-1586"/>
+                  <a:pt x="3750869" y="0"/>
+                </a:cubicBezTo>
+                <a:cubicBezTo>
+                  <a:pt x="4044756" y="1586"/>
+                  <a:pt x="4302726" y="17043"/>
+                  <a:pt x="4480560" y="0"/>
+                </a:cubicBezTo>
+                <a:cubicBezTo>
+                  <a:pt x="4480360" y="3832"/>
+                  <a:pt x="4481152" y="9314"/>
+                  <a:pt x="4480560" y="13716"/>
+                </a:cubicBezTo>
+                <a:cubicBezTo>
+                  <a:pt x="4279652" y="-11422"/>
+                  <a:pt x="4200762" y="36994"/>
+                  <a:pt x="3930091" y="13716"/>
+                </a:cubicBezTo>
+                <a:cubicBezTo>
+                  <a:pt x="3659420" y="-9562"/>
+                  <a:pt x="3456052" y="17722"/>
+                  <a:pt x="3290011" y="13716"/>
+                </a:cubicBezTo>
+                <a:cubicBezTo>
+                  <a:pt x="3123970" y="9710"/>
+                  <a:pt x="2882392" y="28246"/>
+                  <a:pt x="2649931" y="13716"/>
+                </a:cubicBezTo>
+                <a:cubicBezTo>
+                  <a:pt x="2417470" y="-814"/>
+                  <a:pt x="2238426" y="2765"/>
+                  <a:pt x="2054657" y="13716"/>
+                </a:cubicBezTo>
+                <a:cubicBezTo>
+                  <a:pt x="1870888" y="24667"/>
+                  <a:pt x="1566368" y="40468"/>
+                  <a:pt x="1324966" y="13716"/>
+                </a:cubicBezTo>
+                <a:cubicBezTo>
+                  <a:pt x="1083564" y="-13036"/>
+                  <a:pt x="787410" y="6374"/>
+                  <a:pt x="595274" y="13716"/>
+                </a:cubicBezTo>
+                <a:cubicBezTo>
+                  <a:pt x="403138" y="21058"/>
+                  <a:pt x="169622" y="5927"/>
+                  <a:pt x="0" y="13716"/>
+                </a:cubicBezTo>
+                <a:cubicBezTo>
+                  <a:pt x="-475" y="8699"/>
+                  <a:pt x="-565" y="4408"/>
+                  <a:pt x="0" y="0"/>
+                </a:cubicBezTo>
+                <a:close/>
+              </a:path>
+            </a:pathLst>
+          </a:custGeom>
+          <a:solidFill>
+            <a:schemeClr val="accent2"/>
+          </a:solidFill>
+          <a:ln w="41275" cap="rnd">
+            <a:solidFill>
+              <a:schemeClr val="accent2"/>
+            </a:solidFill>
+            <a:round/>
+            <a:extLst>
+              <a:ext uri="{C807C97D-BFC1-408E-A445-0C87EB9F89A2}">
+                <ask:lineSketchStyleProps xmlns:ask="http://schemas.microsoft.com/office/drawing/2018/sketchyshapes" sd="1219033472">
+                  <a:prstGeom prst="rect">
+                    <a:avLst/>
+                  </a:prstGeom>
+                  <ask:type>
+                    <ask:lineSketchFreehand/>
+                  </ask:type>
+                </ask:lineSketchStyleProps>
+              </a:ext>
+            </a:extLst>
+          </a:ln>
+        </p:spPr>
+        <p:style>
+          <a:lnRef idx="2">
+            <a:schemeClr val="accent1">
+              <a:shade val="50000"/>
+            </a:schemeClr>
+          </a:lnRef>
+          <a:fillRef idx="1">
+            <a:schemeClr val="accent1"/>
+          </a:fillRef>
+          <a:effectRef idx="0">
+            <a:schemeClr val="accent1"/>
+          </a:effectRef>
+          <a:fontRef idx="minor">
+            <a:schemeClr val="lt1"/>
+          </a:fontRef>
+        </p:style>
+        <p:txBody>
+          <a:bodyPr rtlCol="0" anchor="ctr"/>
+          <a:lstStyle/>
+          <a:p>
             <a:pPr algn="ctr"/>
             <a:endParaRPr lang="en-US"/>
           </a:p>
@@ -7339,13 +9801,13 @@
           <a:lstStyle/>
           <a:p>
             <a:r>
-              <a:rPr lang="en-US" sz="1900"/>
+              <a:rPr lang="en-US" sz="1900" dirty="0"/>
               <a:t>Problem: Predict whether a patient has diabetes based on medical and demographic data.</a:t>
             </a:r>
           </a:p>
           <a:p>
             <a:r>
-              <a:rPr lang="en-US" sz="1900"/>
+              <a:rPr lang="en-US" sz="1900" dirty="0"/>
               <a:t>Objective: Develop a machine learning model to achieve high classification accuracy (75%+).</a:t>
             </a:r>
           </a:p>
@@ -7359,7 +9821,7 @@
 </p:sld>
 </file>
 
-<file path=ppt/slides/slide3.xml><?xml version="1.0" encoding="utf-8"?>
+<file path=ppt/slides/slide4.xml><?xml version="1.0" encoding="utf-8"?>
 <p:sld xmlns:a="http://schemas.openxmlformats.org/drawingml/2006/main" xmlns:r="http://schemas.openxmlformats.org/officeDocument/2006/relationships" xmlns:p="http://schemas.openxmlformats.org/presentationml/2006/main">
   <p:cSld>
     <p:bg>
@@ -7467,7 +9929,7 @@
           <a:lstStyle/>
           <a:p>
             <a:r>
-              <a:rPr lang="en-US" sz="4700"/>
+              <a:rPr lang="en-US" sz="4700" dirty="0"/>
               <a:t>Data Collection and Cleaning</a:t>
             </a:r>
           </a:p>
@@ -8010,7 +10472,7 @@
 </p:sld>
 </file>
 
-<file path=ppt/slides/slide4.xml><?xml version="1.0" encoding="utf-8"?>
+<file path=ppt/slides/slide5.xml><?xml version="1.0" encoding="utf-8"?>
 <p:sld xmlns:a="http://schemas.openxmlformats.org/drawingml/2006/main" xmlns:r="http://schemas.openxmlformats.org/officeDocument/2006/relationships" xmlns:p="http://schemas.openxmlformats.org/presentationml/2006/main">
   <p:cSld>
     <p:bg>
@@ -8118,7 +10580,7 @@
           <a:lstStyle/>
           <a:p>
             <a:r>
-              <a:rPr lang="en-US" sz="4700"/>
+              <a:rPr lang="en-US" sz="4700" dirty="0"/>
               <a:t>Exploratory Data Analysis (EDA)</a:t>
             </a:r>
           </a:p>
@@ -8667,7 +11129,7 @@
 </p:sld>
 </file>
 
-<file path=ppt/slides/slide5.xml><?xml version="1.0" encoding="utf-8"?>
+<file path=ppt/slides/slide6.xml><?xml version="1.0" encoding="utf-8"?>
 <p:sld xmlns:a="http://schemas.openxmlformats.org/drawingml/2006/main" xmlns:r="http://schemas.openxmlformats.org/officeDocument/2006/relationships" xmlns:p="http://schemas.openxmlformats.org/presentationml/2006/main">
   <p:cSld>
     <p:bg>
@@ -8747,8 +11209,37 @@
           <a:bodyPr rtlCol="0" anchor="ctr"/>
           <a:lstStyle/>
           <a:p>
-            <a:pPr algn="ctr"/>
-            <a:endParaRPr lang="en-US"/>
+            <a:pPr marL="0" marR="0" lvl="0" indent="0" algn="ctr" defTabSz="457200" rtl="0" eaLnBrk="1" fontAlgn="auto" latinLnBrk="0" hangingPunct="1">
+              <a:lnSpc>
+                <a:spcPct val="100000"/>
+              </a:lnSpc>
+              <a:spcBef>
+                <a:spcPts val="0"/>
+              </a:spcBef>
+              <a:spcAft>
+                <a:spcPts val="0"/>
+              </a:spcAft>
+              <a:buClrTx/>
+              <a:buSzTx/>
+              <a:buFontTx/>
+              <a:buNone/>
+              <a:tabLst/>
+              <a:defRPr/>
+            </a:pPr>
+            <a:endParaRPr kumimoji="0" lang="en-US" sz="1800" b="0" i="0" u="none" strike="noStrike" kern="1200" cap="none" spc="0" normalizeH="0" baseline="0" noProof="0">
+              <a:ln>
+                <a:noFill/>
+              </a:ln>
+              <a:solidFill>
+                <a:prstClr val="white"/>
+              </a:solidFill>
+              <a:effectLst/>
+              <a:uLnTx/>
+              <a:uFillTx/>
+              <a:latin typeface="Calibri"/>
+              <a:ea typeface="+mn-ea"/>
+              <a:cs typeface="+mn-cs"/>
+            </a:endParaRPr>
           </a:p>
         </p:txBody>
       </p:sp>
@@ -8775,8 +11266,8 @@
           <a:lstStyle/>
           <a:p>
             <a:r>
-              <a:rPr lang="en-US" sz="4700"/>
-              <a:t>Model Implementation</a:t>
+              <a:rPr lang="en-US" sz="4700" dirty="0"/>
+              <a:t>Visualizations</a:t>
             </a:r>
           </a:p>
         </p:txBody>
@@ -9264,8 +11755,37 @@
           <a:bodyPr rtlCol="0" anchor="ctr"/>
           <a:lstStyle/>
           <a:p>
-            <a:pPr algn="ctr"/>
-            <a:endParaRPr lang="en-US"/>
+            <a:pPr marL="0" marR="0" lvl="0" indent="0" algn="ctr" defTabSz="457200" rtl="0" eaLnBrk="1" fontAlgn="auto" latinLnBrk="0" hangingPunct="1">
+              <a:lnSpc>
+                <a:spcPct val="100000"/>
+              </a:lnSpc>
+              <a:spcBef>
+                <a:spcPts val="0"/>
+              </a:spcBef>
+              <a:spcAft>
+                <a:spcPts val="0"/>
+              </a:spcAft>
+              <a:buClrTx/>
+              <a:buSzTx/>
+              <a:buFontTx/>
+              <a:buNone/>
+              <a:tabLst/>
+              <a:defRPr/>
+            </a:pPr>
+            <a:endParaRPr kumimoji="0" lang="en-US" sz="1800" b="0" i="0" u="none" strike="noStrike" kern="1200" cap="none" spc="0" normalizeH="0" baseline="0" noProof="0">
+              <a:ln>
+                <a:noFill/>
+              </a:ln>
+              <a:solidFill>
+                <a:prstClr val="white"/>
+              </a:solidFill>
+              <a:effectLst/>
+              <a:uLnTx/>
+              <a:uFillTx/>
+              <a:latin typeface="Calibri"/>
+              <a:ea typeface="+mn-ea"/>
+              <a:cs typeface="+mn-cs"/>
+            </a:endParaRPr>
           </a:p>
         </p:txBody>
       </p:sp>
@@ -9293,24 +11813,35 @@
           <a:p>
             <a:r>
               <a:rPr lang="en-US" sz="1900"/>
-              <a:t>Model Used: RandomForest Classifier.</a:t>
+              <a:t>Key Insights:</a:t>
             </a:r>
           </a:p>
           <a:p>
             <a:r>
               <a:rPr lang="en-US" sz="1900"/>
-              <a:t>Preprocessing: OneHotEncoder for categorical variables.</a:t>
+              <a:t>- Distribution of age, BMI, HbA1c, and blood glucose levels.</a:t>
             </a:r>
           </a:p>
           <a:p>
             <a:r>
               <a:rPr lang="en-US" sz="1900"/>
-              <a:t>Data Split: Training and testing sets for evaluation.</a:t>
+              <a:t>- Correlations between variables and target outcome (diabetes presence).</a:t>
+            </a:r>
+          </a:p>
+          <a:p>
+            <a:r>
+              <a:rPr lang="en-US" sz="1900"/>
+              <a:t>- Visualizations used: histograms, correlation matrix.</a:t>
             </a:r>
           </a:p>
         </p:txBody>
       </p:sp>
     </p:spTree>
+    <p:extLst>
+      <p:ext uri="{BB962C8B-B14F-4D97-AF65-F5344CB8AC3E}">
+        <p14:creationId xmlns:p14="http://schemas.microsoft.com/office/powerpoint/2010/main" val="1446889831"/>
+      </p:ext>
+    </p:extLst>
   </p:cSld>
   <p:clrMapOvr>
     <a:masterClrMapping/>
@@ -9318,7 +11849,586 @@
 </p:sld>
 </file>
 
-<file path=ppt/slides/slide6.xml><?xml version="1.0" encoding="utf-8"?>
+<file path=ppt/slides/slide7.xml><?xml version="1.0" encoding="utf-8"?>
+<p:sld xmlns:a="http://schemas.openxmlformats.org/drawingml/2006/main" xmlns:r="http://schemas.openxmlformats.org/officeDocument/2006/relationships" xmlns:p="http://schemas.openxmlformats.org/presentationml/2006/main">
+  <p:cSld>
+    <p:bg>
+      <p:bgPr>
+        <a:solidFill>
+          <a:schemeClr val="bg1"/>
+        </a:solidFill>
+        <a:effectLst/>
+      </p:bgPr>
+    </p:bg>
+    <p:spTree>
+      <p:nvGrpSpPr>
+        <p:cNvPr id="1" name=""/>
+        <p:cNvGrpSpPr/>
+        <p:nvPr/>
+      </p:nvGrpSpPr>
+      <p:grpSpPr>
+        <a:xfrm>
+          <a:off x="0" y="0"/>
+          <a:ext cx="0" cy="0"/>
+          <a:chOff x="0" y="0"/>
+          <a:chExt cx="0" cy="0"/>
+        </a:xfrm>
+      </p:grpSpPr>
+      <p:sp useBgFill="1">
+        <p:nvSpPr>
+          <p:cNvPr id="8" name="Rectangle 7">
+            <a:extLst>
+              <a:ext uri="{FF2B5EF4-FFF2-40B4-BE49-F238E27FC236}">
+                <a16:creationId xmlns:a16="http://schemas.microsoft.com/office/drawing/2014/main" id="{777A147A-9ED8-46B4-8660-1B3C2AA880B5}"/>
+              </a:ext>
+              <a:ext uri="{C183D7F6-B498-43B3-948B-1728B52AA6E4}">
+                <adec:decorative xmlns:adec="http://schemas.microsoft.com/office/drawing/2017/decorative" val="1"/>
+              </a:ext>
+            </a:extLst>
+          </p:cNvPr>
+          <p:cNvSpPr>
+            <a:spLocks noGrp="1" noRot="1" noChangeAspect="1" noMove="1" noResize="1" noEditPoints="1" noAdjustHandles="1" noChangeArrowheads="1" noChangeShapeType="1" noTextEdit="1"/>
+          </p:cNvSpPr>
+          <p:nvPr>
+            <p:extLst>
+              <p:ext uri="{386F3935-93C4-4BCD-93E2-E3B085C9AB24}">
+                <p16:designElem xmlns:p16="http://schemas.microsoft.com/office/powerpoint/2015/main" val="1"/>
+              </p:ext>
+            </p:extLst>
+          </p:nvPr>
+        </p:nvSpPr>
+        <p:spPr>
+          <a:xfrm>
+            <a:off x="0" y="0"/>
+            <a:ext cx="9141714" cy="6858000"/>
+          </a:xfrm>
+          <a:prstGeom prst="rect">
+            <a:avLst/>
+          </a:prstGeom>
+          <a:ln>
+            <a:noFill/>
+          </a:ln>
+        </p:spPr>
+        <p:style>
+          <a:lnRef idx="2">
+            <a:schemeClr val="accent1">
+              <a:shade val="50000"/>
+            </a:schemeClr>
+          </a:lnRef>
+          <a:fillRef idx="1">
+            <a:schemeClr val="accent1"/>
+          </a:fillRef>
+          <a:effectRef idx="0">
+            <a:schemeClr val="accent1"/>
+          </a:effectRef>
+          <a:fontRef idx="minor">
+            <a:schemeClr val="lt1"/>
+          </a:fontRef>
+        </p:style>
+        <p:txBody>
+          <a:bodyPr rtlCol="0" anchor="ctr"/>
+          <a:lstStyle/>
+          <a:p>
+            <a:pPr marL="0" marR="0" lvl="0" indent="0" algn="ctr" defTabSz="457200" rtl="0" eaLnBrk="1" fontAlgn="auto" latinLnBrk="0" hangingPunct="1">
+              <a:lnSpc>
+                <a:spcPct val="100000"/>
+              </a:lnSpc>
+              <a:spcBef>
+                <a:spcPts val="0"/>
+              </a:spcBef>
+              <a:spcAft>
+                <a:spcPts val="0"/>
+              </a:spcAft>
+              <a:buClrTx/>
+              <a:buSzTx/>
+              <a:buFontTx/>
+              <a:buNone/>
+              <a:tabLst/>
+              <a:defRPr/>
+            </a:pPr>
+            <a:endParaRPr kumimoji="0" lang="en-US" sz="1800" b="0" i="0" u="none" strike="noStrike" kern="1200" cap="none" spc="0" normalizeH="0" baseline="0" noProof="0">
+              <a:ln>
+                <a:noFill/>
+              </a:ln>
+              <a:solidFill>
+                <a:prstClr val="white"/>
+              </a:solidFill>
+              <a:effectLst/>
+              <a:uLnTx/>
+              <a:uFillTx/>
+              <a:latin typeface="Calibri"/>
+              <a:ea typeface="+mn-ea"/>
+              <a:cs typeface="+mn-cs"/>
+            </a:endParaRPr>
+          </a:p>
+        </p:txBody>
+      </p:sp>
+      <p:sp>
+        <p:nvSpPr>
+          <p:cNvPr id="2" name="Title 1"/>
+          <p:cNvSpPr>
+            <a:spLocks noGrp="1"/>
+          </p:cNvSpPr>
+          <p:nvPr>
+            <p:ph type="title"/>
+          </p:nvPr>
+        </p:nvSpPr>
+        <p:spPr>
+          <a:xfrm>
+            <a:off x="630936" y="548640"/>
+            <a:ext cx="2700645" cy="5431536"/>
+          </a:xfrm>
+        </p:spPr>
+        <p:txBody>
+          <a:bodyPr>
+            <a:normAutofit/>
+          </a:bodyPr>
+          <a:lstStyle/>
+          <a:p>
+            <a:r>
+              <a:rPr lang="en-US" sz="4700" dirty="0"/>
+              <a:t>Approach</a:t>
+            </a:r>
+          </a:p>
+        </p:txBody>
+      </p:sp>
+      <p:sp>
+        <p:nvSpPr>
+          <p:cNvPr id="10" name="sketch line">
+            <a:extLst>
+              <a:ext uri="{FF2B5EF4-FFF2-40B4-BE49-F238E27FC236}">
+                <a16:creationId xmlns:a16="http://schemas.microsoft.com/office/drawing/2014/main" id="{5D6C15A0-C087-4593-8414-2B4EC1CDC3DE}"/>
+              </a:ext>
+              <a:ext uri="{C183D7F6-B498-43B3-948B-1728B52AA6E4}">
+                <adec:decorative xmlns:adec="http://schemas.microsoft.com/office/drawing/2017/decorative" val="1"/>
+              </a:ext>
+            </a:extLst>
+          </p:cNvPr>
+          <p:cNvSpPr>
+            <a:spLocks noGrp="1" noRot="1" noChangeAspect="1" noMove="1" noResize="1" noEditPoints="1" noAdjustHandles="1" noChangeArrowheads="1" noChangeShapeType="1" noTextEdit="1"/>
+          </p:cNvSpPr>
+          <p:nvPr>
+            <p:extLst>
+              <p:ext uri="{386F3935-93C4-4BCD-93E2-E3B085C9AB24}">
+                <p16:designElem xmlns:p16="http://schemas.microsoft.com/office/powerpoint/2015/main" val="1"/>
+              </p:ext>
+            </p:extLst>
+          </p:nvPr>
+        </p:nvSpPr>
+        <p:spPr>
+          <a:xfrm rot="5400000">
+            <a:off x="1347917" y="3261001"/>
+            <a:ext cx="4480560" cy="13716"/>
+          </a:xfrm>
+          <a:custGeom>
+            <a:avLst/>
+            <a:gdLst>
+              <a:gd name="connsiteX0" fmla="*/ 0 w 4480560"/>
+              <a:gd name="connsiteY0" fmla="*/ 0 h 13716"/>
+              <a:gd name="connsiteX1" fmla="*/ 595274 w 4480560"/>
+              <a:gd name="connsiteY1" fmla="*/ 0 h 13716"/>
+              <a:gd name="connsiteX2" fmla="*/ 1100938 w 4480560"/>
+              <a:gd name="connsiteY2" fmla="*/ 0 h 13716"/>
+              <a:gd name="connsiteX3" fmla="*/ 1651406 w 4480560"/>
+              <a:gd name="connsiteY3" fmla="*/ 0 h 13716"/>
+              <a:gd name="connsiteX4" fmla="*/ 2336292 w 4480560"/>
+              <a:gd name="connsiteY4" fmla="*/ 0 h 13716"/>
+              <a:gd name="connsiteX5" fmla="*/ 2931566 w 4480560"/>
+              <a:gd name="connsiteY5" fmla="*/ 0 h 13716"/>
+              <a:gd name="connsiteX6" fmla="*/ 3482035 w 4480560"/>
+              <a:gd name="connsiteY6" fmla="*/ 0 h 13716"/>
+              <a:gd name="connsiteX7" fmla="*/ 4480560 w 4480560"/>
+              <a:gd name="connsiteY7" fmla="*/ 0 h 13716"/>
+              <a:gd name="connsiteX8" fmla="*/ 4480560 w 4480560"/>
+              <a:gd name="connsiteY8" fmla="*/ 13716 h 13716"/>
+              <a:gd name="connsiteX9" fmla="*/ 3840480 w 4480560"/>
+              <a:gd name="connsiteY9" fmla="*/ 13716 h 13716"/>
+              <a:gd name="connsiteX10" fmla="*/ 3290011 w 4480560"/>
+              <a:gd name="connsiteY10" fmla="*/ 13716 h 13716"/>
+              <a:gd name="connsiteX11" fmla="*/ 2560320 w 4480560"/>
+              <a:gd name="connsiteY11" fmla="*/ 13716 h 13716"/>
+              <a:gd name="connsiteX12" fmla="*/ 1965046 w 4480560"/>
+              <a:gd name="connsiteY12" fmla="*/ 13716 h 13716"/>
+              <a:gd name="connsiteX13" fmla="*/ 1459382 w 4480560"/>
+              <a:gd name="connsiteY13" fmla="*/ 13716 h 13716"/>
+              <a:gd name="connsiteX14" fmla="*/ 774497 w 4480560"/>
+              <a:gd name="connsiteY14" fmla="*/ 13716 h 13716"/>
+              <a:gd name="connsiteX15" fmla="*/ 0 w 4480560"/>
+              <a:gd name="connsiteY15" fmla="*/ 13716 h 13716"/>
+              <a:gd name="connsiteX16" fmla="*/ 0 w 4480560"/>
+              <a:gd name="connsiteY16" fmla="*/ 0 h 13716"/>
+            </a:gdLst>
+            <a:ahLst/>
+            <a:cxnLst>
+              <a:cxn ang="0">
+                <a:pos x="connsiteX0" y="connsiteY0"/>
+              </a:cxn>
+              <a:cxn ang="0">
+                <a:pos x="connsiteX1" y="connsiteY1"/>
+              </a:cxn>
+              <a:cxn ang="0">
+                <a:pos x="connsiteX2" y="connsiteY2"/>
+              </a:cxn>
+              <a:cxn ang="0">
+                <a:pos x="connsiteX3" y="connsiteY3"/>
+              </a:cxn>
+              <a:cxn ang="0">
+                <a:pos x="connsiteX4" y="connsiteY4"/>
+              </a:cxn>
+              <a:cxn ang="0">
+                <a:pos x="connsiteX5" y="connsiteY5"/>
+              </a:cxn>
+              <a:cxn ang="0">
+                <a:pos x="connsiteX6" y="connsiteY6"/>
+              </a:cxn>
+              <a:cxn ang="0">
+                <a:pos x="connsiteX7" y="connsiteY7"/>
+              </a:cxn>
+              <a:cxn ang="0">
+                <a:pos x="connsiteX8" y="connsiteY8"/>
+              </a:cxn>
+              <a:cxn ang="0">
+                <a:pos x="connsiteX9" y="connsiteY9"/>
+              </a:cxn>
+              <a:cxn ang="0">
+                <a:pos x="connsiteX10" y="connsiteY10"/>
+              </a:cxn>
+              <a:cxn ang="0">
+                <a:pos x="connsiteX11" y="connsiteY11"/>
+              </a:cxn>
+              <a:cxn ang="0">
+                <a:pos x="connsiteX12" y="connsiteY12"/>
+              </a:cxn>
+              <a:cxn ang="0">
+                <a:pos x="connsiteX13" y="connsiteY13"/>
+              </a:cxn>
+              <a:cxn ang="0">
+                <a:pos x="connsiteX14" y="connsiteY14"/>
+              </a:cxn>
+              <a:cxn ang="0">
+                <a:pos x="connsiteX15" y="connsiteY15"/>
+              </a:cxn>
+              <a:cxn ang="0">
+                <a:pos x="connsiteX16" y="connsiteY16"/>
+              </a:cxn>
+            </a:cxnLst>
+            <a:rect l="l" t="t" r="r" b="b"/>
+            <a:pathLst>
+              <a:path w="4480560" h="13716" fill="none" extrusionOk="0">
+                <a:moveTo>
+                  <a:pt x="0" y="0"/>
+                </a:moveTo>
+                <a:cubicBezTo>
+                  <a:pt x="267821" y="8731"/>
+                  <a:pt x="334105" y="2629"/>
+                  <a:pt x="595274" y="0"/>
+                </a:cubicBezTo>
+                <a:cubicBezTo>
+                  <a:pt x="856443" y="-2629"/>
+                  <a:pt x="863808" y="-13353"/>
+                  <a:pt x="1100938" y="0"/>
+                </a:cubicBezTo>
+                <a:cubicBezTo>
+                  <a:pt x="1338068" y="13353"/>
+                  <a:pt x="1431663" y="-25862"/>
+                  <a:pt x="1651406" y="0"/>
+                </a:cubicBezTo>
+                <a:cubicBezTo>
+                  <a:pt x="1871149" y="25862"/>
+                  <a:pt x="2173163" y="23827"/>
+                  <a:pt x="2336292" y="0"/>
+                </a:cubicBezTo>
+                <a:cubicBezTo>
+                  <a:pt x="2499421" y="-23827"/>
+                  <a:pt x="2720589" y="28148"/>
+                  <a:pt x="2931566" y="0"/>
+                </a:cubicBezTo>
+                <a:cubicBezTo>
+                  <a:pt x="3142543" y="-28148"/>
+                  <a:pt x="3323630" y="27022"/>
+                  <a:pt x="3482035" y="0"/>
+                </a:cubicBezTo>
+                <a:cubicBezTo>
+                  <a:pt x="3640440" y="-27022"/>
+                  <a:pt x="4012110" y="-20118"/>
+                  <a:pt x="4480560" y="0"/>
+                </a:cubicBezTo>
+                <a:cubicBezTo>
+                  <a:pt x="4480273" y="3379"/>
+                  <a:pt x="4480768" y="9289"/>
+                  <a:pt x="4480560" y="13716"/>
+                </a:cubicBezTo>
+                <a:cubicBezTo>
+                  <a:pt x="4314132" y="10352"/>
+                  <a:pt x="4028383" y="32060"/>
+                  <a:pt x="3840480" y="13716"/>
+                </a:cubicBezTo>
+                <a:cubicBezTo>
+                  <a:pt x="3652577" y="-4628"/>
+                  <a:pt x="3547615" y="-1724"/>
+                  <a:pt x="3290011" y="13716"/>
+                </a:cubicBezTo>
+                <a:cubicBezTo>
+                  <a:pt x="3032407" y="29156"/>
+                  <a:pt x="2830268" y="4147"/>
+                  <a:pt x="2560320" y="13716"/>
+                </a:cubicBezTo>
+                <a:cubicBezTo>
+                  <a:pt x="2290372" y="23285"/>
+                  <a:pt x="2147422" y="2156"/>
+                  <a:pt x="1965046" y="13716"/>
+                </a:cubicBezTo>
+                <a:cubicBezTo>
+                  <a:pt x="1782670" y="25276"/>
+                  <a:pt x="1689791" y="36108"/>
+                  <a:pt x="1459382" y="13716"/>
+                </a:cubicBezTo>
+                <a:cubicBezTo>
+                  <a:pt x="1228973" y="-8676"/>
+                  <a:pt x="915486" y="31929"/>
+                  <a:pt x="774497" y="13716"/>
+                </a:cubicBezTo>
+                <a:cubicBezTo>
+                  <a:pt x="633508" y="-4497"/>
+                  <a:pt x="361442" y="-15679"/>
+                  <a:pt x="0" y="13716"/>
+                </a:cubicBezTo>
+                <a:cubicBezTo>
+                  <a:pt x="-362" y="8190"/>
+                  <a:pt x="-434" y="6098"/>
+                  <a:pt x="0" y="0"/>
+                </a:cubicBezTo>
+                <a:close/>
+              </a:path>
+              <a:path w="4480560" h="13716" stroke="0" extrusionOk="0">
+                <a:moveTo>
+                  <a:pt x="0" y="0"/>
+                </a:moveTo>
+                <a:cubicBezTo>
+                  <a:pt x="285465" y="225"/>
+                  <a:pt x="322691" y="16223"/>
+                  <a:pt x="595274" y="0"/>
+                </a:cubicBezTo>
+                <a:cubicBezTo>
+                  <a:pt x="867857" y="-16223"/>
+                  <a:pt x="989129" y="-11242"/>
+                  <a:pt x="1100938" y="0"/>
+                </a:cubicBezTo>
+                <a:cubicBezTo>
+                  <a:pt x="1212747" y="11242"/>
+                  <a:pt x="1574350" y="-36410"/>
+                  <a:pt x="1830629" y="0"/>
+                </a:cubicBezTo>
+                <a:cubicBezTo>
+                  <a:pt x="2086908" y="36410"/>
+                  <a:pt x="2180922" y="4645"/>
+                  <a:pt x="2425903" y="0"/>
+                </a:cubicBezTo>
+                <a:cubicBezTo>
+                  <a:pt x="2670884" y="-4645"/>
+                  <a:pt x="2782024" y="22929"/>
+                  <a:pt x="3021178" y="0"/>
+                </a:cubicBezTo>
+                <a:cubicBezTo>
+                  <a:pt x="3260332" y="-22929"/>
+                  <a:pt x="3456982" y="-1586"/>
+                  <a:pt x="3750869" y="0"/>
+                </a:cubicBezTo>
+                <a:cubicBezTo>
+                  <a:pt x="4044756" y="1586"/>
+                  <a:pt x="4302726" y="17043"/>
+                  <a:pt x="4480560" y="0"/>
+                </a:cubicBezTo>
+                <a:cubicBezTo>
+                  <a:pt x="4480360" y="3832"/>
+                  <a:pt x="4481152" y="9314"/>
+                  <a:pt x="4480560" y="13716"/>
+                </a:cubicBezTo>
+                <a:cubicBezTo>
+                  <a:pt x="4279652" y="-11422"/>
+                  <a:pt x="4200762" y="36994"/>
+                  <a:pt x="3930091" y="13716"/>
+                </a:cubicBezTo>
+                <a:cubicBezTo>
+                  <a:pt x="3659420" y="-9562"/>
+                  <a:pt x="3456052" y="17722"/>
+                  <a:pt x="3290011" y="13716"/>
+                </a:cubicBezTo>
+                <a:cubicBezTo>
+                  <a:pt x="3123970" y="9710"/>
+                  <a:pt x="2882392" y="28246"/>
+                  <a:pt x="2649931" y="13716"/>
+                </a:cubicBezTo>
+                <a:cubicBezTo>
+                  <a:pt x="2417470" y="-814"/>
+                  <a:pt x="2238426" y="2765"/>
+                  <a:pt x="2054657" y="13716"/>
+                </a:cubicBezTo>
+                <a:cubicBezTo>
+                  <a:pt x="1870888" y="24667"/>
+                  <a:pt x="1566368" y="40468"/>
+                  <a:pt x="1324966" y="13716"/>
+                </a:cubicBezTo>
+                <a:cubicBezTo>
+                  <a:pt x="1083564" y="-13036"/>
+                  <a:pt x="787410" y="6374"/>
+                  <a:pt x="595274" y="13716"/>
+                </a:cubicBezTo>
+                <a:cubicBezTo>
+                  <a:pt x="403138" y="21058"/>
+                  <a:pt x="169622" y="5927"/>
+                  <a:pt x="0" y="13716"/>
+                </a:cubicBezTo>
+                <a:cubicBezTo>
+                  <a:pt x="-475" y="8699"/>
+                  <a:pt x="-565" y="4408"/>
+                  <a:pt x="0" y="0"/>
+                </a:cubicBezTo>
+                <a:close/>
+              </a:path>
+            </a:pathLst>
+          </a:custGeom>
+          <a:solidFill>
+            <a:schemeClr val="accent2"/>
+          </a:solidFill>
+          <a:ln w="41275" cap="rnd">
+            <a:solidFill>
+              <a:schemeClr val="accent2"/>
+            </a:solidFill>
+            <a:round/>
+            <a:extLst>
+              <a:ext uri="{C807C97D-BFC1-408E-A445-0C87EB9F89A2}">
+                <ask:lineSketchStyleProps xmlns:ask="http://schemas.microsoft.com/office/drawing/2018/sketchyshapes" sd="1219033472">
+                  <a:prstGeom prst="rect">
+                    <a:avLst/>
+                  </a:prstGeom>
+                  <ask:type>
+                    <ask:lineSketchFreehand/>
+                  </ask:type>
+                </ask:lineSketchStyleProps>
+              </a:ext>
+            </a:extLst>
+          </a:ln>
+        </p:spPr>
+        <p:style>
+          <a:lnRef idx="2">
+            <a:schemeClr val="accent1">
+              <a:shade val="50000"/>
+            </a:schemeClr>
+          </a:lnRef>
+          <a:fillRef idx="1">
+            <a:schemeClr val="accent1"/>
+          </a:fillRef>
+          <a:effectRef idx="0">
+            <a:schemeClr val="accent1"/>
+          </a:effectRef>
+          <a:fontRef idx="minor">
+            <a:schemeClr val="lt1"/>
+          </a:fontRef>
+        </p:style>
+        <p:txBody>
+          <a:bodyPr rtlCol="0" anchor="ctr"/>
+          <a:lstStyle/>
+          <a:p>
+            <a:pPr marL="0" marR="0" lvl="0" indent="0" algn="ctr" defTabSz="457200" rtl="0" eaLnBrk="1" fontAlgn="auto" latinLnBrk="0" hangingPunct="1">
+              <a:lnSpc>
+                <a:spcPct val="100000"/>
+              </a:lnSpc>
+              <a:spcBef>
+                <a:spcPts val="0"/>
+              </a:spcBef>
+              <a:spcAft>
+                <a:spcPts val="0"/>
+              </a:spcAft>
+              <a:buClrTx/>
+              <a:buSzTx/>
+              <a:buFontTx/>
+              <a:buNone/>
+              <a:tabLst/>
+              <a:defRPr/>
+            </a:pPr>
+            <a:endParaRPr kumimoji="0" lang="en-US" sz="1800" b="0" i="0" u="none" strike="noStrike" kern="1200" cap="none" spc="0" normalizeH="0" baseline="0" noProof="0">
+              <a:ln>
+                <a:noFill/>
+              </a:ln>
+              <a:solidFill>
+                <a:prstClr val="white"/>
+              </a:solidFill>
+              <a:effectLst/>
+              <a:uLnTx/>
+              <a:uFillTx/>
+              <a:latin typeface="Calibri"/>
+              <a:ea typeface="+mn-ea"/>
+              <a:cs typeface="+mn-cs"/>
+            </a:endParaRPr>
+          </a:p>
+        </p:txBody>
+      </p:sp>
+      <p:sp>
+        <p:nvSpPr>
+          <p:cNvPr id="3" name="Content Placeholder 2"/>
+          <p:cNvSpPr>
+            <a:spLocks noGrp="1"/>
+          </p:cNvSpPr>
+          <p:nvPr>
+            <p:ph idx="1"/>
+          </p:nvPr>
+        </p:nvSpPr>
+        <p:spPr>
+          <a:xfrm>
+            <a:off x="3844813" y="552091"/>
+            <a:ext cx="5030963" cy="5431536"/>
+          </a:xfrm>
+        </p:spPr>
+        <p:txBody>
+          <a:bodyPr anchor="ctr">
+            <a:normAutofit/>
+          </a:bodyPr>
+          <a:lstStyle/>
+          <a:p>
+            <a:pPr marL="0" indent="0">
+              <a:buNone/>
+            </a:pPr>
+            <a:r>
+              <a:rPr lang="en-US" sz="1800" b="0" i="0" u="none" strike="noStrike" dirty="0">
+                <a:solidFill>
+                  <a:srgbClr val="2B2B2B"/>
+                </a:solidFill>
+                <a:effectLst/>
+                <a:latin typeface="Roboto" panose="02000000000000000000" pitchFamily="2" charset="0"/>
+              </a:rPr>
+              <a:t>approach that your group took in achieving the project goals</a:t>
+            </a:r>
+          </a:p>
+          <a:p>
+            <a:pPr marL="0" indent="0">
+              <a:buNone/>
+            </a:pPr>
+            <a:endParaRPr lang="en-US" sz="2000" b="1" dirty="0">
+              <a:solidFill>
+                <a:schemeClr val="tx1">
+                  <a:lumMod val="85000"/>
+                  <a:lumOff val="15000"/>
+                </a:schemeClr>
+              </a:solidFill>
+            </a:endParaRPr>
+          </a:p>
+        </p:txBody>
+      </p:sp>
+    </p:spTree>
+    <p:extLst>
+      <p:ext uri="{BB962C8B-B14F-4D97-AF65-F5344CB8AC3E}">
+        <p14:creationId xmlns:p14="http://schemas.microsoft.com/office/powerpoint/2010/main" val="2438735633"/>
+      </p:ext>
+    </p:extLst>
+  </p:cSld>
+  <p:clrMapOvr>
+    <a:masterClrMapping/>
+  </p:clrMapOvr>
+</p:sld>
+</file>
+
+<file path=ppt/slides/slide8.xml><?xml version="1.0" encoding="utf-8"?>
 <p:sld xmlns:a="http://schemas.openxmlformats.org/drawingml/2006/main" xmlns:r="http://schemas.openxmlformats.org/officeDocument/2006/relationships" xmlns:p="http://schemas.openxmlformats.org/presentationml/2006/main">
   <p:cSld>
     <p:bg>
@@ -9426,8 +12536,8 @@
           <a:lstStyle/>
           <a:p>
             <a:r>
-              <a:rPr lang="en-US" sz="4700"/>
-              <a:t>Model Optimization</a:t>
+              <a:rPr lang="en-US" sz="4700" dirty="0"/>
+              <a:t>Model Implementation</a:t>
             </a:r>
           </a:p>
         </p:txBody>
@@ -9944,19 +13054,19 @@
           <a:p>
             <a:r>
               <a:rPr lang="en-US" sz="1900"/>
-              <a:t>Process: Iterative tuning of hyperparameters (e.g., number of estimators, max depth).</a:t>
+              <a:t>Model Used: RandomForest Classifier.</a:t>
             </a:r>
           </a:p>
           <a:p>
             <a:r>
               <a:rPr lang="en-US" sz="1900"/>
-              <a:t>Evaluation Metrics: Accuracy, confusion matrix.</a:t>
+              <a:t>Preprocessing: OneHotEncoder for categorical variables.</a:t>
             </a:r>
           </a:p>
           <a:p>
             <a:r>
               <a:rPr lang="en-US" sz="1900"/>
-              <a:t>Results: Each iteration improved accuracy and precision.</a:t>
+              <a:t>Data Split: Training and testing sets for evaluation.</a:t>
             </a:r>
           </a:p>
         </p:txBody>
@@ -9969,7 +13079,7 @@
 </p:sld>
 </file>
 
-<file path=ppt/slides/slide7.xml><?xml version="1.0" encoding="utf-8"?>
+<file path=ppt/slides/slide9.xml><?xml version="1.0" encoding="utf-8"?>
 <p:sld xmlns:a="http://schemas.openxmlformats.org/drawingml/2006/main" xmlns:r="http://schemas.openxmlformats.org/officeDocument/2006/relationships" xmlns:p="http://schemas.openxmlformats.org/presentationml/2006/main">
   <p:cSld>
     <p:bg>
@@ -10049,8 +13159,37 @@
           <a:bodyPr rtlCol="0" anchor="ctr"/>
           <a:lstStyle/>
           <a:p>
-            <a:pPr algn="ctr"/>
-            <a:endParaRPr lang="en-US"/>
+            <a:pPr marL="0" marR="0" lvl="0" indent="0" algn="ctr" defTabSz="457200" rtl="0" eaLnBrk="1" fontAlgn="auto" latinLnBrk="0" hangingPunct="1">
+              <a:lnSpc>
+                <a:spcPct val="100000"/>
+              </a:lnSpc>
+              <a:spcBef>
+                <a:spcPts val="0"/>
+              </a:spcBef>
+              <a:spcAft>
+                <a:spcPts val="0"/>
+              </a:spcAft>
+              <a:buClrTx/>
+              <a:buSzTx/>
+              <a:buFontTx/>
+              <a:buNone/>
+              <a:tabLst/>
+              <a:defRPr/>
+            </a:pPr>
+            <a:endParaRPr kumimoji="0" lang="en-US" sz="1800" b="0" i="0" u="none" strike="noStrike" kern="1200" cap="none" spc="0" normalizeH="0" baseline="0" noProof="0">
+              <a:ln>
+                <a:noFill/>
+              </a:ln>
+              <a:solidFill>
+                <a:prstClr val="white"/>
+              </a:solidFill>
+              <a:effectLst/>
+              <a:uLnTx/>
+              <a:uFillTx/>
+              <a:latin typeface="Calibri"/>
+              <a:ea typeface="+mn-ea"/>
+              <a:cs typeface="+mn-cs"/>
+            </a:endParaRPr>
           </a:p>
         </p:txBody>
       </p:sp>
@@ -10077,8 +13216,8 @@
           <a:lstStyle/>
           <a:p>
             <a:r>
-              <a:rPr lang="en-US" sz="4700"/>
-              <a:t>Final Model Performance</a:t>
+              <a:rPr lang="en-US" sz="4700" dirty="0"/>
+              <a:t>Model Optimization</a:t>
             </a:r>
           </a:p>
         </p:txBody>
@@ -10566,8 +13705,37 @@
           <a:bodyPr rtlCol="0" anchor="ctr"/>
           <a:lstStyle/>
           <a:p>
-            <a:pPr algn="ctr"/>
-            <a:endParaRPr lang="en-US"/>
+            <a:pPr marL="0" marR="0" lvl="0" indent="0" algn="ctr" defTabSz="457200" rtl="0" eaLnBrk="1" fontAlgn="auto" latinLnBrk="0" hangingPunct="1">
+              <a:lnSpc>
+                <a:spcPct val="100000"/>
+              </a:lnSpc>
+              <a:spcBef>
+                <a:spcPts val="0"/>
+              </a:spcBef>
+              <a:spcAft>
+                <a:spcPts val="0"/>
+              </a:spcAft>
+              <a:buClrTx/>
+              <a:buSzTx/>
+              <a:buFontTx/>
+              <a:buNone/>
+              <a:tabLst/>
+              <a:defRPr/>
+            </a:pPr>
+            <a:endParaRPr kumimoji="0" lang="en-US" sz="1800" b="0" i="0" u="none" strike="noStrike" kern="1200" cap="none" spc="0" normalizeH="0" baseline="0" noProof="0">
+              <a:ln>
+                <a:noFill/>
+              </a:ln>
+              <a:solidFill>
+                <a:prstClr val="white"/>
+              </a:solidFill>
+              <a:effectLst/>
+              <a:uLnTx/>
+              <a:uFillTx/>
+              <a:latin typeface="Calibri"/>
+              <a:ea typeface="+mn-ea"/>
+              <a:cs typeface="+mn-cs"/>
+            </a:endParaRPr>
           </a:p>
         </p:txBody>
       </p:sp>
@@ -10595,1320 +13763,29 @@
           <a:p>
             <a:r>
               <a:rPr lang="en-US" sz="1900"/>
-              <a:t>Accuracy: Achieved accuracy of [insert value].</a:t>
+              <a:t>Process: Iterative tuning of hyperparameters (e.g., number of estimators, max depth).</a:t>
             </a:r>
           </a:p>
           <a:p>
             <a:r>
               <a:rPr lang="en-US" sz="1900"/>
-              <a:t>Metrics: Confusion matrix, classification report (precision, recall, F1-score).</a:t>
+              <a:t>Evaluation Metrics: Accuracy, confusion matrix.</a:t>
             </a:r>
           </a:p>
           <a:p>
             <a:r>
               <a:rPr lang="en-US" sz="1900"/>
-              <a:t>Conclusion: Model performance met the target criteria of 75%+ accuracy.</a:t>
+              <a:t>Results: Each iteration improved accuracy and precision.</a:t>
             </a:r>
           </a:p>
         </p:txBody>
       </p:sp>
     </p:spTree>
-  </p:cSld>
-  <p:clrMapOvr>
-    <a:masterClrMapping/>
-  </p:clrMapOvr>
-</p:sld>
-</file>
-
-<file path=ppt/slides/slide8.xml><?xml version="1.0" encoding="utf-8"?>
-<p:sld xmlns:a="http://schemas.openxmlformats.org/drawingml/2006/main" xmlns:r="http://schemas.openxmlformats.org/officeDocument/2006/relationships" xmlns:p="http://schemas.openxmlformats.org/presentationml/2006/main">
-  <p:cSld>
-    <p:bg>
-      <p:bgPr>
-        <a:solidFill>
-          <a:schemeClr val="bg1"/>
-        </a:solidFill>
-        <a:effectLst/>
-      </p:bgPr>
-    </p:bg>
-    <p:spTree>
-      <p:nvGrpSpPr>
-        <p:cNvPr id="1" name=""/>
-        <p:cNvGrpSpPr/>
-        <p:nvPr/>
-      </p:nvGrpSpPr>
-      <p:grpSpPr>
-        <a:xfrm>
-          <a:off x="0" y="0"/>
-          <a:ext cx="0" cy="0"/>
-          <a:chOff x="0" y="0"/>
-          <a:chExt cx="0" cy="0"/>
-        </a:xfrm>
-      </p:grpSpPr>
-      <p:sp useBgFill="1">
-        <p:nvSpPr>
-          <p:cNvPr id="8" name="Rectangle 7">
-            <a:extLst>
-              <a:ext uri="{FF2B5EF4-FFF2-40B4-BE49-F238E27FC236}">
-                <a16:creationId xmlns:a16="http://schemas.microsoft.com/office/drawing/2014/main" id="{100EDD19-6802-4EC3-95CE-CFFAB042CFD6}"/>
-              </a:ext>
-              <a:ext uri="{C183D7F6-B498-43B3-948B-1728B52AA6E4}">
-                <adec:decorative xmlns:adec="http://schemas.microsoft.com/office/drawing/2017/decorative" val="1"/>
-              </a:ext>
-            </a:extLst>
-          </p:cNvPr>
-          <p:cNvSpPr>
-            <a:spLocks noGrp="1" noRot="1" noChangeAspect="1" noMove="1" noResize="1" noEditPoints="1" noAdjustHandles="1" noChangeArrowheads="1" noChangeShapeType="1" noTextEdit="1"/>
-          </p:cNvSpPr>
-          <p:nvPr>
-            <p:extLst>
-              <p:ext uri="{386F3935-93C4-4BCD-93E2-E3B085C9AB24}">
-                <p16:designElem xmlns:p16="http://schemas.microsoft.com/office/powerpoint/2015/main" val="1"/>
-              </p:ext>
-            </p:extLst>
-          </p:nvPr>
-        </p:nvSpPr>
-        <p:spPr>
-          <a:xfrm>
-            <a:off x="0" y="0"/>
-            <a:ext cx="9141714" cy="6858000"/>
-          </a:xfrm>
-          <a:prstGeom prst="rect">
-            <a:avLst/>
-          </a:prstGeom>
-          <a:ln>
-            <a:noFill/>
-          </a:ln>
-        </p:spPr>
-        <p:style>
-          <a:lnRef idx="2">
-            <a:schemeClr val="accent1">
-              <a:shade val="50000"/>
-            </a:schemeClr>
-          </a:lnRef>
-          <a:fillRef idx="1">
-            <a:schemeClr val="accent1"/>
-          </a:fillRef>
-          <a:effectRef idx="0">
-            <a:schemeClr val="accent1"/>
-          </a:effectRef>
-          <a:fontRef idx="minor">
-            <a:schemeClr val="lt1"/>
-          </a:fontRef>
-        </p:style>
-        <p:txBody>
-          <a:bodyPr rtlCol="0" anchor="ctr"/>
-          <a:lstStyle/>
-          <a:p>
-            <a:pPr algn="ctr"/>
-            <a:endParaRPr lang="en-US"/>
-          </a:p>
-        </p:txBody>
-      </p:sp>
-      <p:sp>
-        <p:nvSpPr>
-          <p:cNvPr id="2" name="Title 1"/>
-          <p:cNvSpPr>
-            <a:spLocks noGrp="1"/>
-          </p:cNvSpPr>
-          <p:nvPr>
-            <p:ph type="title"/>
-          </p:nvPr>
-        </p:nvSpPr>
-        <p:spPr>
-          <a:xfrm>
-            <a:off x="628650" y="365125"/>
-            <a:ext cx="7886700" cy="1325563"/>
-          </a:xfrm>
-        </p:spPr>
-        <p:txBody>
-          <a:bodyPr>
-            <a:normAutofit/>
-          </a:bodyPr>
-          <a:lstStyle/>
-          <a:p>
-            <a:r>
-              <a:rPr lang="en-US" sz="4700"/>
-              <a:t>GitHub Repository</a:t>
-            </a:r>
-          </a:p>
-        </p:txBody>
-      </p:sp>
-      <p:sp>
-        <p:nvSpPr>
-          <p:cNvPr id="10" name="sketch line">
-            <a:extLst>
-              <a:ext uri="{FF2B5EF4-FFF2-40B4-BE49-F238E27FC236}">
-                <a16:creationId xmlns:a16="http://schemas.microsoft.com/office/drawing/2014/main" id="{DB17E863-922E-4C26-BD64-E8FD41D28661}"/>
-              </a:ext>
-              <a:ext uri="{C183D7F6-B498-43B3-948B-1728B52AA6E4}">
-                <adec:decorative xmlns:adec="http://schemas.microsoft.com/office/drawing/2017/decorative" val="1"/>
-              </a:ext>
-            </a:extLst>
-          </p:cNvPr>
-          <p:cNvSpPr>
-            <a:spLocks noGrp="1" noRot="1" noChangeAspect="1" noMove="1" noResize="1" noEditPoints="1" noAdjustHandles="1" noChangeArrowheads="1" noChangeShapeType="1" noTextEdit="1"/>
-          </p:cNvSpPr>
-          <p:nvPr>
-            <p:extLst>
-              <p:ext uri="{386F3935-93C4-4BCD-93E2-E3B085C9AB24}">
-                <p16:designElem xmlns:p16="http://schemas.microsoft.com/office/powerpoint/2015/main" val="1"/>
-              </p:ext>
-            </p:extLst>
-          </p:nvPr>
-        </p:nvSpPr>
-        <p:spPr>
-          <a:xfrm>
-            <a:off x="501777" y="1677373"/>
-            <a:ext cx="8140446" cy="18288"/>
-          </a:xfrm>
-          <a:custGeom>
-            <a:avLst/>
-            <a:gdLst>
-              <a:gd name="connsiteX0" fmla="*/ 0 w 8140446"/>
-              <a:gd name="connsiteY0" fmla="*/ 0 h 18288"/>
-              <a:gd name="connsiteX1" fmla="*/ 434157 w 8140446"/>
-              <a:gd name="connsiteY1" fmla="*/ 0 h 18288"/>
-              <a:gd name="connsiteX2" fmla="*/ 1193932 w 8140446"/>
-              <a:gd name="connsiteY2" fmla="*/ 0 h 18288"/>
-              <a:gd name="connsiteX3" fmla="*/ 1628089 w 8140446"/>
-              <a:gd name="connsiteY3" fmla="*/ 0 h 18288"/>
-              <a:gd name="connsiteX4" fmla="*/ 2225055 w 8140446"/>
-              <a:gd name="connsiteY4" fmla="*/ 0 h 18288"/>
-              <a:gd name="connsiteX5" fmla="*/ 3066235 w 8140446"/>
-              <a:gd name="connsiteY5" fmla="*/ 0 h 18288"/>
-              <a:gd name="connsiteX6" fmla="*/ 3744605 w 8140446"/>
-              <a:gd name="connsiteY6" fmla="*/ 0 h 18288"/>
-              <a:gd name="connsiteX7" fmla="*/ 4504380 w 8140446"/>
-              <a:gd name="connsiteY7" fmla="*/ 0 h 18288"/>
-              <a:gd name="connsiteX8" fmla="*/ 5101346 w 8140446"/>
-              <a:gd name="connsiteY8" fmla="*/ 0 h 18288"/>
-              <a:gd name="connsiteX9" fmla="*/ 5779717 w 8140446"/>
-              <a:gd name="connsiteY9" fmla="*/ 0 h 18288"/>
-              <a:gd name="connsiteX10" fmla="*/ 6620896 w 8140446"/>
-              <a:gd name="connsiteY10" fmla="*/ 0 h 18288"/>
-              <a:gd name="connsiteX11" fmla="*/ 7136458 w 8140446"/>
-              <a:gd name="connsiteY11" fmla="*/ 0 h 18288"/>
-              <a:gd name="connsiteX12" fmla="*/ 8140446 w 8140446"/>
-              <a:gd name="connsiteY12" fmla="*/ 0 h 18288"/>
-              <a:gd name="connsiteX13" fmla="*/ 8140446 w 8140446"/>
-              <a:gd name="connsiteY13" fmla="*/ 18288 h 18288"/>
-              <a:gd name="connsiteX14" fmla="*/ 7543480 w 8140446"/>
-              <a:gd name="connsiteY14" fmla="*/ 18288 h 18288"/>
-              <a:gd name="connsiteX15" fmla="*/ 7109323 w 8140446"/>
-              <a:gd name="connsiteY15" fmla="*/ 18288 h 18288"/>
-              <a:gd name="connsiteX16" fmla="*/ 6430952 w 8140446"/>
-              <a:gd name="connsiteY16" fmla="*/ 18288 h 18288"/>
-              <a:gd name="connsiteX17" fmla="*/ 5915391 w 8140446"/>
-              <a:gd name="connsiteY17" fmla="*/ 18288 h 18288"/>
-              <a:gd name="connsiteX18" fmla="*/ 5237020 w 8140446"/>
-              <a:gd name="connsiteY18" fmla="*/ 18288 h 18288"/>
-              <a:gd name="connsiteX19" fmla="*/ 4558650 w 8140446"/>
-              <a:gd name="connsiteY19" fmla="*/ 18288 h 18288"/>
-              <a:gd name="connsiteX20" fmla="*/ 3880279 w 8140446"/>
-              <a:gd name="connsiteY20" fmla="*/ 18288 h 18288"/>
-              <a:gd name="connsiteX21" fmla="*/ 3201909 w 8140446"/>
-              <a:gd name="connsiteY21" fmla="*/ 18288 h 18288"/>
-              <a:gd name="connsiteX22" fmla="*/ 2604943 w 8140446"/>
-              <a:gd name="connsiteY22" fmla="*/ 18288 h 18288"/>
-              <a:gd name="connsiteX23" fmla="*/ 1845168 w 8140446"/>
-              <a:gd name="connsiteY23" fmla="*/ 18288 h 18288"/>
-              <a:gd name="connsiteX24" fmla="*/ 1166797 w 8140446"/>
-              <a:gd name="connsiteY24" fmla="*/ 18288 h 18288"/>
-              <a:gd name="connsiteX25" fmla="*/ 0 w 8140446"/>
-              <a:gd name="connsiteY25" fmla="*/ 18288 h 18288"/>
-              <a:gd name="connsiteX26" fmla="*/ 0 w 8140446"/>
-              <a:gd name="connsiteY26" fmla="*/ 0 h 18288"/>
-            </a:gdLst>
-            <a:ahLst/>
-            <a:cxnLst>
-              <a:cxn ang="0">
-                <a:pos x="connsiteX0" y="connsiteY0"/>
-              </a:cxn>
-              <a:cxn ang="0">
-                <a:pos x="connsiteX1" y="connsiteY1"/>
-              </a:cxn>
-              <a:cxn ang="0">
-                <a:pos x="connsiteX2" y="connsiteY2"/>
-              </a:cxn>
-              <a:cxn ang="0">
-                <a:pos x="connsiteX3" y="connsiteY3"/>
-              </a:cxn>
-              <a:cxn ang="0">
-                <a:pos x="connsiteX4" y="connsiteY4"/>
-              </a:cxn>
-              <a:cxn ang="0">
-                <a:pos x="connsiteX5" y="connsiteY5"/>
-              </a:cxn>
-              <a:cxn ang="0">
-                <a:pos x="connsiteX6" y="connsiteY6"/>
-              </a:cxn>
-              <a:cxn ang="0">
-                <a:pos x="connsiteX7" y="connsiteY7"/>
-              </a:cxn>
-              <a:cxn ang="0">
-                <a:pos x="connsiteX8" y="connsiteY8"/>
-              </a:cxn>
-              <a:cxn ang="0">
-                <a:pos x="connsiteX9" y="connsiteY9"/>
-              </a:cxn>
-              <a:cxn ang="0">
-                <a:pos x="connsiteX10" y="connsiteY10"/>
-              </a:cxn>
-              <a:cxn ang="0">
-                <a:pos x="connsiteX11" y="connsiteY11"/>
-              </a:cxn>
-              <a:cxn ang="0">
-                <a:pos x="connsiteX12" y="connsiteY12"/>
-              </a:cxn>
-              <a:cxn ang="0">
-                <a:pos x="connsiteX13" y="connsiteY13"/>
-              </a:cxn>
-              <a:cxn ang="0">
-                <a:pos x="connsiteX14" y="connsiteY14"/>
-              </a:cxn>
-              <a:cxn ang="0">
-                <a:pos x="connsiteX15" y="connsiteY15"/>
-              </a:cxn>
-              <a:cxn ang="0">
-                <a:pos x="connsiteX16" y="connsiteY16"/>
-              </a:cxn>
-              <a:cxn ang="0">
-                <a:pos x="connsiteX17" y="connsiteY17"/>
-              </a:cxn>
-              <a:cxn ang="0">
-                <a:pos x="connsiteX18" y="connsiteY18"/>
-              </a:cxn>
-              <a:cxn ang="0">
-                <a:pos x="connsiteX19" y="connsiteY19"/>
-              </a:cxn>
-              <a:cxn ang="0">
-                <a:pos x="connsiteX20" y="connsiteY20"/>
-              </a:cxn>
-              <a:cxn ang="0">
-                <a:pos x="connsiteX21" y="connsiteY21"/>
-              </a:cxn>
-              <a:cxn ang="0">
-                <a:pos x="connsiteX22" y="connsiteY22"/>
-              </a:cxn>
-              <a:cxn ang="0">
-                <a:pos x="connsiteX23" y="connsiteY23"/>
-              </a:cxn>
-              <a:cxn ang="0">
-                <a:pos x="connsiteX24" y="connsiteY24"/>
-              </a:cxn>
-              <a:cxn ang="0">
-                <a:pos x="connsiteX25" y="connsiteY25"/>
-              </a:cxn>
-              <a:cxn ang="0">
-                <a:pos x="connsiteX26" y="connsiteY26"/>
-              </a:cxn>
-            </a:cxnLst>
-            <a:rect l="l" t="t" r="r" b="b"/>
-            <a:pathLst>
-              <a:path w="8140446" h="18288" fill="none" extrusionOk="0">
-                <a:moveTo>
-                  <a:pt x="0" y="0"/>
-                </a:moveTo>
-                <a:cubicBezTo>
-                  <a:pt x="94920" y="9103"/>
-                  <a:pt x="287892" y="-4966"/>
-                  <a:pt x="434157" y="0"/>
-                </a:cubicBezTo>
-                <a:cubicBezTo>
-                  <a:pt x="580422" y="4966"/>
-                  <a:pt x="943595" y="-14182"/>
-                  <a:pt x="1193932" y="0"/>
-                </a:cubicBezTo>
-                <a:cubicBezTo>
-                  <a:pt x="1444270" y="14182"/>
-                  <a:pt x="1472129" y="5523"/>
-                  <a:pt x="1628089" y="0"/>
-                </a:cubicBezTo>
-                <a:cubicBezTo>
-                  <a:pt x="1784049" y="-5523"/>
-                  <a:pt x="1962419" y="-17322"/>
-                  <a:pt x="2225055" y="0"/>
-                </a:cubicBezTo>
-                <a:cubicBezTo>
-                  <a:pt x="2487691" y="17322"/>
-                  <a:pt x="2700681" y="1311"/>
-                  <a:pt x="3066235" y="0"/>
-                </a:cubicBezTo>
-                <a:cubicBezTo>
-                  <a:pt x="3431789" y="-1311"/>
-                  <a:pt x="3405662" y="25081"/>
-                  <a:pt x="3744605" y="0"/>
-                </a:cubicBezTo>
-                <a:cubicBezTo>
-                  <a:pt x="4083548" y="-25081"/>
-                  <a:pt x="4265111" y="-11945"/>
-                  <a:pt x="4504380" y="0"/>
-                </a:cubicBezTo>
-                <a:cubicBezTo>
-                  <a:pt x="4743649" y="11945"/>
-                  <a:pt x="4860394" y="-2832"/>
-                  <a:pt x="5101346" y="0"/>
-                </a:cubicBezTo>
-                <a:cubicBezTo>
-                  <a:pt x="5342298" y="2832"/>
-                  <a:pt x="5456387" y="23676"/>
-                  <a:pt x="5779717" y="0"/>
-                </a:cubicBezTo>
-                <a:cubicBezTo>
-                  <a:pt x="6103047" y="-23676"/>
-                  <a:pt x="6270379" y="-37291"/>
-                  <a:pt x="6620896" y="0"/>
-                </a:cubicBezTo>
-                <a:cubicBezTo>
-                  <a:pt x="6971413" y="37291"/>
-                  <a:pt x="6989068" y="24674"/>
-                  <a:pt x="7136458" y="0"/>
-                </a:cubicBezTo>
-                <a:cubicBezTo>
-                  <a:pt x="7283848" y="-24674"/>
-                  <a:pt x="7752532" y="-22436"/>
-                  <a:pt x="8140446" y="0"/>
-                </a:cubicBezTo>
-                <a:cubicBezTo>
-                  <a:pt x="8140314" y="7702"/>
-                  <a:pt x="8140234" y="13511"/>
-                  <a:pt x="8140446" y="18288"/>
-                </a:cubicBezTo>
-                <a:cubicBezTo>
-                  <a:pt x="7906329" y="-3043"/>
-                  <a:pt x="7681180" y="27465"/>
-                  <a:pt x="7543480" y="18288"/>
-                </a:cubicBezTo>
-                <a:cubicBezTo>
-                  <a:pt x="7405780" y="9111"/>
-                  <a:pt x="7216607" y="3660"/>
-                  <a:pt x="7109323" y="18288"/>
-                </a:cubicBezTo>
-                <a:cubicBezTo>
-                  <a:pt x="7002039" y="32916"/>
-                  <a:pt x="6576231" y="42692"/>
-                  <a:pt x="6430952" y="18288"/>
-                </a:cubicBezTo>
-                <a:cubicBezTo>
-                  <a:pt x="6285673" y="-6116"/>
-                  <a:pt x="6138840" y="34521"/>
-                  <a:pt x="5915391" y="18288"/>
-                </a:cubicBezTo>
-                <a:cubicBezTo>
-                  <a:pt x="5691942" y="2055"/>
-                  <a:pt x="5459460" y="51666"/>
-                  <a:pt x="5237020" y="18288"/>
-                </a:cubicBezTo>
-                <a:cubicBezTo>
-                  <a:pt x="5014580" y="-15090"/>
-                  <a:pt x="4747677" y="40449"/>
-                  <a:pt x="4558650" y="18288"/>
-                </a:cubicBezTo>
-                <a:cubicBezTo>
-                  <a:pt x="4369623" y="-3873"/>
-                  <a:pt x="4146061" y="12568"/>
-                  <a:pt x="3880279" y="18288"/>
-                </a:cubicBezTo>
-                <a:cubicBezTo>
-                  <a:pt x="3614497" y="24008"/>
-                  <a:pt x="3473808" y="-12908"/>
-                  <a:pt x="3201909" y="18288"/>
-                </a:cubicBezTo>
-                <a:cubicBezTo>
-                  <a:pt x="2930010" y="49484"/>
-                  <a:pt x="2728175" y="-3430"/>
-                  <a:pt x="2604943" y="18288"/>
-                </a:cubicBezTo>
-                <a:cubicBezTo>
-                  <a:pt x="2481711" y="40006"/>
-                  <a:pt x="2004334" y="26952"/>
-                  <a:pt x="1845168" y="18288"/>
-                </a:cubicBezTo>
-                <a:cubicBezTo>
-                  <a:pt x="1686003" y="9624"/>
-                  <a:pt x="1375070" y="37580"/>
-                  <a:pt x="1166797" y="18288"/>
-                </a:cubicBezTo>
-                <a:cubicBezTo>
-                  <a:pt x="958524" y="-1004"/>
-                  <a:pt x="342846" y="8880"/>
-                  <a:pt x="0" y="18288"/>
-                </a:cubicBezTo>
-                <a:cubicBezTo>
-                  <a:pt x="129" y="13298"/>
-                  <a:pt x="-675" y="6857"/>
-                  <a:pt x="0" y="0"/>
-                </a:cubicBezTo>
-                <a:close/>
-              </a:path>
-              <a:path w="8140446" h="18288" stroke="0" extrusionOk="0">
-                <a:moveTo>
-                  <a:pt x="0" y="0"/>
-                </a:moveTo>
-                <a:cubicBezTo>
-                  <a:pt x="142435" y="-24533"/>
-                  <a:pt x="380026" y="17447"/>
-                  <a:pt x="596966" y="0"/>
-                </a:cubicBezTo>
-                <a:cubicBezTo>
-                  <a:pt x="813906" y="-17447"/>
-                  <a:pt x="830530" y="13462"/>
-                  <a:pt x="1031123" y="0"/>
-                </a:cubicBezTo>
-                <a:cubicBezTo>
-                  <a:pt x="1231716" y="-13462"/>
-                  <a:pt x="1634038" y="0"/>
-                  <a:pt x="1872303" y="0"/>
-                </a:cubicBezTo>
-                <a:cubicBezTo>
-                  <a:pt x="2110568" y="0"/>
-                  <a:pt x="2261934" y="-25727"/>
-                  <a:pt x="2469269" y="0"/>
-                </a:cubicBezTo>
-                <a:cubicBezTo>
-                  <a:pt x="2676604" y="25727"/>
-                  <a:pt x="2790440" y="16284"/>
-                  <a:pt x="3066235" y="0"/>
-                </a:cubicBezTo>
-                <a:cubicBezTo>
-                  <a:pt x="3342030" y="-16284"/>
-                  <a:pt x="3685603" y="41976"/>
-                  <a:pt x="3907414" y="0"/>
-                </a:cubicBezTo>
-                <a:cubicBezTo>
-                  <a:pt x="4129225" y="-41976"/>
-                  <a:pt x="4177416" y="-7598"/>
-                  <a:pt x="4422976" y="0"/>
-                </a:cubicBezTo>
-                <a:cubicBezTo>
-                  <a:pt x="4668536" y="7598"/>
-                  <a:pt x="5023499" y="-28058"/>
-                  <a:pt x="5264155" y="0"/>
-                </a:cubicBezTo>
-                <a:cubicBezTo>
-                  <a:pt x="5504811" y="28058"/>
-                  <a:pt x="5703675" y="13288"/>
-                  <a:pt x="6105335" y="0"/>
-                </a:cubicBezTo>
-                <a:cubicBezTo>
-                  <a:pt x="6506995" y="-13288"/>
-                  <a:pt x="6455516" y="-5124"/>
-                  <a:pt x="6783705" y="0"/>
-                </a:cubicBezTo>
-                <a:cubicBezTo>
-                  <a:pt x="7111894" y="5124"/>
-                  <a:pt x="7512856" y="10604"/>
-                  <a:pt x="8140446" y="0"/>
-                </a:cubicBezTo>
-                <a:cubicBezTo>
-                  <a:pt x="8140458" y="8833"/>
-                  <a:pt x="8140986" y="9830"/>
-                  <a:pt x="8140446" y="18288"/>
-                </a:cubicBezTo>
-                <a:cubicBezTo>
-                  <a:pt x="7959314" y="3345"/>
-                  <a:pt x="7870113" y="10437"/>
-                  <a:pt x="7706289" y="18288"/>
-                </a:cubicBezTo>
-                <a:cubicBezTo>
-                  <a:pt x="7542465" y="26139"/>
-                  <a:pt x="7157940" y="17482"/>
-                  <a:pt x="6865109" y="18288"/>
-                </a:cubicBezTo>
-                <a:cubicBezTo>
-                  <a:pt x="6572278" y="19094"/>
-                  <a:pt x="6524256" y="38051"/>
-                  <a:pt x="6349548" y="18288"/>
-                </a:cubicBezTo>
-                <a:cubicBezTo>
-                  <a:pt x="6174840" y="-1475"/>
-                  <a:pt x="5951624" y="174"/>
-                  <a:pt x="5671177" y="18288"/>
-                </a:cubicBezTo>
-                <a:cubicBezTo>
-                  <a:pt x="5390730" y="36402"/>
-                  <a:pt x="5222992" y="60058"/>
-                  <a:pt x="4829998" y="18288"/>
-                </a:cubicBezTo>
-                <a:cubicBezTo>
-                  <a:pt x="4437004" y="-23482"/>
-                  <a:pt x="4344181" y="39087"/>
-                  <a:pt x="4151627" y="18288"/>
-                </a:cubicBezTo>
-                <a:cubicBezTo>
-                  <a:pt x="3959073" y="-2511"/>
-                  <a:pt x="3886970" y="32875"/>
-                  <a:pt x="3717470" y="18288"/>
-                </a:cubicBezTo>
-                <a:cubicBezTo>
-                  <a:pt x="3547970" y="3701"/>
-                  <a:pt x="3451521" y="31872"/>
-                  <a:pt x="3201909" y="18288"/>
-                </a:cubicBezTo>
-                <a:cubicBezTo>
-                  <a:pt x="2952297" y="4704"/>
-                  <a:pt x="2543413" y="6029"/>
-                  <a:pt x="2360729" y="18288"/>
-                </a:cubicBezTo>
-                <a:cubicBezTo>
-                  <a:pt x="2178045" y="30547"/>
-                  <a:pt x="1906056" y="25847"/>
-                  <a:pt x="1682359" y="18288"/>
-                </a:cubicBezTo>
-                <a:cubicBezTo>
-                  <a:pt x="1458662" y="10730"/>
-                  <a:pt x="1330405" y="8046"/>
-                  <a:pt x="1166797" y="18288"/>
-                </a:cubicBezTo>
-                <a:cubicBezTo>
-                  <a:pt x="1003189" y="28530"/>
-                  <a:pt x="278098" y="19533"/>
-                  <a:pt x="0" y="18288"/>
-                </a:cubicBezTo>
-                <a:cubicBezTo>
-                  <a:pt x="74" y="14054"/>
-                  <a:pt x="-46" y="6997"/>
-                  <a:pt x="0" y="0"/>
-                </a:cubicBezTo>
-                <a:close/>
-              </a:path>
-            </a:pathLst>
-          </a:custGeom>
-          <a:solidFill>
-            <a:schemeClr val="accent2"/>
-          </a:solidFill>
-          <a:ln w="41275" cap="rnd">
-            <a:solidFill>
-              <a:schemeClr val="accent2"/>
-            </a:solidFill>
-            <a:round/>
-            <a:extLst>
-              <a:ext uri="{C807C97D-BFC1-408E-A445-0C87EB9F89A2}">
-                <ask:lineSketchStyleProps xmlns:ask="http://schemas.microsoft.com/office/drawing/2018/sketchyshapes" sd="1219033472">
-                  <a:prstGeom prst="rect">
-                    <a:avLst/>
-                  </a:prstGeom>
-                  <ask:type>
-                    <ask:lineSketchFreehand/>
-                  </ask:type>
-                </ask:lineSketchStyleProps>
-              </a:ext>
-            </a:extLst>
-          </a:ln>
-        </p:spPr>
-        <p:style>
-          <a:lnRef idx="2">
-            <a:schemeClr val="accent1">
-              <a:shade val="50000"/>
-            </a:schemeClr>
-          </a:lnRef>
-          <a:fillRef idx="1">
-            <a:schemeClr val="accent1"/>
-          </a:fillRef>
-          <a:effectRef idx="0">
-            <a:schemeClr val="accent1"/>
-          </a:effectRef>
-          <a:fontRef idx="minor">
-            <a:schemeClr val="lt1"/>
-          </a:fontRef>
-        </p:style>
-        <p:txBody>
-          <a:bodyPr rtlCol="0" anchor="ctr"/>
-          <a:lstStyle/>
-          <a:p>
-            <a:pPr algn="ctr"/>
-            <a:endParaRPr lang="en-US"/>
-          </a:p>
-        </p:txBody>
-      </p:sp>
-      <p:sp>
-        <p:nvSpPr>
-          <p:cNvPr id="3" name="Content Placeholder 2"/>
-          <p:cNvSpPr>
-            <a:spLocks noGrp="1"/>
-          </p:cNvSpPr>
-          <p:nvPr>
-            <p:ph idx="1"/>
-          </p:nvPr>
-        </p:nvSpPr>
-        <p:spPr>
-          <a:xfrm>
-            <a:off x="628650" y="1929384"/>
-            <a:ext cx="7886700" cy="4251960"/>
-          </a:xfrm>
-        </p:spPr>
-        <p:txBody>
-          <a:bodyPr>
-            <a:normAutofit/>
-          </a:bodyPr>
-          <a:lstStyle/>
-          <a:p>
-            <a:r>
-              <a:rPr lang="en-US" sz="1900"/>
-              <a:t>Repo Structure: Clean folder structure, relevant code files only.</a:t>
-            </a:r>
-          </a:p>
-          <a:p>
-            <a:r>
-              <a:rPr lang="en-US" sz="1900"/>
-              <a:t>README: Well-documented overview of the project, how to run the code, and details about the data/model.</a:t>
-            </a:r>
-          </a:p>
-        </p:txBody>
-      </p:sp>
-    </p:spTree>
-  </p:cSld>
-  <p:clrMapOvr>
-    <a:masterClrMapping/>
-  </p:clrMapOvr>
-</p:sld>
-</file>
-
-<file path=ppt/slides/slide9.xml><?xml version="1.0" encoding="utf-8"?>
-<p:sld xmlns:a="http://schemas.openxmlformats.org/drawingml/2006/main" xmlns:r="http://schemas.openxmlformats.org/officeDocument/2006/relationships" xmlns:p="http://schemas.openxmlformats.org/presentationml/2006/main">
-  <p:cSld>
-    <p:bg>
-      <p:bgPr>
-        <a:solidFill>
-          <a:schemeClr val="bg1"/>
-        </a:solidFill>
-        <a:effectLst/>
-      </p:bgPr>
-    </p:bg>
-    <p:spTree>
-      <p:nvGrpSpPr>
-        <p:cNvPr id="1" name=""/>
-        <p:cNvGrpSpPr/>
-        <p:nvPr/>
-      </p:nvGrpSpPr>
-      <p:grpSpPr>
-        <a:xfrm>
-          <a:off x="0" y="0"/>
-          <a:ext cx="0" cy="0"/>
-          <a:chOff x="0" y="0"/>
-          <a:chExt cx="0" cy="0"/>
-        </a:xfrm>
-      </p:grpSpPr>
-      <p:sp useBgFill="1">
-        <p:nvSpPr>
-          <p:cNvPr id="8" name="Rectangle 7">
-            <a:extLst>
-              <a:ext uri="{FF2B5EF4-FFF2-40B4-BE49-F238E27FC236}">
-                <a16:creationId xmlns:a16="http://schemas.microsoft.com/office/drawing/2014/main" id="{100EDD19-6802-4EC3-95CE-CFFAB042CFD6}"/>
-              </a:ext>
-              <a:ext uri="{C183D7F6-B498-43B3-948B-1728B52AA6E4}">
-                <adec:decorative xmlns:adec="http://schemas.microsoft.com/office/drawing/2017/decorative" val="1"/>
-              </a:ext>
-            </a:extLst>
-          </p:cNvPr>
-          <p:cNvSpPr>
-            <a:spLocks noGrp="1" noRot="1" noChangeAspect="1" noMove="1" noResize="1" noEditPoints="1" noAdjustHandles="1" noChangeArrowheads="1" noChangeShapeType="1" noTextEdit="1"/>
-          </p:cNvSpPr>
-          <p:nvPr>
-            <p:extLst>
-              <p:ext uri="{386F3935-93C4-4BCD-93E2-E3B085C9AB24}">
-                <p16:designElem xmlns:p16="http://schemas.microsoft.com/office/powerpoint/2015/main" val="1"/>
-              </p:ext>
-            </p:extLst>
-          </p:nvPr>
-        </p:nvSpPr>
-        <p:spPr>
-          <a:xfrm>
-            <a:off x="0" y="0"/>
-            <a:ext cx="9141714" cy="6858000"/>
-          </a:xfrm>
-          <a:prstGeom prst="rect">
-            <a:avLst/>
-          </a:prstGeom>
-          <a:ln>
-            <a:noFill/>
-          </a:ln>
-        </p:spPr>
-        <p:style>
-          <a:lnRef idx="2">
-            <a:schemeClr val="accent1">
-              <a:shade val="50000"/>
-            </a:schemeClr>
-          </a:lnRef>
-          <a:fillRef idx="1">
-            <a:schemeClr val="accent1"/>
-          </a:fillRef>
-          <a:effectRef idx="0">
-            <a:schemeClr val="accent1"/>
-          </a:effectRef>
-          <a:fontRef idx="minor">
-            <a:schemeClr val="lt1"/>
-          </a:fontRef>
-        </p:style>
-        <p:txBody>
-          <a:bodyPr rtlCol="0" anchor="ctr"/>
-          <a:lstStyle/>
-          <a:p>
-            <a:pPr algn="ctr"/>
-            <a:endParaRPr lang="en-US"/>
-          </a:p>
-        </p:txBody>
-      </p:sp>
-      <p:sp>
-        <p:nvSpPr>
-          <p:cNvPr id="2" name="Title 1"/>
-          <p:cNvSpPr>
-            <a:spLocks noGrp="1"/>
-          </p:cNvSpPr>
-          <p:nvPr>
-            <p:ph type="title"/>
-          </p:nvPr>
-        </p:nvSpPr>
-        <p:spPr>
-          <a:xfrm>
-            <a:off x="628650" y="365125"/>
-            <a:ext cx="7886700" cy="1325563"/>
-          </a:xfrm>
-        </p:spPr>
-        <p:txBody>
-          <a:bodyPr>
-            <a:normAutofit/>
-          </a:bodyPr>
-          <a:lstStyle/>
-          <a:p>
-            <a:r>
-              <a:rPr lang="en-US" sz="4700"/>
-              <a:t>Conclusions</a:t>
-            </a:r>
-          </a:p>
-        </p:txBody>
-      </p:sp>
-      <p:sp>
-        <p:nvSpPr>
-          <p:cNvPr id="10" name="sketch line">
-            <a:extLst>
-              <a:ext uri="{FF2B5EF4-FFF2-40B4-BE49-F238E27FC236}">
-                <a16:creationId xmlns:a16="http://schemas.microsoft.com/office/drawing/2014/main" id="{DB17E863-922E-4C26-BD64-E8FD41D28661}"/>
-              </a:ext>
-              <a:ext uri="{C183D7F6-B498-43B3-948B-1728B52AA6E4}">
-                <adec:decorative xmlns:adec="http://schemas.microsoft.com/office/drawing/2017/decorative" val="1"/>
-              </a:ext>
-            </a:extLst>
-          </p:cNvPr>
-          <p:cNvSpPr>
-            <a:spLocks noGrp="1" noRot="1" noChangeAspect="1" noMove="1" noResize="1" noEditPoints="1" noAdjustHandles="1" noChangeArrowheads="1" noChangeShapeType="1" noTextEdit="1"/>
-          </p:cNvSpPr>
-          <p:nvPr>
-            <p:extLst>
-              <p:ext uri="{386F3935-93C4-4BCD-93E2-E3B085C9AB24}">
-                <p16:designElem xmlns:p16="http://schemas.microsoft.com/office/powerpoint/2015/main" val="1"/>
-              </p:ext>
-            </p:extLst>
-          </p:nvPr>
-        </p:nvSpPr>
-        <p:spPr>
-          <a:xfrm>
-            <a:off x="501777" y="1677373"/>
-            <a:ext cx="8140446" cy="18288"/>
-          </a:xfrm>
-          <a:custGeom>
-            <a:avLst/>
-            <a:gdLst>
-              <a:gd name="connsiteX0" fmla="*/ 0 w 8140446"/>
-              <a:gd name="connsiteY0" fmla="*/ 0 h 18288"/>
-              <a:gd name="connsiteX1" fmla="*/ 434157 w 8140446"/>
-              <a:gd name="connsiteY1" fmla="*/ 0 h 18288"/>
-              <a:gd name="connsiteX2" fmla="*/ 1193932 w 8140446"/>
-              <a:gd name="connsiteY2" fmla="*/ 0 h 18288"/>
-              <a:gd name="connsiteX3" fmla="*/ 1628089 w 8140446"/>
-              <a:gd name="connsiteY3" fmla="*/ 0 h 18288"/>
-              <a:gd name="connsiteX4" fmla="*/ 2225055 w 8140446"/>
-              <a:gd name="connsiteY4" fmla="*/ 0 h 18288"/>
-              <a:gd name="connsiteX5" fmla="*/ 3066235 w 8140446"/>
-              <a:gd name="connsiteY5" fmla="*/ 0 h 18288"/>
-              <a:gd name="connsiteX6" fmla="*/ 3744605 w 8140446"/>
-              <a:gd name="connsiteY6" fmla="*/ 0 h 18288"/>
-              <a:gd name="connsiteX7" fmla="*/ 4504380 w 8140446"/>
-              <a:gd name="connsiteY7" fmla="*/ 0 h 18288"/>
-              <a:gd name="connsiteX8" fmla="*/ 5101346 w 8140446"/>
-              <a:gd name="connsiteY8" fmla="*/ 0 h 18288"/>
-              <a:gd name="connsiteX9" fmla="*/ 5779717 w 8140446"/>
-              <a:gd name="connsiteY9" fmla="*/ 0 h 18288"/>
-              <a:gd name="connsiteX10" fmla="*/ 6620896 w 8140446"/>
-              <a:gd name="connsiteY10" fmla="*/ 0 h 18288"/>
-              <a:gd name="connsiteX11" fmla="*/ 7136458 w 8140446"/>
-              <a:gd name="connsiteY11" fmla="*/ 0 h 18288"/>
-              <a:gd name="connsiteX12" fmla="*/ 8140446 w 8140446"/>
-              <a:gd name="connsiteY12" fmla="*/ 0 h 18288"/>
-              <a:gd name="connsiteX13" fmla="*/ 8140446 w 8140446"/>
-              <a:gd name="connsiteY13" fmla="*/ 18288 h 18288"/>
-              <a:gd name="connsiteX14" fmla="*/ 7543480 w 8140446"/>
-              <a:gd name="connsiteY14" fmla="*/ 18288 h 18288"/>
-              <a:gd name="connsiteX15" fmla="*/ 7109323 w 8140446"/>
-              <a:gd name="connsiteY15" fmla="*/ 18288 h 18288"/>
-              <a:gd name="connsiteX16" fmla="*/ 6430952 w 8140446"/>
-              <a:gd name="connsiteY16" fmla="*/ 18288 h 18288"/>
-              <a:gd name="connsiteX17" fmla="*/ 5915391 w 8140446"/>
-              <a:gd name="connsiteY17" fmla="*/ 18288 h 18288"/>
-              <a:gd name="connsiteX18" fmla="*/ 5237020 w 8140446"/>
-              <a:gd name="connsiteY18" fmla="*/ 18288 h 18288"/>
-              <a:gd name="connsiteX19" fmla="*/ 4558650 w 8140446"/>
-              <a:gd name="connsiteY19" fmla="*/ 18288 h 18288"/>
-              <a:gd name="connsiteX20" fmla="*/ 3880279 w 8140446"/>
-              <a:gd name="connsiteY20" fmla="*/ 18288 h 18288"/>
-              <a:gd name="connsiteX21" fmla="*/ 3201909 w 8140446"/>
-              <a:gd name="connsiteY21" fmla="*/ 18288 h 18288"/>
-              <a:gd name="connsiteX22" fmla="*/ 2604943 w 8140446"/>
-              <a:gd name="connsiteY22" fmla="*/ 18288 h 18288"/>
-              <a:gd name="connsiteX23" fmla="*/ 1845168 w 8140446"/>
-              <a:gd name="connsiteY23" fmla="*/ 18288 h 18288"/>
-              <a:gd name="connsiteX24" fmla="*/ 1166797 w 8140446"/>
-              <a:gd name="connsiteY24" fmla="*/ 18288 h 18288"/>
-              <a:gd name="connsiteX25" fmla="*/ 0 w 8140446"/>
-              <a:gd name="connsiteY25" fmla="*/ 18288 h 18288"/>
-              <a:gd name="connsiteX26" fmla="*/ 0 w 8140446"/>
-              <a:gd name="connsiteY26" fmla="*/ 0 h 18288"/>
-            </a:gdLst>
-            <a:ahLst/>
-            <a:cxnLst>
-              <a:cxn ang="0">
-                <a:pos x="connsiteX0" y="connsiteY0"/>
-              </a:cxn>
-              <a:cxn ang="0">
-                <a:pos x="connsiteX1" y="connsiteY1"/>
-              </a:cxn>
-              <a:cxn ang="0">
-                <a:pos x="connsiteX2" y="connsiteY2"/>
-              </a:cxn>
-              <a:cxn ang="0">
-                <a:pos x="connsiteX3" y="connsiteY3"/>
-              </a:cxn>
-              <a:cxn ang="0">
-                <a:pos x="connsiteX4" y="connsiteY4"/>
-              </a:cxn>
-              <a:cxn ang="0">
-                <a:pos x="connsiteX5" y="connsiteY5"/>
-              </a:cxn>
-              <a:cxn ang="0">
-                <a:pos x="connsiteX6" y="connsiteY6"/>
-              </a:cxn>
-              <a:cxn ang="0">
-                <a:pos x="connsiteX7" y="connsiteY7"/>
-              </a:cxn>
-              <a:cxn ang="0">
-                <a:pos x="connsiteX8" y="connsiteY8"/>
-              </a:cxn>
-              <a:cxn ang="0">
-                <a:pos x="connsiteX9" y="connsiteY9"/>
-              </a:cxn>
-              <a:cxn ang="0">
-                <a:pos x="connsiteX10" y="connsiteY10"/>
-              </a:cxn>
-              <a:cxn ang="0">
-                <a:pos x="connsiteX11" y="connsiteY11"/>
-              </a:cxn>
-              <a:cxn ang="0">
-                <a:pos x="connsiteX12" y="connsiteY12"/>
-              </a:cxn>
-              <a:cxn ang="0">
-                <a:pos x="connsiteX13" y="connsiteY13"/>
-              </a:cxn>
-              <a:cxn ang="0">
-                <a:pos x="connsiteX14" y="connsiteY14"/>
-              </a:cxn>
-              <a:cxn ang="0">
-                <a:pos x="connsiteX15" y="connsiteY15"/>
-              </a:cxn>
-              <a:cxn ang="0">
-                <a:pos x="connsiteX16" y="connsiteY16"/>
-              </a:cxn>
-              <a:cxn ang="0">
-                <a:pos x="connsiteX17" y="connsiteY17"/>
-              </a:cxn>
-              <a:cxn ang="0">
-                <a:pos x="connsiteX18" y="connsiteY18"/>
-              </a:cxn>
-              <a:cxn ang="0">
-                <a:pos x="connsiteX19" y="connsiteY19"/>
-              </a:cxn>
-              <a:cxn ang="0">
-                <a:pos x="connsiteX20" y="connsiteY20"/>
-              </a:cxn>
-              <a:cxn ang="0">
-                <a:pos x="connsiteX21" y="connsiteY21"/>
-              </a:cxn>
-              <a:cxn ang="0">
-                <a:pos x="connsiteX22" y="connsiteY22"/>
-              </a:cxn>
-              <a:cxn ang="0">
-                <a:pos x="connsiteX23" y="connsiteY23"/>
-              </a:cxn>
-              <a:cxn ang="0">
-                <a:pos x="connsiteX24" y="connsiteY24"/>
-              </a:cxn>
-              <a:cxn ang="0">
-                <a:pos x="connsiteX25" y="connsiteY25"/>
-              </a:cxn>
-              <a:cxn ang="0">
-                <a:pos x="connsiteX26" y="connsiteY26"/>
-              </a:cxn>
-            </a:cxnLst>
-            <a:rect l="l" t="t" r="r" b="b"/>
-            <a:pathLst>
-              <a:path w="8140446" h="18288" fill="none" extrusionOk="0">
-                <a:moveTo>
-                  <a:pt x="0" y="0"/>
-                </a:moveTo>
-                <a:cubicBezTo>
-                  <a:pt x="94920" y="9103"/>
-                  <a:pt x="287892" y="-4966"/>
-                  <a:pt x="434157" y="0"/>
-                </a:cubicBezTo>
-                <a:cubicBezTo>
-                  <a:pt x="580422" y="4966"/>
-                  <a:pt x="943595" y="-14182"/>
-                  <a:pt x="1193932" y="0"/>
-                </a:cubicBezTo>
-                <a:cubicBezTo>
-                  <a:pt x="1444270" y="14182"/>
-                  <a:pt x="1472129" y="5523"/>
-                  <a:pt x="1628089" y="0"/>
-                </a:cubicBezTo>
-                <a:cubicBezTo>
-                  <a:pt x="1784049" y="-5523"/>
-                  <a:pt x="1962419" y="-17322"/>
-                  <a:pt x="2225055" y="0"/>
-                </a:cubicBezTo>
-                <a:cubicBezTo>
-                  <a:pt x="2487691" y="17322"/>
-                  <a:pt x="2700681" y="1311"/>
-                  <a:pt x="3066235" y="0"/>
-                </a:cubicBezTo>
-                <a:cubicBezTo>
-                  <a:pt x="3431789" y="-1311"/>
-                  <a:pt x="3405662" y="25081"/>
-                  <a:pt x="3744605" y="0"/>
-                </a:cubicBezTo>
-                <a:cubicBezTo>
-                  <a:pt x="4083548" y="-25081"/>
-                  <a:pt x="4265111" y="-11945"/>
-                  <a:pt x="4504380" y="0"/>
-                </a:cubicBezTo>
-                <a:cubicBezTo>
-                  <a:pt x="4743649" y="11945"/>
-                  <a:pt x="4860394" y="-2832"/>
-                  <a:pt x="5101346" y="0"/>
-                </a:cubicBezTo>
-                <a:cubicBezTo>
-                  <a:pt x="5342298" y="2832"/>
-                  <a:pt x="5456387" y="23676"/>
-                  <a:pt x="5779717" y="0"/>
-                </a:cubicBezTo>
-                <a:cubicBezTo>
-                  <a:pt x="6103047" y="-23676"/>
-                  <a:pt x="6270379" y="-37291"/>
-                  <a:pt x="6620896" y="0"/>
-                </a:cubicBezTo>
-                <a:cubicBezTo>
-                  <a:pt x="6971413" y="37291"/>
-                  <a:pt x="6989068" y="24674"/>
-                  <a:pt x="7136458" y="0"/>
-                </a:cubicBezTo>
-                <a:cubicBezTo>
-                  <a:pt x="7283848" y="-24674"/>
-                  <a:pt x="7752532" y="-22436"/>
-                  <a:pt x="8140446" y="0"/>
-                </a:cubicBezTo>
-                <a:cubicBezTo>
-                  <a:pt x="8140314" y="7702"/>
-                  <a:pt x="8140234" y="13511"/>
-                  <a:pt x="8140446" y="18288"/>
-                </a:cubicBezTo>
-                <a:cubicBezTo>
-                  <a:pt x="7906329" y="-3043"/>
-                  <a:pt x="7681180" y="27465"/>
-                  <a:pt x="7543480" y="18288"/>
-                </a:cubicBezTo>
-                <a:cubicBezTo>
-                  <a:pt x="7405780" y="9111"/>
-                  <a:pt x="7216607" y="3660"/>
-                  <a:pt x="7109323" y="18288"/>
-                </a:cubicBezTo>
-                <a:cubicBezTo>
-                  <a:pt x="7002039" y="32916"/>
-                  <a:pt x="6576231" y="42692"/>
-                  <a:pt x="6430952" y="18288"/>
-                </a:cubicBezTo>
-                <a:cubicBezTo>
-                  <a:pt x="6285673" y="-6116"/>
-                  <a:pt x="6138840" y="34521"/>
-                  <a:pt x="5915391" y="18288"/>
-                </a:cubicBezTo>
-                <a:cubicBezTo>
-                  <a:pt x="5691942" y="2055"/>
-                  <a:pt x="5459460" y="51666"/>
-                  <a:pt x="5237020" y="18288"/>
-                </a:cubicBezTo>
-                <a:cubicBezTo>
-                  <a:pt x="5014580" y="-15090"/>
-                  <a:pt x="4747677" y="40449"/>
-                  <a:pt x="4558650" y="18288"/>
-                </a:cubicBezTo>
-                <a:cubicBezTo>
-                  <a:pt x="4369623" y="-3873"/>
-                  <a:pt x="4146061" y="12568"/>
-                  <a:pt x="3880279" y="18288"/>
-                </a:cubicBezTo>
-                <a:cubicBezTo>
-                  <a:pt x="3614497" y="24008"/>
-                  <a:pt x="3473808" y="-12908"/>
-                  <a:pt x="3201909" y="18288"/>
-                </a:cubicBezTo>
-                <a:cubicBezTo>
-                  <a:pt x="2930010" y="49484"/>
-                  <a:pt x="2728175" y="-3430"/>
-                  <a:pt x="2604943" y="18288"/>
-                </a:cubicBezTo>
-                <a:cubicBezTo>
-                  <a:pt x="2481711" y="40006"/>
-                  <a:pt x="2004334" y="26952"/>
-                  <a:pt x="1845168" y="18288"/>
-                </a:cubicBezTo>
-                <a:cubicBezTo>
-                  <a:pt x="1686003" y="9624"/>
-                  <a:pt x="1375070" y="37580"/>
-                  <a:pt x="1166797" y="18288"/>
-                </a:cubicBezTo>
-                <a:cubicBezTo>
-                  <a:pt x="958524" y="-1004"/>
-                  <a:pt x="342846" y="8880"/>
-                  <a:pt x="0" y="18288"/>
-                </a:cubicBezTo>
-                <a:cubicBezTo>
-                  <a:pt x="129" y="13298"/>
-                  <a:pt x="-675" y="6857"/>
-                  <a:pt x="0" y="0"/>
-                </a:cubicBezTo>
-                <a:close/>
-              </a:path>
-              <a:path w="8140446" h="18288" stroke="0" extrusionOk="0">
-                <a:moveTo>
-                  <a:pt x="0" y="0"/>
-                </a:moveTo>
-                <a:cubicBezTo>
-                  <a:pt x="142435" y="-24533"/>
-                  <a:pt x="380026" y="17447"/>
-                  <a:pt x="596966" y="0"/>
-                </a:cubicBezTo>
-                <a:cubicBezTo>
-                  <a:pt x="813906" y="-17447"/>
-                  <a:pt x="830530" y="13462"/>
-                  <a:pt x="1031123" y="0"/>
-                </a:cubicBezTo>
-                <a:cubicBezTo>
-                  <a:pt x="1231716" y="-13462"/>
-                  <a:pt x="1634038" y="0"/>
-                  <a:pt x="1872303" y="0"/>
-                </a:cubicBezTo>
-                <a:cubicBezTo>
-                  <a:pt x="2110568" y="0"/>
-                  <a:pt x="2261934" y="-25727"/>
-                  <a:pt x="2469269" y="0"/>
-                </a:cubicBezTo>
-                <a:cubicBezTo>
-                  <a:pt x="2676604" y="25727"/>
-                  <a:pt x="2790440" y="16284"/>
-                  <a:pt x="3066235" y="0"/>
-                </a:cubicBezTo>
-                <a:cubicBezTo>
-                  <a:pt x="3342030" y="-16284"/>
-                  <a:pt x="3685603" y="41976"/>
-                  <a:pt x="3907414" y="0"/>
-                </a:cubicBezTo>
-                <a:cubicBezTo>
-                  <a:pt x="4129225" y="-41976"/>
-                  <a:pt x="4177416" y="-7598"/>
-                  <a:pt x="4422976" y="0"/>
-                </a:cubicBezTo>
-                <a:cubicBezTo>
-                  <a:pt x="4668536" y="7598"/>
-                  <a:pt x="5023499" y="-28058"/>
-                  <a:pt x="5264155" y="0"/>
-                </a:cubicBezTo>
-                <a:cubicBezTo>
-                  <a:pt x="5504811" y="28058"/>
-                  <a:pt x="5703675" y="13288"/>
-                  <a:pt x="6105335" y="0"/>
-                </a:cubicBezTo>
-                <a:cubicBezTo>
-                  <a:pt x="6506995" y="-13288"/>
-                  <a:pt x="6455516" y="-5124"/>
-                  <a:pt x="6783705" y="0"/>
-                </a:cubicBezTo>
-                <a:cubicBezTo>
-                  <a:pt x="7111894" y="5124"/>
-                  <a:pt x="7512856" y="10604"/>
-                  <a:pt x="8140446" y="0"/>
-                </a:cubicBezTo>
-                <a:cubicBezTo>
-                  <a:pt x="8140458" y="8833"/>
-                  <a:pt x="8140986" y="9830"/>
-                  <a:pt x="8140446" y="18288"/>
-                </a:cubicBezTo>
-                <a:cubicBezTo>
-                  <a:pt x="7959314" y="3345"/>
-                  <a:pt x="7870113" y="10437"/>
-                  <a:pt x="7706289" y="18288"/>
-                </a:cubicBezTo>
-                <a:cubicBezTo>
-                  <a:pt x="7542465" y="26139"/>
-                  <a:pt x="7157940" y="17482"/>
-                  <a:pt x="6865109" y="18288"/>
-                </a:cubicBezTo>
-                <a:cubicBezTo>
-                  <a:pt x="6572278" y="19094"/>
-                  <a:pt x="6524256" y="38051"/>
-                  <a:pt x="6349548" y="18288"/>
-                </a:cubicBezTo>
-                <a:cubicBezTo>
-                  <a:pt x="6174840" y="-1475"/>
-                  <a:pt x="5951624" y="174"/>
-                  <a:pt x="5671177" y="18288"/>
-                </a:cubicBezTo>
-                <a:cubicBezTo>
-                  <a:pt x="5390730" y="36402"/>
-                  <a:pt x="5222992" y="60058"/>
-                  <a:pt x="4829998" y="18288"/>
-                </a:cubicBezTo>
-                <a:cubicBezTo>
-                  <a:pt x="4437004" y="-23482"/>
-                  <a:pt x="4344181" y="39087"/>
-                  <a:pt x="4151627" y="18288"/>
-                </a:cubicBezTo>
-                <a:cubicBezTo>
-                  <a:pt x="3959073" y="-2511"/>
-                  <a:pt x="3886970" y="32875"/>
-                  <a:pt x="3717470" y="18288"/>
-                </a:cubicBezTo>
-                <a:cubicBezTo>
-                  <a:pt x="3547970" y="3701"/>
-                  <a:pt x="3451521" y="31872"/>
-                  <a:pt x="3201909" y="18288"/>
-                </a:cubicBezTo>
-                <a:cubicBezTo>
-                  <a:pt x="2952297" y="4704"/>
-                  <a:pt x="2543413" y="6029"/>
-                  <a:pt x="2360729" y="18288"/>
-                </a:cubicBezTo>
-                <a:cubicBezTo>
-                  <a:pt x="2178045" y="30547"/>
-                  <a:pt x="1906056" y="25847"/>
-                  <a:pt x="1682359" y="18288"/>
-                </a:cubicBezTo>
-                <a:cubicBezTo>
-                  <a:pt x="1458662" y="10730"/>
-                  <a:pt x="1330405" y="8046"/>
-                  <a:pt x="1166797" y="18288"/>
-                </a:cubicBezTo>
-                <a:cubicBezTo>
-                  <a:pt x="1003189" y="28530"/>
-                  <a:pt x="278098" y="19533"/>
-                  <a:pt x="0" y="18288"/>
-                </a:cubicBezTo>
-                <a:cubicBezTo>
-                  <a:pt x="74" y="14054"/>
-                  <a:pt x="-46" y="6997"/>
-                  <a:pt x="0" y="0"/>
-                </a:cubicBezTo>
-                <a:close/>
-              </a:path>
-            </a:pathLst>
-          </a:custGeom>
-          <a:solidFill>
-            <a:schemeClr val="accent2"/>
-          </a:solidFill>
-          <a:ln w="41275" cap="rnd">
-            <a:solidFill>
-              <a:schemeClr val="accent2"/>
-            </a:solidFill>
-            <a:round/>
-            <a:extLst>
-              <a:ext uri="{C807C97D-BFC1-408E-A445-0C87EB9F89A2}">
-                <ask:lineSketchStyleProps xmlns:ask="http://schemas.microsoft.com/office/drawing/2018/sketchyshapes" sd="1219033472">
-                  <a:prstGeom prst="rect">
-                    <a:avLst/>
-                  </a:prstGeom>
-                  <ask:type>
-                    <ask:lineSketchFreehand/>
-                  </ask:type>
-                </ask:lineSketchStyleProps>
-              </a:ext>
-            </a:extLst>
-          </a:ln>
-        </p:spPr>
-        <p:style>
-          <a:lnRef idx="2">
-            <a:schemeClr val="accent1">
-              <a:shade val="50000"/>
-            </a:schemeClr>
-          </a:lnRef>
-          <a:fillRef idx="1">
-            <a:schemeClr val="accent1"/>
-          </a:fillRef>
-          <a:effectRef idx="0">
-            <a:schemeClr val="accent1"/>
-          </a:effectRef>
-          <a:fontRef idx="minor">
-            <a:schemeClr val="lt1"/>
-          </a:fontRef>
-        </p:style>
-        <p:txBody>
-          <a:bodyPr rtlCol="0" anchor="ctr"/>
-          <a:lstStyle/>
-          <a:p>
-            <a:pPr algn="ctr"/>
-            <a:endParaRPr lang="en-US"/>
-          </a:p>
-        </p:txBody>
-      </p:sp>
-      <p:sp>
-        <p:nvSpPr>
-          <p:cNvPr id="3" name="Content Placeholder 2"/>
-          <p:cNvSpPr>
-            <a:spLocks noGrp="1"/>
-          </p:cNvSpPr>
-          <p:nvPr>
-            <p:ph idx="1"/>
-          </p:nvPr>
-        </p:nvSpPr>
-        <p:spPr>
-          <a:xfrm>
-            <a:off x="628650" y="1929384"/>
-            <a:ext cx="7886700" cy="4251960"/>
-          </a:xfrm>
-        </p:spPr>
-        <p:txBody>
-          <a:bodyPr>
-            <a:normAutofit/>
-          </a:bodyPr>
-          <a:lstStyle/>
-          <a:p>
-            <a:r>
-              <a:rPr lang="en-US" sz="1900"/>
-              <a:t>Summary: Successfully built a RandomForest model to predict diabetes with over 75% accuracy.</a:t>
-            </a:r>
-          </a:p>
-          <a:p>
-            <a:r>
-              <a:rPr lang="en-US" sz="1900"/>
-              <a:t>Model Insight: Important features identified: age, BMI, and HbA1c levels.</a:t>
-            </a:r>
-          </a:p>
-          <a:p>
-            <a:r>
-              <a:rPr lang="en-US" sz="1900"/>
-              <a:t>Takeaway: Results show that machine learning can provide accurate predictions for diabetes risk.</a:t>
-            </a:r>
-          </a:p>
-        </p:txBody>
-      </p:sp>
-    </p:spTree>
+    <p:extLst>
+      <p:ext uri="{BB962C8B-B14F-4D97-AF65-F5344CB8AC3E}">
+        <p14:creationId xmlns:p14="http://schemas.microsoft.com/office/powerpoint/2010/main" val="769945257"/>
+      </p:ext>
+    </p:extLst>
   </p:cSld>
   <p:clrMapOvr>
     <a:masterClrMapping/>
